--- a/White_Final Presentation_2020.04.13.pptx
+++ b/White_Final Presentation_2020.04.13.pptx
@@ -4,15 +4,17 @@
   <p:sldMasterIdLst>
     <p:sldMasterId id="2147483648" r:id="rId1"/>
   </p:sldMasterIdLst>
+  <p:notesMasterIdLst>
+    <p:notesMasterId r:id="rId9"/>
+  </p:notesMasterIdLst>
   <p:sldIdLst>
     <p:sldId id="256" r:id="rId2"/>
-    <p:sldId id="259" r:id="rId3"/>
-    <p:sldId id="261" r:id="rId4"/>
-    <p:sldId id="262" r:id="rId5"/>
-    <p:sldId id="263" r:id="rId6"/>
-    <p:sldId id="258" r:id="rId7"/>
-    <p:sldId id="260" r:id="rId8"/>
-    <p:sldId id="257" r:id="rId9"/>
+    <p:sldId id="265" r:id="rId3"/>
+    <p:sldId id="264" r:id="rId4"/>
+    <p:sldId id="268" r:id="rId5"/>
+    <p:sldId id="266" r:id="rId6"/>
+    <p:sldId id="262" r:id="rId7"/>
+    <p:sldId id="267" r:id="rId8"/>
   </p:sldIdLst>
   <p:sldSz cx="12192000" cy="6858000"/>
   <p:notesSz cx="6858000" cy="9144000"/>
@@ -122,7 +124,7 @@
 <file path=ppt/revisionInfo.xml><?xml version="1.0" encoding="utf-8"?>
 <p1510:revInfo xmlns:a="http://schemas.openxmlformats.org/drawingml/2006/main" xmlns:r="http://schemas.openxmlformats.org/officeDocument/2006/relationships" xmlns:p1510="http://schemas.microsoft.com/office/powerpoint/2015/10/main">
   <p1510:revLst>
-    <p1510:client id="{0D16B10B-2D69-4014-A7D4-97A0C9C5D06D}" v="35" dt="2020-04-14T01:01:02.145"/>
+    <p1510:client id="{0D16B10B-2D69-4014-A7D4-97A0C9C5D06D}" v="198" dt="2020-04-14T06:45:38.413"/>
   </p1510:revLst>
 </p1510:revInfo>
 </file>
@@ -130,20 +132,44 @@
 <file path=ppt/changesInfos/changesInfo1.xml><?xml version="1.0" encoding="utf-8"?>
 <pc:chgInfo xmlns:a="http://schemas.openxmlformats.org/drawingml/2006/main" xmlns:r="http://schemas.openxmlformats.org/officeDocument/2006/relationships" xmlns:ac="http://schemas.microsoft.com/office/drawing/2013/main/command" xmlns:pc="http://schemas.microsoft.com/office/powerpoint/2013/main/command">
   <pc:docChgLst>
-    <pc:chgData name="Jessica White" userId="9af8ba108afe3784" providerId="LiveId" clId="{5887ACE8-B0EC-4D8B-B72F-B479544C0BA4}"/>
-    <pc:docChg chg="undo custSel addSld modSld modMainMaster">
-      <pc:chgData name="Jessica White" userId="9af8ba108afe3784" providerId="LiveId" clId="{5887ACE8-B0EC-4D8B-B72F-B479544C0BA4}" dt="2020-04-14T01:23:40.770" v="192" actId="1076"/>
+    <pc:chgData name="Jessica White" userId="9af8ba108afe3784" providerId="LiveId" clId="{0D16B10B-2D69-4014-A7D4-97A0C9C5D06D}"/>
+    <pc:docChg chg="modSld">
+      <pc:chgData name="Jessica White" userId="9af8ba108afe3784" providerId="LiveId" clId="{0D16B10B-2D69-4014-A7D4-97A0C9C5D06D}" dt="2020-04-14T16:05:12.483" v="0" actId="692"/>
       <pc:docMkLst>
         <pc:docMk/>
       </pc:docMkLst>
       <pc:sldChg chg="modSp">
-        <pc:chgData name="Jessica White" userId="9af8ba108afe3784" providerId="LiveId" clId="{5887ACE8-B0EC-4D8B-B72F-B479544C0BA4}" dt="2020-04-14T00:53:55.375" v="112" actId="20577"/>
+        <pc:chgData name="Jessica White" userId="9af8ba108afe3784" providerId="LiveId" clId="{0D16B10B-2D69-4014-A7D4-97A0C9C5D06D}" dt="2020-04-14T16:05:12.483" v="0" actId="692"/>
+        <pc:sldMkLst>
+          <pc:docMk/>
+          <pc:sldMk cId="2840286266" sldId="264"/>
+        </pc:sldMkLst>
+        <pc:picChg chg="mod">
+          <ac:chgData name="Jessica White" userId="9af8ba108afe3784" providerId="LiveId" clId="{0D16B10B-2D69-4014-A7D4-97A0C9C5D06D}" dt="2020-04-14T16:05:12.483" v="0" actId="692"/>
+          <ac:picMkLst>
+            <pc:docMk/>
+            <pc:sldMk cId="2840286266" sldId="264"/>
+            <ac:picMk id="33" creationId="{984D900C-E6D4-4202-A574-492A332E4F6D}"/>
+          </ac:picMkLst>
+        </pc:picChg>
+      </pc:sldChg>
+    </pc:docChg>
+  </pc:docChgLst>
+  <pc:docChgLst>
+    <pc:chgData name="Jessica White" userId="9af8ba108afe3784" providerId="LiveId" clId="{5887ACE8-B0EC-4D8B-B72F-B479544C0BA4}"/>
+    <pc:docChg chg="undo redo custSel mod addSld delSld modSld sldOrd modMainMaster">
+      <pc:chgData name="Jessica White" userId="9af8ba108afe3784" providerId="LiveId" clId="{5887ACE8-B0EC-4D8B-B72F-B479544C0BA4}" dt="2020-04-14T12:47:36.171" v="2374" actId="1035"/>
+      <pc:docMkLst>
+        <pc:docMk/>
+      </pc:docMkLst>
+      <pc:sldChg chg="delSp modSp">
+        <pc:chgData name="Jessica White" userId="9af8ba108afe3784" providerId="LiveId" clId="{5887ACE8-B0EC-4D8B-B72F-B479544C0BA4}" dt="2020-04-14T05:05:42.646" v="769" actId="20577"/>
         <pc:sldMkLst>
           <pc:docMk/>
           <pc:sldMk cId="1201995244" sldId="256"/>
         </pc:sldMkLst>
         <pc:spChg chg="mod">
-          <ac:chgData name="Jessica White" userId="9af8ba108afe3784" providerId="LiveId" clId="{5887ACE8-B0EC-4D8B-B72F-B479544C0BA4}" dt="2020-04-14T00:53:43.897" v="101" actId="20577"/>
+          <ac:chgData name="Jessica White" userId="9af8ba108afe3784" providerId="LiveId" clId="{5887ACE8-B0EC-4D8B-B72F-B479544C0BA4}" dt="2020-04-14T04:47:43.280" v="520" actId="20577"/>
           <ac:spMkLst>
             <pc:docMk/>
             <pc:sldMk cId="1201995244" sldId="256"/>
@@ -151,36 +177,104 @@
           </ac:spMkLst>
         </pc:spChg>
         <pc:spChg chg="mod">
-          <ac:chgData name="Jessica White" userId="9af8ba108afe3784" providerId="LiveId" clId="{5887ACE8-B0EC-4D8B-B72F-B479544C0BA4}" dt="2020-04-14T00:53:55.375" v="112" actId="20577"/>
+          <ac:chgData name="Jessica White" userId="9af8ba108afe3784" providerId="LiveId" clId="{5887ACE8-B0EC-4D8B-B72F-B479544C0BA4}" dt="2020-04-14T05:05:42.646" v="769" actId="20577"/>
           <ac:spMkLst>
             <pc:docMk/>
             <pc:sldMk cId="1201995244" sldId="256"/>
             <ac:spMk id="3" creationId="{CCC02263-E140-47F2-89BD-C418602CF467}"/>
           </ac:spMkLst>
         </pc:spChg>
+        <pc:spChg chg="del">
+          <ac:chgData name="Jessica White" userId="9af8ba108afe3784" providerId="LiveId" clId="{5887ACE8-B0EC-4D8B-B72F-B479544C0BA4}" dt="2020-04-14T05:01:16.862" v="733" actId="478"/>
+          <ac:spMkLst>
+            <pc:docMk/>
+            <pc:sldMk cId="1201995244" sldId="256"/>
+            <ac:spMk id="4" creationId="{01B7F346-1A79-4BAA-A2C0-4810EC2A1C4A}"/>
+          </ac:spMkLst>
+        </pc:spChg>
+        <pc:spChg chg="del mod">
+          <ac:chgData name="Jessica White" userId="9af8ba108afe3784" providerId="LiveId" clId="{5887ACE8-B0EC-4D8B-B72F-B479544C0BA4}" dt="2020-04-14T05:01:20.019" v="735" actId="478"/>
+          <ac:spMkLst>
+            <pc:docMk/>
+            <pc:sldMk cId="1201995244" sldId="256"/>
+            <ac:spMk id="5" creationId="{89D18358-BAD8-4159-96E0-F212CFA760C7}"/>
+          </ac:spMkLst>
+        </pc:spChg>
+        <pc:spChg chg="del">
+          <ac:chgData name="Jessica White" userId="9af8ba108afe3784" providerId="LiveId" clId="{5887ACE8-B0EC-4D8B-B72F-B479544C0BA4}" dt="2020-04-14T05:00:36.792" v="730" actId="478"/>
+          <ac:spMkLst>
+            <pc:docMk/>
+            <pc:sldMk cId="1201995244" sldId="256"/>
+            <ac:spMk id="6" creationId="{1A0ECCAB-5CA4-42EB-91E8-3536BCA663E4}"/>
+          </ac:spMkLst>
+        </pc:spChg>
       </pc:sldChg>
-      <pc:sldChg chg="addSp delSp modSp add">
-        <pc:chgData name="Jessica White" userId="9af8ba108afe3784" providerId="LiveId" clId="{5887ACE8-B0EC-4D8B-B72F-B479544C0BA4}" dt="2020-04-14T00:54:48.717" v="128"/>
+      <pc:sldChg chg="del">
+        <pc:chgData name="Jessica White" userId="9af8ba108afe3784" providerId="LiveId" clId="{5887ACE8-B0EC-4D8B-B72F-B479544C0BA4}" dt="2020-04-14T02:34:20.759" v="194" actId="2696"/>
+        <pc:sldMkLst>
+          <pc:docMk/>
+          <pc:sldMk cId="3193005330" sldId="257"/>
+        </pc:sldMkLst>
+      </pc:sldChg>
+      <pc:sldChg chg="del">
+        <pc:chgData name="Jessica White" userId="9af8ba108afe3784" providerId="LiveId" clId="{5887ACE8-B0EC-4D8B-B72F-B479544C0BA4}" dt="2020-04-14T02:34:54.334" v="195" actId="2696"/>
+        <pc:sldMkLst>
+          <pc:docMk/>
+          <pc:sldMk cId="2764939956" sldId="258"/>
+        </pc:sldMkLst>
+      </pc:sldChg>
+      <pc:sldChg chg="del">
+        <pc:chgData name="Jessica White" userId="9af8ba108afe3784" providerId="LiveId" clId="{5887ACE8-B0EC-4D8B-B72F-B479544C0BA4}" dt="2020-04-14T02:35:01.176" v="196" actId="2696"/>
+        <pc:sldMkLst>
+          <pc:docMk/>
+          <pc:sldMk cId="2521812323" sldId="259"/>
+        </pc:sldMkLst>
+      </pc:sldChg>
+      <pc:sldChg chg="del">
+        <pc:chgData name="Jessica White" userId="9af8ba108afe3784" providerId="LiveId" clId="{5887ACE8-B0EC-4D8B-B72F-B479544C0BA4}" dt="2020-04-14T02:34:19.984" v="193" actId="2696"/>
+        <pc:sldMkLst>
+          <pc:docMk/>
+          <pc:sldMk cId="4049878280" sldId="260"/>
+        </pc:sldMkLst>
+      </pc:sldChg>
+      <pc:sldChg chg="addSp delSp modSp add del">
+        <pc:chgData name="Jessica White" userId="9af8ba108afe3784" providerId="LiveId" clId="{5887ACE8-B0EC-4D8B-B72F-B479544C0BA4}" dt="2020-04-14T04:57:02.185" v="622" actId="2696"/>
         <pc:sldMkLst>
           <pc:docMk/>
           <pc:sldMk cId="1948248722" sldId="261"/>
         </pc:sldMkLst>
         <pc:spChg chg="mod">
-          <ac:chgData name="Jessica White" userId="9af8ba108afe3784" providerId="LiveId" clId="{5887ACE8-B0EC-4D8B-B72F-B479544C0BA4}" dt="2020-04-14T00:54:21.623" v="121" actId="553"/>
+          <ac:chgData name="Jessica White" userId="9af8ba108afe3784" providerId="LiveId" clId="{5887ACE8-B0EC-4D8B-B72F-B479544C0BA4}" dt="2020-04-14T04:03:18.178" v="477" actId="20577"/>
           <ac:spMkLst>
             <pc:docMk/>
             <pc:sldMk cId="1948248722" sldId="261"/>
             <ac:spMk id="2" creationId="{E3BBF2EB-343C-498B-B576-5E96017BEF8C}"/>
           </ac:spMkLst>
         </pc:spChg>
-        <pc:spChg chg="mod">
-          <ac:chgData name="Jessica White" userId="9af8ba108afe3784" providerId="LiveId" clId="{5887ACE8-B0EC-4D8B-B72F-B479544C0BA4}" dt="2020-04-14T00:54:30.587" v="125" actId="12789"/>
+        <pc:spChg chg="del mod">
+          <ac:chgData name="Jessica White" userId="9af8ba108afe3784" providerId="LiveId" clId="{5887ACE8-B0EC-4D8B-B72F-B479544C0BA4}" dt="2020-04-14T04:01:38.556" v="324" actId="478"/>
           <ac:spMkLst>
             <pc:docMk/>
             <pc:sldMk cId="1948248722" sldId="261"/>
             <ac:spMk id="3" creationId="{9DB55739-AD91-4607-ABD4-153083261E11}"/>
           </ac:spMkLst>
         </pc:spChg>
+        <pc:spChg chg="add del mod">
+          <ac:chgData name="Jessica White" userId="9af8ba108afe3784" providerId="LiveId" clId="{5887ACE8-B0EC-4D8B-B72F-B479544C0BA4}" dt="2020-04-14T04:01:40.374" v="325" actId="478"/>
+          <ac:spMkLst>
+            <pc:docMk/>
+            <pc:sldMk cId="1948248722" sldId="261"/>
+            <ac:spMk id="6" creationId="{3F27AB76-EB55-4F20-8A94-5D09B706B04B}"/>
+          </ac:spMkLst>
+        </pc:spChg>
+        <pc:picChg chg="add del mod">
+          <ac:chgData name="Jessica White" userId="9af8ba108afe3784" providerId="LiveId" clId="{5887ACE8-B0EC-4D8B-B72F-B479544C0BA4}" dt="2020-04-14T04:56:57.696" v="620"/>
+          <ac:picMkLst>
+            <pc:docMk/>
+            <pc:sldMk cId="1948248722" sldId="261"/>
+            <ac:picMk id="4" creationId="{AF568B63-2E4B-4F17-BADA-D211BFE1DA96}"/>
+          </ac:picMkLst>
+        </pc:picChg>
         <pc:picChg chg="add del mod">
           <ac:chgData name="Jessica White" userId="9af8ba108afe3784" providerId="LiveId" clId="{5887ACE8-B0EC-4D8B-B72F-B479544C0BA4}" dt="2020-04-14T00:54:48.717" v="128"/>
           <ac:picMkLst>
@@ -191,13 +285,21 @@
         </pc:picChg>
       </pc:sldChg>
       <pc:sldChg chg="addSp delSp modSp add">
-        <pc:chgData name="Jessica White" userId="9af8ba108afe3784" providerId="LiveId" clId="{5887ACE8-B0EC-4D8B-B72F-B479544C0BA4}" dt="2020-04-14T00:56:12.172" v="161" actId="14100"/>
+        <pc:chgData name="Jessica White" userId="9af8ba108afe3784" providerId="LiveId" clId="{5887ACE8-B0EC-4D8B-B72F-B479544C0BA4}" dt="2020-04-14T12:47:36.171" v="2374" actId="1035"/>
         <pc:sldMkLst>
           <pc:docMk/>
           <pc:sldMk cId="563810342" sldId="262"/>
         </pc:sldMkLst>
         <pc:spChg chg="mod">
-          <ac:chgData name="Jessica White" userId="9af8ba108afe3784" providerId="LiveId" clId="{5887ACE8-B0EC-4D8B-B72F-B479544C0BA4}" dt="2020-04-14T00:56:12.172" v="161" actId="14100"/>
+          <ac:chgData name="Jessica White" userId="9af8ba108afe3784" providerId="LiveId" clId="{5887ACE8-B0EC-4D8B-B72F-B479544C0BA4}" dt="2020-04-14T05:57:52.286" v="1594" actId="20577"/>
+          <ac:spMkLst>
+            <pc:docMk/>
+            <pc:sldMk cId="563810342" sldId="262"/>
+            <ac:spMk id="2" creationId="{0708C9E9-1429-421C-803D-CDAD4ED9171D}"/>
+          </ac:spMkLst>
+        </pc:spChg>
+        <pc:spChg chg="del mod">
+          <ac:chgData name="Jessica White" userId="9af8ba108afe3784" providerId="LiveId" clId="{5887ACE8-B0EC-4D8B-B72F-B479544C0BA4}" dt="2020-04-14T05:33:32.660" v="1006" actId="478"/>
           <ac:spMkLst>
             <pc:docMk/>
             <pc:sldMk cId="563810342" sldId="262"/>
@@ -212,17 +314,153 @@
             <ac:spMk id="5" creationId="{61ED5802-3606-4BAC-806B-3595E21E83B2}"/>
           </ac:spMkLst>
         </pc:spChg>
-        <pc:picChg chg="add mod">
-          <ac:chgData name="Jessica White" userId="9af8ba108afe3784" providerId="LiveId" clId="{5887ACE8-B0EC-4D8B-B72F-B479544C0BA4}" dt="2020-04-14T00:55:08.459" v="135" actId="553"/>
+        <pc:spChg chg="mod">
+          <ac:chgData name="Jessica White" userId="9af8ba108afe3784" providerId="LiveId" clId="{5887ACE8-B0EC-4D8B-B72F-B479544C0BA4}" dt="2020-04-14T05:35:41.071" v="1023" actId="465"/>
+          <ac:spMkLst>
+            <pc:docMk/>
+            <pc:sldMk cId="563810342" sldId="262"/>
+            <ac:spMk id="8" creationId="{DF8C07F3-9F78-4A63-ADFD-FDFA63DB66A1}"/>
+          </ac:spMkLst>
+        </pc:spChg>
+        <pc:spChg chg="add del mod">
+          <ac:chgData name="Jessica White" userId="9af8ba108afe3784" providerId="LiveId" clId="{5887ACE8-B0EC-4D8B-B72F-B479544C0BA4}" dt="2020-04-14T05:33:35.549" v="1007" actId="478"/>
+          <ac:spMkLst>
+            <pc:docMk/>
+            <pc:sldMk cId="563810342" sldId="262"/>
+            <ac:spMk id="10" creationId="{27CAC7CC-540A-46F4-A5AF-A55BE0C0BB40}"/>
+          </ac:spMkLst>
+        </pc:spChg>
+        <pc:spChg chg="add del mod">
+          <ac:chgData name="Jessica White" userId="9af8ba108afe3784" providerId="LiveId" clId="{5887ACE8-B0EC-4D8B-B72F-B479544C0BA4}" dt="2020-04-14T05:39:48.489" v="1031" actId="478"/>
+          <ac:spMkLst>
+            <pc:docMk/>
+            <pc:sldMk cId="563810342" sldId="262"/>
+            <ac:spMk id="12" creationId="{7AFDE318-40AC-42B4-9EC8-AB9F00E79C3D}"/>
+          </ac:spMkLst>
+        </pc:spChg>
+        <pc:spChg chg="add mod">
+          <ac:chgData name="Jessica White" userId="9af8ba108afe3784" providerId="LiveId" clId="{5887ACE8-B0EC-4D8B-B72F-B479544C0BA4}" dt="2020-04-14T05:41:53.159" v="1318" actId="1035"/>
+          <ac:spMkLst>
+            <pc:docMk/>
+            <pc:sldMk cId="563810342" sldId="262"/>
+            <ac:spMk id="13" creationId="{A05EA919-8EE6-4CCD-A24B-2A3F72312DCC}"/>
+          </ac:spMkLst>
+        </pc:spChg>
+        <pc:spChg chg="add mod">
+          <ac:chgData name="Jessica White" userId="9af8ba108afe3784" providerId="LiveId" clId="{5887ACE8-B0EC-4D8B-B72F-B479544C0BA4}" dt="2020-04-14T05:42:08.737" v="1319" actId="14100"/>
+          <ac:spMkLst>
+            <pc:docMk/>
+            <pc:sldMk cId="563810342" sldId="262"/>
+            <ac:spMk id="14" creationId="{E9B5A246-B44A-4C9C-8178-4FF261D5B506}"/>
+          </ac:spMkLst>
+        </pc:spChg>
+        <pc:spChg chg="add mod">
+          <ac:chgData name="Jessica White" userId="9af8ba108afe3784" providerId="LiveId" clId="{5887ACE8-B0EC-4D8B-B72F-B479544C0BA4}" dt="2020-04-14T12:47:36.171" v="2374" actId="1035"/>
+          <ac:spMkLst>
+            <pc:docMk/>
+            <pc:sldMk cId="563810342" sldId="262"/>
+            <ac:spMk id="15" creationId="{BBDDF973-29F0-4EB8-A762-80D0DAEA6D6E}"/>
+          </ac:spMkLst>
+        </pc:spChg>
+        <pc:spChg chg="add mod">
+          <ac:chgData name="Jessica White" userId="9af8ba108afe3784" providerId="LiveId" clId="{5887ACE8-B0EC-4D8B-B72F-B479544C0BA4}" dt="2020-04-14T05:43:59.846" v="1371" actId="14100"/>
+          <ac:spMkLst>
+            <pc:docMk/>
+            <pc:sldMk cId="563810342" sldId="262"/>
+            <ac:spMk id="16" creationId="{53EBDBB8-F00E-4F52-9AC7-107E83CD4EAD}"/>
+          </ac:spMkLst>
+        </pc:spChg>
+        <pc:spChg chg="add mod">
+          <ac:chgData name="Jessica White" userId="9af8ba108afe3784" providerId="LiveId" clId="{5887ACE8-B0EC-4D8B-B72F-B479544C0BA4}" dt="2020-04-14T12:46:31.536" v="2370" actId="1037"/>
+          <ac:spMkLst>
+            <pc:docMk/>
+            <pc:sldMk cId="563810342" sldId="262"/>
+            <ac:spMk id="18" creationId="{005B11CB-E216-4CE3-A120-64DFAE325F07}"/>
+          </ac:spMkLst>
+        </pc:spChg>
+        <pc:spChg chg="add mod">
+          <ac:chgData name="Jessica White" userId="9af8ba108afe3784" providerId="LiveId" clId="{5887ACE8-B0EC-4D8B-B72F-B479544C0BA4}" dt="2020-04-14T05:51:04.464" v="1409" actId="1035"/>
+          <ac:spMkLst>
+            <pc:docMk/>
+            <pc:sldMk cId="563810342" sldId="262"/>
+            <ac:spMk id="19" creationId="{D2BD6E9D-EAD9-4010-8DAE-44009B27FC06}"/>
+          </ac:spMkLst>
+        </pc:spChg>
+        <pc:picChg chg="add del mod">
+          <ac:chgData name="Jessica White" userId="9af8ba108afe3784" providerId="LiveId" clId="{5887ACE8-B0EC-4D8B-B72F-B479544C0BA4}" dt="2020-04-14T04:52:36.899" v="529"/>
           <ac:picMkLst>
             <pc:docMk/>
             <pc:sldMk cId="563810342" sldId="262"/>
             <ac:picMk id="4" creationId="{009FEB1E-DA2C-496F-9FB8-FF5A057240B5}"/>
           </ac:picMkLst>
         </pc:picChg>
+        <pc:picChg chg="add mod">
+          <ac:chgData name="Jessica White" userId="9af8ba108afe3784" providerId="LiveId" clId="{5887ACE8-B0EC-4D8B-B72F-B479544C0BA4}" dt="2020-04-14T05:41:13.851" v="1233" actId="1076"/>
+          <ac:picMkLst>
+            <pc:docMk/>
+            <pc:sldMk cId="563810342" sldId="262"/>
+            <ac:picMk id="11" creationId="{7207F2A0-F716-41DD-9D12-241284F1FA9A}"/>
+          </ac:picMkLst>
+        </pc:picChg>
+        <pc:picChg chg="add del mod">
+          <ac:chgData name="Jessica White" userId="9af8ba108afe3784" providerId="LiveId" clId="{5887ACE8-B0EC-4D8B-B72F-B479544C0BA4}" dt="2020-04-14T05:49:29.285" v="1374" actId="478"/>
+          <ac:picMkLst>
+            <pc:docMk/>
+            <pc:sldMk cId="563810342" sldId="262"/>
+            <ac:picMk id="17" creationId="{ECA3D8A5-B45F-4384-B5EF-E0F72A0F7DE8}"/>
+          </ac:picMkLst>
+        </pc:picChg>
+        <pc:picChg chg="add mod">
+          <ac:chgData name="Jessica White" userId="9af8ba108afe3784" providerId="LiveId" clId="{5887ACE8-B0EC-4D8B-B72F-B479544C0BA4}" dt="2020-04-14T05:56:18.383" v="1451" actId="1038"/>
+          <ac:picMkLst>
+            <pc:docMk/>
+            <pc:sldMk cId="563810342" sldId="262"/>
+            <ac:picMk id="20" creationId="{5162853F-F3D6-4605-9D44-C12ADEB56C34}"/>
+          </ac:picMkLst>
+        </pc:picChg>
+        <pc:picChg chg="del mod">
+          <ac:chgData name="Jessica White" userId="9af8ba108afe3784" providerId="LiveId" clId="{5887ACE8-B0EC-4D8B-B72F-B479544C0BA4}" dt="2020-04-14T06:01:18.283" v="1597" actId="478"/>
+          <ac:picMkLst>
+            <pc:docMk/>
+            <pc:sldMk cId="563810342" sldId="262"/>
+            <ac:picMk id="21" creationId="{6360D129-6C13-4E4C-A83E-673719EC40B3}"/>
+          </ac:picMkLst>
+        </pc:picChg>
+        <pc:picChg chg="del mod">
+          <ac:chgData name="Jessica White" userId="9af8ba108afe3784" providerId="LiveId" clId="{5887ACE8-B0EC-4D8B-B72F-B479544C0BA4}" dt="2020-04-14T06:01:25.911" v="1599" actId="478"/>
+          <ac:picMkLst>
+            <pc:docMk/>
+            <pc:sldMk cId="563810342" sldId="262"/>
+            <ac:picMk id="22" creationId="{85F5A7C1-A389-404E-9CF5-A63579269DC6}"/>
+          </ac:picMkLst>
+        </pc:picChg>
+        <pc:picChg chg="mod">
+          <ac:chgData name="Jessica White" userId="9af8ba108afe3784" providerId="LiveId" clId="{5887ACE8-B0EC-4D8B-B72F-B479544C0BA4}" dt="2020-04-14T06:45:38.413" v="2358" actId="207"/>
+          <ac:picMkLst>
+            <pc:docMk/>
+            <pc:sldMk cId="563810342" sldId="262"/>
+            <ac:picMk id="23" creationId="{2E02B381-8D25-433E-9351-1079E784A543}"/>
+          </ac:picMkLst>
+        </pc:picChg>
+        <pc:picChg chg="del mod">
+          <ac:chgData name="Jessica White" userId="9af8ba108afe3784" providerId="LiveId" clId="{5887ACE8-B0EC-4D8B-B72F-B479544C0BA4}" dt="2020-04-14T06:01:44.584" v="1601" actId="478"/>
+          <ac:picMkLst>
+            <pc:docMk/>
+            <pc:sldMk cId="563810342" sldId="262"/>
+            <ac:picMk id="24" creationId="{586258D2-3182-4573-A43F-CDE2B676CA8A}"/>
+          </ac:picMkLst>
+        </pc:picChg>
+        <pc:picChg chg="mod">
+          <ac:chgData name="Jessica White" userId="9af8ba108afe3784" providerId="LiveId" clId="{5887ACE8-B0EC-4D8B-B72F-B479544C0BA4}" dt="2020-04-14T06:45:36.603" v="2357" actId="207"/>
+          <ac:picMkLst>
+            <pc:docMk/>
+            <pc:sldMk cId="563810342" sldId="262"/>
+            <ac:picMk id="25" creationId="{4CB2B51A-43BC-4C8E-835E-5A54D6EF41C3}"/>
+          </ac:picMkLst>
+        </pc:picChg>
       </pc:sldChg>
-      <pc:sldChg chg="addSp modSp add">
-        <pc:chgData name="Jessica White" userId="9af8ba108afe3784" providerId="LiveId" clId="{5887ACE8-B0EC-4D8B-B72F-B479544C0BA4}" dt="2020-04-14T01:23:40.770" v="192" actId="1076"/>
+      <pc:sldChg chg="addSp modSp add del">
+        <pc:chgData name="Jessica White" userId="9af8ba108afe3784" providerId="LiveId" clId="{5887ACE8-B0EC-4D8B-B72F-B479544C0BA4}" dt="2020-04-14T05:53:03.909" v="1410" actId="2696"/>
         <pc:sldMkLst>
           <pc:docMk/>
           <pc:sldMk cId="152706772" sldId="263"/>
@@ -243,6 +481,14 @@
             <ac:spMk id="5" creationId="{DC2D91B1-5181-43A7-8418-EDB2ADE5EB30}"/>
           </ac:spMkLst>
         </pc:spChg>
+        <pc:spChg chg="mod">
+          <ac:chgData name="Jessica White" userId="9af8ba108afe3784" providerId="LiveId" clId="{5887ACE8-B0EC-4D8B-B72F-B479544C0BA4}" dt="2020-04-14T05:00:29.861" v="729" actId="20577"/>
+          <ac:spMkLst>
+            <pc:docMk/>
+            <pc:sldMk cId="152706772" sldId="263"/>
+            <ac:spMk id="8" creationId="{530B95CB-53C3-4780-9828-D3ECB7AA1A8B}"/>
+          </ac:spMkLst>
+        </pc:spChg>
         <pc:picChg chg="add mod modCrop">
           <ac:chgData name="Jessica White" userId="9af8ba108afe3784" providerId="LiveId" clId="{5887ACE8-B0EC-4D8B-B72F-B479544C0BA4}" dt="2020-04-14T01:20:17.316" v="191" actId="1076"/>
           <ac:picMkLst>
@@ -260,21 +506,536 @@
           </ac:picMkLst>
         </pc:picChg>
       </pc:sldChg>
-      <pc:sldMasterChg chg="modSldLayout">
-        <pc:chgData name="Jessica White" userId="9af8ba108afe3784" providerId="LiveId" clId="{5887ACE8-B0EC-4D8B-B72F-B479544C0BA4}" dt="2020-04-14T00:54:41.759" v="126" actId="14100"/>
+      <pc:sldChg chg="add del">
+        <pc:chgData name="Jessica White" userId="9af8ba108afe3784" providerId="LiveId" clId="{5887ACE8-B0EC-4D8B-B72F-B479544C0BA4}" dt="2020-04-14T04:02:47.737" v="370" actId="2696"/>
+        <pc:sldMkLst>
+          <pc:docMk/>
+          <pc:sldMk cId="2807685753" sldId="264"/>
+        </pc:sldMkLst>
+      </pc:sldChg>
+      <pc:sldChg chg="addSp delSp modSp add mod setBg">
+        <pc:chgData name="Jessica White" userId="9af8ba108afe3784" providerId="LiveId" clId="{5887ACE8-B0EC-4D8B-B72F-B479544C0BA4}" dt="2020-04-14T05:25:10.993" v="1005" actId="478"/>
+        <pc:sldMkLst>
+          <pc:docMk/>
+          <pc:sldMk cId="2840286266" sldId="264"/>
+        </pc:sldMkLst>
+        <pc:spChg chg="mod">
+          <ac:chgData name="Jessica White" userId="9af8ba108afe3784" providerId="LiveId" clId="{5887ACE8-B0EC-4D8B-B72F-B479544C0BA4}" dt="2020-04-14T05:24:44.048" v="998" actId="26606"/>
+          <ac:spMkLst>
+            <pc:docMk/>
+            <pc:sldMk cId="2840286266" sldId="264"/>
+            <ac:spMk id="2" creationId="{43D01DC1-9788-42E6-B625-CD82576C0710}"/>
+          </ac:spMkLst>
+        </pc:spChg>
+        <pc:spChg chg="del">
+          <ac:chgData name="Jessica White" userId="9af8ba108afe3784" providerId="LiveId" clId="{5887ACE8-B0EC-4D8B-B72F-B479544C0BA4}" dt="2020-04-14T04:52:23.571" v="522" actId="931"/>
+          <ac:spMkLst>
+            <pc:docMk/>
+            <pc:sldMk cId="2840286266" sldId="264"/>
+            <ac:spMk id="3" creationId="{038A0B2F-5B2D-447F-8365-661CDB0FA2C5}"/>
+          </ac:spMkLst>
+        </pc:spChg>
+        <pc:spChg chg="add del mod">
+          <ac:chgData name="Jessica White" userId="9af8ba108afe3784" providerId="LiveId" clId="{5887ACE8-B0EC-4D8B-B72F-B479544C0BA4}" dt="2020-04-14T04:53:25.756" v="533" actId="931"/>
+          <ac:spMkLst>
+            <pc:docMk/>
+            <pc:sldMk cId="2840286266" sldId="264"/>
+            <ac:spMk id="8" creationId="{70F38D7B-E72C-42AA-8FC6-D015010B8503}"/>
+          </ac:spMkLst>
+        </pc:spChg>
+        <pc:spChg chg="add del mod">
+          <ac:chgData name="Jessica White" userId="9af8ba108afe3784" providerId="LiveId" clId="{5887ACE8-B0EC-4D8B-B72F-B479544C0BA4}" dt="2020-04-14T04:53:59.922" v="543" actId="931"/>
+          <ac:spMkLst>
+            <pc:docMk/>
+            <pc:sldMk cId="2840286266" sldId="264"/>
+            <ac:spMk id="12" creationId="{7F58B088-7A38-4BB4-A1BE-00A3676E5CB9}"/>
+          </ac:spMkLst>
+        </pc:spChg>
+        <pc:spChg chg="add del mod">
+          <ac:chgData name="Jessica White" userId="9af8ba108afe3784" providerId="LiveId" clId="{5887ACE8-B0EC-4D8B-B72F-B479544C0BA4}" dt="2020-04-14T04:54:20.343" v="596" actId="931"/>
+          <ac:spMkLst>
+            <pc:docMk/>
+            <pc:sldMk cId="2840286266" sldId="264"/>
+            <ac:spMk id="16" creationId="{ED2A4CF9-BB80-446F-8E62-2AAB90DB2F9A}"/>
+          </ac:spMkLst>
+        </pc:spChg>
+        <pc:spChg chg="add del mod">
+          <ac:chgData name="Jessica White" userId="9af8ba108afe3784" providerId="LiveId" clId="{5887ACE8-B0EC-4D8B-B72F-B479544C0BA4}" dt="2020-04-14T04:54:39.209" v="605" actId="931"/>
+          <ac:spMkLst>
+            <pc:docMk/>
+            <pc:sldMk cId="2840286266" sldId="264"/>
+            <ac:spMk id="20" creationId="{67D42A29-FDF3-429F-860B-92AE2372C577}"/>
+          </ac:spMkLst>
+        </pc:spChg>
+        <pc:spChg chg="mod">
+          <ac:chgData name="Jessica White" userId="9af8ba108afe3784" providerId="LiveId" clId="{5887ACE8-B0EC-4D8B-B72F-B479544C0BA4}" dt="2020-04-14T05:24:44.048" v="998" actId="26606"/>
+          <ac:spMkLst>
+            <pc:docMk/>
+            <pc:sldMk cId="2840286266" sldId="264"/>
+            <ac:spMk id="23" creationId="{98B8D47C-885A-454F-A37C-6F9BADB68920}"/>
+          </ac:spMkLst>
+        </pc:spChg>
+        <pc:spChg chg="mod ord">
+          <ac:chgData name="Jessica White" userId="9af8ba108afe3784" providerId="LiveId" clId="{5887ACE8-B0EC-4D8B-B72F-B479544C0BA4}" dt="2020-04-14T05:24:44.048" v="998" actId="26606"/>
+          <ac:spMkLst>
+            <pc:docMk/>
+            <pc:sldMk cId="2840286266" sldId="264"/>
+            <ac:spMk id="24" creationId="{6E49BC97-E6C2-4F5E-9F58-7A3976927FED}"/>
+          </ac:spMkLst>
+        </pc:spChg>
+        <pc:spChg chg="mod">
+          <ac:chgData name="Jessica White" userId="9af8ba108afe3784" providerId="LiveId" clId="{5887ACE8-B0EC-4D8B-B72F-B479544C0BA4}" dt="2020-04-14T05:24:44.048" v="998" actId="26606"/>
+          <ac:spMkLst>
+            <pc:docMk/>
+            <pc:sldMk cId="2840286266" sldId="264"/>
+            <ac:spMk id="25" creationId="{05FBA3BA-2F30-4981-8A45-9CC2508B8799}"/>
+          </ac:spMkLst>
+        </pc:spChg>
+        <pc:spChg chg="add del mod">
+          <ac:chgData name="Jessica White" userId="9af8ba108afe3784" providerId="LiveId" clId="{5887ACE8-B0EC-4D8B-B72F-B479544C0BA4}" dt="2020-04-14T05:03:28.897" v="745" actId="478"/>
+          <ac:spMkLst>
+            <pc:docMk/>
+            <pc:sldMk cId="2840286266" sldId="264"/>
+            <ac:spMk id="29" creationId="{8CDE1648-82EC-4753-A315-03B3011B9D2D}"/>
+          </ac:spMkLst>
+        </pc:spChg>
+        <pc:spChg chg="add del">
+          <ac:chgData name="Jessica White" userId="9af8ba108afe3784" providerId="LiveId" clId="{5887ACE8-B0EC-4D8B-B72F-B479544C0BA4}" dt="2020-04-14T05:24:44.048" v="998" actId="26606"/>
+          <ac:spMkLst>
+            <pc:docMk/>
+            <pc:sldMk cId="2840286266" sldId="264"/>
+            <ac:spMk id="40" creationId="{247AB924-1B87-43FC-B7C7-B112D5C51A0E}"/>
+          </ac:spMkLst>
+        </pc:spChg>
+        <pc:grpChg chg="add del mod">
+          <ac:chgData name="Jessica White" userId="9af8ba108afe3784" providerId="LiveId" clId="{5887ACE8-B0EC-4D8B-B72F-B479544C0BA4}" dt="2020-04-14T05:23:22.575" v="986" actId="165"/>
+          <ac:grpSpMkLst>
+            <pc:docMk/>
+            <pc:sldMk cId="2840286266" sldId="264"/>
+            <ac:grpSpMk id="30" creationId="{9D9AAEF6-A511-4978-A635-2B2CCD974E9A}"/>
+          </ac:grpSpMkLst>
+        </pc:grpChg>
+        <pc:picChg chg="add del mod">
+          <ac:chgData name="Jessica White" userId="9af8ba108afe3784" providerId="LiveId" clId="{5887ACE8-B0EC-4D8B-B72F-B479544C0BA4}" dt="2020-04-14T04:52:59.355" v="532" actId="478"/>
+          <ac:picMkLst>
+            <pc:docMk/>
+            <pc:sldMk cId="2840286266" sldId="264"/>
+            <ac:picMk id="5" creationId="{2F7316D9-24D0-4278-B6EC-D59E30F3BA0F}"/>
+          </ac:picMkLst>
+        </pc:picChg>
+        <pc:picChg chg="add del mod topLvl">
+          <ac:chgData name="Jessica White" userId="9af8ba108afe3784" providerId="LiveId" clId="{5887ACE8-B0EC-4D8B-B72F-B479544C0BA4}" dt="2020-04-14T05:23:42.641" v="989" actId="478"/>
+          <ac:picMkLst>
+            <pc:docMk/>
+            <pc:sldMk cId="2840286266" sldId="264"/>
+            <ac:picMk id="6" creationId="{7997F52F-2EBB-4315-92C1-5B428DCA1507}"/>
+          </ac:picMkLst>
+        </pc:picChg>
+        <pc:picChg chg="add del mod">
+          <ac:chgData name="Jessica White" userId="9af8ba108afe3784" providerId="LiveId" clId="{5887ACE8-B0EC-4D8B-B72F-B479544C0BA4}" dt="2020-04-14T04:53:32.152" v="542" actId="478"/>
+          <ac:picMkLst>
+            <pc:docMk/>
+            <pc:sldMk cId="2840286266" sldId="264"/>
+            <ac:picMk id="10" creationId="{734169B8-2E20-45B7-9A87-B1AEC47F376D}"/>
+          </ac:picMkLst>
+        </pc:picChg>
+        <pc:picChg chg="add del mod">
+          <ac:chgData name="Jessica White" userId="9af8ba108afe3784" providerId="LiveId" clId="{5887ACE8-B0EC-4D8B-B72F-B479544C0BA4}" dt="2020-04-14T04:54:04.956" v="595" actId="478"/>
+          <ac:picMkLst>
+            <pc:docMk/>
+            <pc:sldMk cId="2840286266" sldId="264"/>
+            <ac:picMk id="14" creationId="{44D72154-8E7D-4303-8B0C-92D122736337}"/>
+          </ac:picMkLst>
+        </pc:picChg>
+        <pc:picChg chg="add del mod">
+          <ac:chgData name="Jessica White" userId="9af8ba108afe3784" providerId="LiveId" clId="{5887ACE8-B0EC-4D8B-B72F-B479544C0BA4}" dt="2020-04-14T04:54:23.354" v="604" actId="478"/>
+          <ac:picMkLst>
+            <pc:docMk/>
+            <pc:sldMk cId="2840286266" sldId="264"/>
+            <ac:picMk id="18" creationId="{BFEB7605-96BA-4810-A1F9-2FF69D947888}"/>
+          </ac:picMkLst>
+        </pc:picChg>
+        <pc:picChg chg="add del mod modCrop">
+          <ac:chgData name="Jessica White" userId="9af8ba108afe3784" providerId="LiveId" clId="{5887ACE8-B0EC-4D8B-B72F-B479544C0BA4}" dt="2020-04-14T05:03:26.784" v="744" actId="478"/>
+          <ac:picMkLst>
+            <pc:docMk/>
+            <pc:sldMk cId="2840286266" sldId="264"/>
+            <ac:picMk id="22" creationId="{7850DE1E-0CAC-441D-B4FB-4D8386A55A04}"/>
+          </ac:picMkLst>
+        </pc:picChg>
+        <pc:picChg chg="add del mod modCrop">
+          <ac:chgData name="Jessica White" userId="9af8ba108afe3784" providerId="LiveId" clId="{5887ACE8-B0EC-4D8B-B72F-B479544C0BA4}" dt="2020-04-14T05:03:26.784" v="744" actId="478"/>
+          <ac:picMkLst>
+            <pc:docMk/>
+            <pc:sldMk cId="2840286266" sldId="264"/>
+            <ac:picMk id="26" creationId="{0C49C5C3-02A5-4476-B623-2CAEF495F5BE}"/>
+          </ac:picMkLst>
+        </pc:picChg>
+        <pc:picChg chg="mod ord topLvl">
+          <ac:chgData name="Jessica White" userId="9af8ba108afe3784" providerId="LiveId" clId="{5887ACE8-B0EC-4D8B-B72F-B479544C0BA4}" dt="2020-04-14T05:24:44.048" v="998" actId="26606"/>
+          <ac:picMkLst>
+            <pc:docMk/>
+            <pc:sldMk cId="2840286266" sldId="264"/>
+            <ac:picMk id="27" creationId="{ABD2468D-1C87-4C36-B7A8-6288269C98AA}"/>
+          </ac:picMkLst>
+        </pc:picChg>
+        <pc:picChg chg="add del mod ord">
+          <ac:chgData name="Jessica White" userId="9af8ba108afe3784" providerId="LiveId" clId="{5887ACE8-B0EC-4D8B-B72F-B479544C0BA4}" dt="2020-04-14T05:25:10.993" v="1005" actId="478"/>
+          <ac:picMkLst>
+            <pc:docMk/>
+            <pc:sldMk cId="2840286266" sldId="264"/>
+            <ac:picMk id="32" creationId="{8C8954E5-8C7C-4311-9654-C73DDC7F359D}"/>
+          </ac:picMkLst>
+        </pc:picChg>
+        <pc:picChg chg="mod ord">
+          <ac:chgData name="Jessica White" userId="9af8ba108afe3784" providerId="LiveId" clId="{5887ACE8-B0EC-4D8B-B72F-B479544C0BA4}" dt="2020-04-14T05:25:09.059" v="1004" actId="167"/>
+          <ac:picMkLst>
+            <pc:docMk/>
+            <pc:sldMk cId="2840286266" sldId="264"/>
+            <ac:picMk id="33" creationId="{984D900C-E6D4-4202-A574-492A332E4F6D}"/>
+          </ac:picMkLst>
+        </pc:picChg>
+        <pc:cxnChg chg="add del">
+          <ac:chgData name="Jessica White" userId="9af8ba108afe3784" providerId="LiveId" clId="{5887ACE8-B0EC-4D8B-B72F-B479544C0BA4}" dt="2020-04-14T05:24:44.048" v="998" actId="26606"/>
+          <ac:cxnSpMkLst>
+            <pc:docMk/>
+            <pc:sldMk cId="2840286266" sldId="264"/>
+            <ac:cxnSpMk id="38" creationId="{99AE2756-0FC4-4155-83E7-58AAAB63E757}"/>
+          </ac:cxnSpMkLst>
+        </pc:cxnChg>
+        <pc:cxnChg chg="add del">
+          <ac:chgData name="Jessica White" userId="9af8ba108afe3784" providerId="LiveId" clId="{5887ACE8-B0EC-4D8B-B72F-B479544C0BA4}" dt="2020-04-14T05:24:44.048" v="998" actId="26606"/>
+          <ac:cxnSpMkLst>
+            <pc:docMk/>
+            <pc:sldMk cId="2840286266" sldId="264"/>
+            <ac:cxnSpMk id="42" creationId="{818DC98F-4057-4645-B948-F604F39A9CFE}"/>
+          </ac:cxnSpMkLst>
+        </pc:cxnChg>
+        <pc:cxnChg chg="add del">
+          <ac:chgData name="Jessica White" userId="9af8ba108afe3784" providerId="LiveId" clId="{5887ACE8-B0EC-4D8B-B72F-B479544C0BA4}" dt="2020-04-14T05:24:44.048" v="998" actId="26606"/>
+          <ac:cxnSpMkLst>
+            <pc:docMk/>
+            <pc:sldMk cId="2840286266" sldId="264"/>
+            <ac:cxnSpMk id="44" creationId="{DAD2B705-4A9B-408D-AA80-4F41045E09DE}"/>
+          </ac:cxnSpMkLst>
+        </pc:cxnChg>
+      </pc:sldChg>
+      <pc:sldChg chg="addSp delSp modSp add">
+        <pc:chgData name="Jessica White" userId="9af8ba108afe3784" providerId="LiveId" clId="{5887ACE8-B0EC-4D8B-B72F-B479544C0BA4}" dt="2020-04-14T05:20:03.967" v="962" actId="1036"/>
+        <pc:sldMkLst>
+          <pc:docMk/>
+          <pc:sldMk cId="129397819" sldId="265"/>
+        </pc:sldMkLst>
+        <pc:spChg chg="mod">
+          <ac:chgData name="Jessica White" userId="9af8ba108afe3784" providerId="LiveId" clId="{5887ACE8-B0EC-4D8B-B72F-B479544C0BA4}" dt="2020-04-14T05:18:42.106" v="924" actId="465"/>
+          <ac:spMkLst>
+            <pc:docMk/>
+            <pc:sldMk cId="129397819" sldId="265"/>
+            <ac:spMk id="2" creationId="{6B5247FD-8820-4167-B2BF-865098136C4F}"/>
+          </ac:spMkLst>
+        </pc:spChg>
+        <pc:spChg chg="del">
+          <ac:chgData name="Jessica White" userId="9af8ba108afe3784" providerId="LiveId" clId="{5887ACE8-B0EC-4D8B-B72F-B479544C0BA4}" dt="2020-04-14T04:56:55.427" v="619" actId="478"/>
+          <ac:spMkLst>
+            <pc:docMk/>
+            <pc:sldMk cId="129397819" sldId="265"/>
+            <ac:spMk id="3" creationId="{00ECBBCC-5BE7-47BF-8549-44D7A289088A}"/>
+          </ac:spMkLst>
+        </pc:spChg>
+        <pc:spChg chg="mod">
+          <ac:chgData name="Jessica White" userId="9af8ba108afe3784" providerId="LiveId" clId="{5887ACE8-B0EC-4D8B-B72F-B479544C0BA4}" dt="2020-04-14T05:18:42.106" v="924" actId="465"/>
+          <ac:spMkLst>
+            <pc:docMk/>
+            <pc:sldMk cId="129397819" sldId="265"/>
+            <ac:spMk id="7" creationId="{F9F57A50-7040-42C1-A8C5-12F032965CB0}"/>
+          </ac:spMkLst>
+        </pc:spChg>
+        <pc:spChg chg="add mod">
+          <ac:chgData name="Jessica White" userId="9af8ba108afe3784" providerId="LiveId" clId="{5887ACE8-B0EC-4D8B-B72F-B479544C0BA4}" dt="2020-04-14T05:19:49.578" v="951" actId="692"/>
+          <ac:spMkLst>
+            <pc:docMk/>
+            <pc:sldMk cId="129397819" sldId="265"/>
+            <ac:spMk id="8" creationId="{37C5A8B1-AAA3-49DE-8FC4-6756E5E91F13}"/>
+          </ac:spMkLst>
+        </pc:spChg>
+        <pc:grpChg chg="add mod">
+          <ac:chgData name="Jessica White" userId="9af8ba108afe3784" providerId="LiveId" clId="{5887ACE8-B0EC-4D8B-B72F-B479544C0BA4}" dt="2020-04-14T05:20:03.967" v="962" actId="1036"/>
+          <ac:grpSpMkLst>
+            <pc:docMk/>
+            <pc:sldMk cId="129397819" sldId="265"/>
+            <ac:grpSpMk id="9" creationId="{C499E3BA-862D-40BD-9226-C95792904230}"/>
+          </ac:grpSpMkLst>
+        </pc:grpChg>
+        <pc:picChg chg="add mod">
+          <ac:chgData name="Jessica White" userId="9af8ba108afe3784" providerId="LiveId" clId="{5887ACE8-B0EC-4D8B-B72F-B479544C0BA4}" dt="2020-04-14T05:19:57.812" v="955" actId="692"/>
+          <ac:picMkLst>
+            <pc:docMk/>
+            <pc:sldMk cId="129397819" sldId="265"/>
+            <ac:picMk id="4" creationId="{21871BBD-BD14-4458-9F31-E129A22C54CF}"/>
+          </ac:picMkLst>
+        </pc:picChg>
+      </pc:sldChg>
+      <pc:sldChg chg="addSp delSp modSp add">
+        <pc:chgData name="Jessica White" userId="9af8ba108afe3784" providerId="LiveId" clId="{5887ACE8-B0EC-4D8B-B72F-B479544C0BA4}" dt="2020-04-14T06:38:34.956" v="2312" actId="553"/>
+        <pc:sldMkLst>
+          <pc:docMk/>
+          <pc:sldMk cId="1395347968" sldId="266"/>
+        </pc:sldMkLst>
+        <pc:spChg chg="mod">
+          <ac:chgData name="Jessica White" userId="9af8ba108afe3784" providerId="LiveId" clId="{5887ACE8-B0EC-4D8B-B72F-B479544C0BA4}" dt="2020-04-14T06:38:34.956" v="2312" actId="553"/>
+          <ac:spMkLst>
+            <pc:docMk/>
+            <pc:sldMk cId="1395347968" sldId="266"/>
+            <ac:spMk id="2" creationId="{1E7E757E-25DC-47B5-819B-5636864B0E10}"/>
+          </ac:spMkLst>
+        </pc:spChg>
+        <pc:spChg chg="del">
+          <ac:chgData name="Jessica White" userId="9af8ba108afe3784" providerId="LiveId" clId="{5887ACE8-B0EC-4D8B-B72F-B479544C0BA4}" dt="2020-04-14T06:29:04.001" v="2138" actId="478"/>
+          <ac:spMkLst>
+            <pc:docMk/>
+            <pc:sldMk cId="1395347968" sldId="266"/>
+            <ac:spMk id="3" creationId="{742ABC06-2674-4D3F-8250-8D6BC36EF955}"/>
+          </ac:spMkLst>
+        </pc:spChg>
+        <pc:spChg chg="mod">
+          <ac:chgData name="Jessica White" userId="9af8ba108afe3784" providerId="LiveId" clId="{5887ACE8-B0EC-4D8B-B72F-B479544C0BA4}" dt="2020-04-14T06:31:15.138" v="2277" actId="20577"/>
+          <ac:spMkLst>
+            <pc:docMk/>
+            <pc:sldMk cId="1395347968" sldId="266"/>
+            <ac:spMk id="5" creationId="{6541842F-263D-4AA0-A041-4F96655C28C4}"/>
+          </ac:spMkLst>
+        </pc:spChg>
+        <pc:picChg chg="add del mod">
+          <ac:chgData name="Jessica White" userId="9af8ba108afe3784" providerId="LiveId" clId="{5887ACE8-B0EC-4D8B-B72F-B479544C0BA4}" dt="2020-04-14T06:36:36.722" v="2289" actId="478"/>
+          <ac:picMkLst>
+            <pc:docMk/>
+            <pc:sldMk cId="1395347968" sldId="266"/>
+            <ac:picMk id="7" creationId="{0D480C9F-B411-494C-AB8B-2BCCC6FD10C0}"/>
+          </ac:picMkLst>
+        </pc:picChg>
+        <pc:picChg chg="add mod">
+          <ac:chgData name="Jessica White" userId="9af8ba108afe3784" providerId="LiveId" clId="{5887ACE8-B0EC-4D8B-B72F-B479544C0BA4}" dt="2020-04-14T06:38:16.244" v="2310" actId="14861"/>
+          <ac:picMkLst>
+            <pc:docMk/>
+            <pc:sldMk cId="1395347968" sldId="266"/>
+            <ac:picMk id="8" creationId="{DFAC15BC-40E6-4269-B620-EC4BEAD16E79}"/>
+          </ac:picMkLst>
+        </pc:picChg>
+        <pc:picChg chg="add mod modCrop">
+          <ac:chgData name="Jessica White" userId="9af8ba108afe3784" providerId="LiveId" clId="{5887ACE8-B0EC-4D8B-B72F-B479544C0BA4}" dt="2020-04-14T06:38:34.956" v="2312" actId="553"/>
+          <ac:picMkLst>
+            <pc:docMk/>
+            <pc:sldMk cId="1395347968" sldId="266"/>
+            <ac:picMk id="9" creationId="{06F0CA4D-B257-49B5-A6B7-0B8651DD5AFE}"/>
+          </ac:picMkLst>
+        </pc:picChg>
+      </pc:sldChg>
+      <pc:sldChg chg="addSp delSp modSp add">
+        <pc:chgData name="Jessica White" userId="9af8ba108afe3784" providerId="LiveId" clId="{5887ACE8-B0EC-4D8B-B72F-B479544C0BA4}" dt="2020-04-14T06:46:35.609" v="2359" actId="20577"/>
+        <pc:sldMkLst>
+          <pc:docMk/>
+          <pc:sldMk cId="528421309" sldId="267"/>
+        </pc:sldMkLst>
+        <pc:spChg chg="mod">
+          <ac:chgData name="Jessica White" userId="9af8ba108afe3784" providerId="LiveId" clId="{5887ACE8-B0EC-4D8B-B72F-B479544C0BA4}" dt="2020-04-14T06:46:35.609" v="2359" actId="20577"/>
+          <ac:spMkLst>
+            <pc:docMk/>
+            <pc:sldMk cId="528421309" sldId="267"/>
+            <ac:spMk id="2" creationId="{135370A0-F322-41E2-9FD6-59F890DBA711}"/>
+          </ac:spMkLst>
+        </pc:spChg>
+        <pc:spChg chg="del">
+          <ac:chgData name="Jessica White" userId="9af8ba108afe3784" providerId="LiveId" clId="{5887ACE8-B0EC-4D8B-B72F-B479544C0BA4}" dt="2020-04-14T06:05:29.335" v="1744" actId="478"/>
+          <ac:spMkLst>
+            <pc:docMk/>
+            <pc:sldMk cId="528421309" sldId="267"/>
+            <ac:spMk id="3" creationId="{159172E4-4F86-44EA-A2FE-038911086AA8}"/>
+          </ac:spMkLst>
+        </pc:spChg>
+        <pc:spChg chg="mod">
+          <ac:chgData name="Jessica White" userId="9af8ba108afe3784" providerId="LiveId" clId="{5887ACE8-B0EC-4D8B-B72F-B479544C0BA4}" dt="2020-04-14T06:41:51.888" v="2323" actId="20577"/>
+          <ac:spMkLst>
+            <pc:docMk/>
+            <pc:sldMk cId="528421309" sldId="267"/>
+            <ac:spMk id="5" creationId="{E0C4A04B-D1FD-493B-96F1-128D7207A86E}"/>
+          </ac:spMkLst>
+        </pc:spChg>
+        <pc:spChg chg="add mod">
+          <ac:chgData name="Jessica White" userId="9af8ba108afe3784" providerId="LiveId" clId="{5887ACE8-B0EC-4D8B-B72F-B479544C0BA4}" dt="2020-04-14T06:42:19.771" v="2327" actId="1076"/>
+          <ac:spMkLst>
+            <pc:docMk/>
+            <pc:sldMk cId="528421309" sldId="267"/>
+            <ac:spMk id="10" creationId="{232BA66C-E576-483A-BF00-59D72DD74CB4}"/>
+          </ac:spMkLst>
+        </pc:spChg>
+        <pc:spChg chg="add mod">
+          <ac:chgData name="Jessica White" userId="9af8ba108afe3784" providerId="LiveId" clId="{5887ACE8-B0EC-4D8B-B72F-B479544C0BA4}" dt="2020-04-14T06:42:19.771" v="2327" actId="1076"/>
+          <ac:spMkLst>
+            <pc:docMk/>
+            <pc:sldMk cId="528421309" sldId="267"/>
+            <ac:spMk id="12" creationId="{4C50A0D2-B8FC-4B26-93DA-F98A9CA757F1}"/>
+          </ac:spMkLst>
+        </pc:spChg>
+        <pc:spChg chg="add mod">
+          <ac:chgData name="Jessica White" userId="9af8ba108afe3784" providerId="LiveId" clId="{5887ACE8-B0EC-4D8B-B72F-B479544C0BA4}" dt="2020-04-14T06:44:59.830" v="2354" actId="14100"/>
+          <ac:spMkLst>
+            <pc:docMk/>
+            <pc:sldMk cId="528421309" sldId="267"/>
+            <ac:spMk id="14" creationId="{1DEA9A67-5432-46F8-B54F-61C376A31E69}"/>
+          </ac:spMkLst>
+        </pc:spChg>
+        <pc:picChg chg="del mod">
+          <ac:chgData name="Jessica White" userId="9af8ba108afe3784" providerId="LiveId" clId="{5887ACE8-B0EC-4D8B-B72F-B479544C0BA4}" dt="2020-04-14T06:06:22.266" v="1746" actId="478"/>
+          <ac:picMkLst>
+            <pc:docMk/>
+            <pc:sldMk cId="528421309" sldId="267"/>
+            <ac:picMk id="7" creationId="{922C0309-C50E-46C1-B614-9EB0C5AADCBB}"/>
+          </ac:picMkLst>
+        </pc:picChg>
+        <pc:picChg chg="mod">
+          <ac:chgData name="Jessica White" userId="9af8ba108afe3784" providerId="LiveId" clId="{5887ACE8-B0EC-4D8B-B72F-B479544C0BA4}" dt="2020-04-14T06:42:19.771" v="2327" actId="1076"/>
+          <ac:picMkLst>
+            <pc:docMk/>
+            <pc:sldMk cId="528421309" sldId="267"/>
+            <ac:picMk id="8" creationId="{0E4C34BC-FBCF-4F1F-8F50-2613EDB35C06}"/>
+          </ac:picMkLst>
+        </pc:picChg>
+        <pc:picChg chg="add mod">
+          <ac:chgData name="Jessica White" userId="9af8ba108afe3784" providerId="LiveId" clId="{5887ACE8-B0EC-4D8B-B72F-B479544C0BA4}" dt="2020-04-14T06:42:12.465" v="2326" actId="465"/>
+          <ac:picMkLst>
+            <pc:docMk/>
+            <pc:sldMk cId="528421309" sldId="267"/>
+            <ac:picMk id="9" creationId="{9A3E4174-2234-4AA5-9E54-5A25DF1B6CEE}"/>
+          </ac:picMkLst>
+        </pc:picChg>
+        <pc:picChg chg="add mod">
+          <ac:chgData name="Jessica White" userId="9af8ba108afe3784" providerId="LiveId" clId="{5887ACE8-B0EC-4D8B-B72F-B479544C0BA4}" dt="2020-04-14T06:42:12.465" v="2326" actId="465"/>
+          <ac:picMkLst>
+            <pc:docMk/>
+            <pc:sldMk cId="528421309" sldId="267"/>
+            <ac:picMk id="11" creationId="{B659232E-0BA9-4161-9785-25D75E05335F}"/>
+          </ac:picMkLst>
+        </pc:picChg>
+        <pc:picChg chg="add mod">
+          <ac:chgData name="Jessica White" userId="9af8ba108afe3784" providerId="LiveId" clId="{5887ACE8-B0EC-4D8B-B72F-B479544C0BA4}" dt="2020-04-14T06:42:12.465" v="2326" actId="465"/>
+          <ac:picMkLst>
+            <pc:docMk/>
+            <pc:sldMk cId="528421309" sldId="267"/>
+            <ac:picMk id="13" creationId="{6E8762D7-76E3-4008-9946-2575167F4CFD}"/>
+          </ac:picMkLst>
+        </pc:picChg>
+      </pc:sldChg>
+      <pc:sldChg chg="addSp delSp modSp add ord">
+        <pc:chgData name="Jessica White" userId="9af8ba108afe3784" providerId="LiveId" clId="{5887ACE8-B0EC-4D8B-B72F-B479544C0BA4}" dt="2020-04-14T06:31:31.737" v="2278" actId="20577"/>
+        <pc:sldMkLst>
+          <pc:docMk/>
+          <pc:sldMk cId="3781674720" sldId="268"/>
+        </pc:sldMkLst>
+        <pc:spChg chg="mod">
+          <ac:chgData name="Jessica White" userId="9af8ba108afe3784" providerId="LiveId" clId="{5887ACE8-B0EC-4D8B-B72F-B479544C0BA4}" dt="2020-04-14T06:26:30.781" v="2125" actId="20577"/>
+          <ac:spMkLst>
+            <pc:docMk/>
+            <pc:sldMk cId="3781674720" sldId="268"/>
+            <ac:spMk id="2" creationId="{89E3B1D4-EF58-4DBB-ABE2-836799FC4D70}"/>
+          </ac:spMkLst>
+        </pc:spChg>
+        <pc:spChg chg="del">
+          <ac:chgData name="Jessica White" userId="9af8ba108afe3784" providerId="LiveId" clId="{5887ACE8-B0EC-4D8B-B72F-B479544C0BA4}" dt="2020-04-14T06:21:11.459" v="1852" actId="478"/>
+          <ac:spMkLst>
+            <pc:docMk/>
+            <pc:sldMk cId="3781674720" sldId="268"/>
+            <ac:spMk id="3" creationId="{B547C11D-B423-4158-A02F-97D4EFE87863}"/>
+          </ac:spMkLst>
+        </pc:spChg>
+        <pc:spChg chg="mod">
+          <ac:chgData name="Jessica White" userId="9af8ba108afe3784" providerId="LiveId" clId="{5887ACE8-B0EC-4D8B-B72F-B479544C0BA4}" dt="2020-04-14T06:31:31.737" v="2278" actId="20577"/>
+          <ac:spMkLst>
+            <pc:docMk/>
+            <pc:sldMk cId="3781674720" sldId="268"/>
+            <ac:spMk id="5" creationId="{FDDEE362-9D9C-4122-AA1E-953D8AC80956}"/>
+          </ac:spMkLst>
+        </pc:spChg>
+        <pc:spChg chg="add mod">
+          <ac:chgData name="Jessica White" userId="9af8ba108afe3784" providerId="LiveId" clId="{5887ACE8-B0EC-4D8B-B72F-B479544C0BA4}" dt="2020-04-14T06:25:11.413" v="1947" actId="1036"/>
+          <ac:spMkLst>
+            <pc:docMk/>
+            <pc:sldMk cId="3781674720" sldId="268"/>
+            <ac:spMk id="11" creationId="{D7566D22-8747-4B8B-B040-F38334785759}"/>
+          </ac:spMkLst>
+        </pc:spChg>
+        <pc:spChg chg="add mod">
+          <ac:chgData name="Jessica White" userId="9af8ba108afe3784" providerId="LiveId" clId="{5887ACE8-B0EC-4D8B-B72F-B479544C0BA4}" dt="2020-04-14T06:25:30.492" v="1954" actId="20577"/>
+          <ac:spMkLst>
+            <pc:docMk/>
+            <pc:sldMk cId="3781674720" sldId="268"/>
+            <ac:spMk id="12" creationId="{2E841D39-5F5C-4F83-9A91-97B8E9DD37BB}"/>
+          </ac:spMkLst>
+        </pc:spChg>
+        <pc:picChg chg="add del mod">
+          <ac:chgData name="Jessica White" userId="9af8ba108afe3784" providerId="LiveId" clId="{5887ACE8-B0EC-4D8B-B72F-B479544C0BA4}" dt="2020-04-14T06:25:26.876" v="1952" actId="552"/>
+          <ac:picMkLst>
+            <pc:docMk/>
+            <pc:sldMk cId="3781674720" sldId="268"/>
+            <ac:picMk id="8" creationId="{FCB0A543-5AFF-4443-ACBE-7CED383F7771}"/>
+          </ac:picMkLst>
+        </pc:picChg>
+        <pc:picChg chg="add del mod">
+          <ac:chgData name="Jessica White" userId="9af8ba108afe3784" providerId="LiveId" clId="{5887ACE8-B0EC-4D8B-B72F-B479544C0BA4}" dt="2020-04-14T06:25:02.940" v="1939" actId="552"/>
+          <ac:picMkLst>
+            <pc:docMk/>
+            <pc:sldMk cId="3781674720" sldId="268"/>
+            <ac:picMk id="10" creationId="{815E08A8-0D4E-4E34-AB62-3C4519599173}"/>
+          </ac:picMkLst>
+        </pc:picChg>
+      </pc:sldChg>
+      <pc:sldMasterChg chg="modSp modSldLayout">
+        <pc:chgData name="Jessica White" userId="9af8ba108afe3784" providerId="LiveId" clId="{5887ACE8-B0EC-4D8B-B72F-B479544C0BA4}" dt="2020-04-14T05:00:56.033" v="732" actId="113"/>
         <pc:sldMasterMkLst>
           <pc:docMk/>
           <pc:sldMasterMk cId="2463712056" sldId="2147483648"/>
         </pc:sldMasterMkLst>
+        <pc:spChg chg="mod">
+          <ac:chgData name="Jessica White" userId="9af8ba108afe3784" providerId="LiveId" clId="{5887ACE8-B0EC-4D8B-B72F-B479544C0BA4}" dt="2020-04-14T05:00:56.033" v="732" actId="113"/>
+          <ac:spMkLst>
+            <pc:docMk/>
+            <pc:sldMasterMk cId="2463712056" sldId="2147483648"/>
+            <ac:spMk id="4" creationId="{509A40C0-4A7F-437A-8FAA-C1C323DE8DEC}"/>
+          </ac:spMkLst>
+        </pc:spChg>
+        <pc:spChg chg="mod">
+          <ac:chgData name="Jessica White" userId="9af8ba108afe3784" providerId="LiveId" clId="{5887ACE8-B0EC-4D8B-B72F-B479544C0BA4}" dt="2020-04-14T05:00:56.033" v="732" actId="113"/>
+          <ac:spMkLst>
+            <pc:docMk/>
+            <pc:sldMasterMk cId="2463712056" sldId="2147483648"/>
+            <ac:spMk id="5" creationId="{F93D9206-1D36-4CF8-AD68-D82767594375}"/>
+          </ac:spMkLst>
+        </pc:spChg>
+        <pc:spChg chg="mod">
+          <ac:chgData name="Jessica White" userId="9af8ba108afe3784" providerId="LiveId" clId="{5887ACE8-B0EC-4D8B-B72F-B479544C0BA4}" dt="2020-04-14T05:00:56.033" v="732" actId="113"/>
+          <ac:spMkLst>
+            <pc:docMk/>
+            <pc:sldMasterMk cId="2463712056" sldId="2147483648"/>
+            <ac:spMk id="6" creationId="{A916962A-7517-486E-9B9B-8744FA1B174E}"/>
+          </ac:spMkLst>
+        </pc:spChg>
         <pc:sldLayoutChg chg="modSp">
-          <pc:chgData name="Jessica White" userId="9af8ba108afe3784" providerId="LiveId" clId="{5887ACE8-B0EC-4D8B-B72F-B479544C0BA4}" dt="2020-04-14T00:54:41.759" v="126" actId="14100"/>
+          <pc:chgData name="Jessica White" userId="9af8ba108afe3784" providerId="LiveId" clId="{5887ACE8-B0EC-4D8B-B72F-B479544C0BA4}" dt="2020-04-14T04:58:58.486" v="626" actId="255"/>
           <pc:sldLayoutMkLst>
             <pc:docMk/>
             <pc:sldMasterMk cId="2463712056" sldId="2147483648"/>
             <pc:sldLayoutMk cId="2218135693" sldId="2147483650"/>
           </pc:sldLayoutMkLst>
           <pc:spChg chg="mod">
-            <ac:chgData name="Jessica White" userId="9af8ba108afe3784" providerId="LiveId" clId="{5887ACE8-B0EC-4D8B-B72F-B479544C0BA4}" dt="2020-04-14T00:54:41.759" v="126" actId="14100"/>
+            <ac:chgData name="Jessica White" userId="9af8ba108afe3784" providerId="LiveId" clId="{5887ACE8-B0EC-4D8B-B72F-B479544C0BA4}" dt="2020-04-14T04:56:40.167" v="616" actId="14100"/>
+            <ac:spMkLst>
+              <pc:docMk/>
+              <pc:sldMasterMk cId="2463712056" sldId="2147483648"/>
+              <pc:sldLayoutMk cId="2218135693" sldId="2147483650"/>
+              <ac:spMk id="2" creationId="{E78B8FF0-6121-41E8-A64D-29864DE82086}"/>
+            </ac:spMkLst>
+          </pc:spChg>
+          <pc:spChg chg="mod">
+            <ac:chgData name="Jessica White" userId="9af8ba108afe3784" providerId="LiveId" clId="{5887ACE8-B0EC-4D8B-B72F-B479544C0BA4}" dt="2020-04-14T04:56:40.167" v="616" actId="14100"/>
             <ac:spMkLst>
               <pc:docMk/>
               <pc:sldMasterMk cId="2463712056" sldId="2147483648"/>
@@ -282,11 +1043,387 @@
               <ac:spMk id="3" creationId="{C8178305-0C6F-44CB-BCE6-FB0972B321BB}"/>
             </ac:spMkLst>
           </pc:spChg>
+          <pc:spChg chg="mod">
+            <ac:chgData name="Jessica White" userId="9af8ba108afe3784" providerId="LiveId" clId="{5887ACE8-B0EC-4D8B-B72F-B479544C0BA4}" dt="2020-04-14T04:58:58.486" v="626" actId="255"/>
+            <ac:spMkLst>
+              <pc:docMk/>
+              <pc:sldMasterMk cId="2463712056" sldId="2147483648"/>
+              <pc:sldLayoutMk cId="2218135693" sldId="2147483650"/>
+              <ac:spMk id="4" creationId="{3B2B4F89-C053-4D34-BF3D-4E4C68093EE0}"/>
+            </ac:spMkLst>
+          </pc:spChg>
+          <pc:spChg chg="mod">
+            <ac:chgData name="Jessica White" userId="9af8ba108afe3784" providerId="LiveId" clId="{5887ACE8-B0EC-4D8B-B72F-B479544C0BA4}" dt="2020-04-14T04:58:58.486" v="626" actId="255"/>
+            <ac:spMkLst>
+              <pc:docMk/>
+              <pc:sldMasterMk cId="2463712056" sldId="2147483648"/>
+              <pc:sldLayoutMk cId="2218135693" sldId="2147483650"/>
+              <ac:spMk id="5" creationId="{10B57914-450B-498C-80C1-1299C7AC18E7}"/>
+            </ac:spMkLst>
+          </pc:spChg>
+          <pc:spChg chg="mod">
+            <ac:chgData name="Jessica White" userId="9af8ba108afe3784" providerId="LiveId" clId="{5887ACE8-B0EC-4D8B-B72F-B479544C0BA4}" dt="2020-04-14T04:58:58.486" v="626" actId="255"/>
+            <ac:spMkLst>
+              <pc:docMk/>
+              <pc:sldMasterMk cId="2463712056" sldId="2147483648"/>
+              <pc:sldLayoutMk cId="2218135693" sldId="2147483650"/>
+              <ac:spMk id="6" creationId="{D73AF916-14F8-4AE2-A869-978250492902}"/>
+            </ac:spMkLst>
+          </pc:spChg>
         </pc:sldLayoutChg>
       </pc:sldMasterChg>
     </pc:docChg>
   </pc:docChgLst>
 </pc:chgInfo>
+</file>
+
+<file path=ppt/notesMasters/notesMaster1.xml><?xml version="1.0" encoding="utf-8"?>
+<p:notesMaster xmlns:a="http://schemas.openxmlformats.org/drawingml/2006/main" xmlns:r="http://schemas.openxmlformats.org/officeDocument/2006/relationships" xmlns:p="http://schemas.openxmlformats.org/presentationml/2006/main">
+  <p:cSld>
+    <p:bg>
+      <p:bgRef idx="1001">
+        <a:schemeClr val="bg1"/>
+      </p:bgRef>
+    </p:bg>
+    <p:spTree>
+      <p:nvGrpSpPr>
+        <p:cNvPr id="1" name=""/>
+        <p:cNvGrpSpPr/>
+        <p:nvPr/>
+      </p:nvGrpSpPr>
+      <p:grpSpPr>
+        <a:xfrm>
+          <a:off x="0" y="0"/>
+          <a:ext cx="0" cy="0"/>
+          <a:chOff x="0" y="0"/>
+          <a:chExt cx="0" cy="0"/>
+        </a:xfrm>
+      </p:grpSpPr>
+      <p:sp>
+        <p:nvSpPr>
+          <p:cNvPr id="2" name="Header Placeholder 1"/>
+          <p:cNvSpPr>
+            <a:spLocks noGrp="1"/>
+          </p:cNvSpPr>
+          <p:nvPr>
+            <p:ph type="hdr" sz="quarter"/>
+          </p:nvPr>
+        </p:nvSpPr>
+        <p:spPr>
+          <a:xfrm>
+            <a:off x="0" y="0"/>
+            <a:ext cx="2971800" cy="458788"/>
+          </a:xfrm>
+          <a:prstGeom prst="rect">
+            <a:avLst/>
+          </a:prstGeom>
+        </p:spPr>
+        <p:txBody>
+          <a:bodyPr vert="horz" lIns="91440" tIns="45720" rIns="91440" bIns="45720" rtlCol="0"/>
+          <a:lstStyle>
+            <a:lvl1pPr algn="l">
+              <a:defRPr sz="1200"/>
+            </a:lvl1pPr>
+          </a:lstStyle>
+          <a:p>
+            <a:endParaRPr lang="en-US"/>
+          </a:p>
+        </p:txBody>
+      </p:sp>
+      <p:sp>
+        <p:nvSpPr>
+          <p:cNvPr id="3" name="Date Placeholder 2"/>
+          <p:cNvSpPr>
+            <a:spLocks noGrp="1"/>
+          </p:cNvSpPr>
+          <p:nvPr>
+            <p:ph type="dt" idx="1"/>
+          </p:nvPr>
+        </p:nvSpPr>
+        <p:spPr>
+          <a:xfrm>
+            <a:off x="3884613" y="0"/>
+            <a:ext cx="2971800" cy="458788"/>
+          </a:xfrm>
+          <a:prstGeom prst="rect">
+            <a:avLst/>
+          </a:prstGeom>
+        </p:spPr>
+        <p:txBody>
+          <a:bodyPr vert="horz" lIns="91440" tIns="45720" rIns="91440" bIns="45720" rtlCol="0"/>
+          <a:lstStyle>
+            <a:lvl1pPr algn="r">
+              <a:defRPr sz="1200"/>
+            </a:lvl1pPr>
+          </a:lstStyle>
+          <a:p>
+            <a:fld id="{BB041EBF-AAFB-40BA-B4E2-C42A14D72E5A}" type="datetimeFigureOut">
+              <a:rPr lang="en-US" smtClean="0"/>
+              <a:t>4/14/2020</a:t>
+            </a:fld>
+            <a:endParaRPr lang="en-US"/>
+          </a:p>
+        </p:txBody>
+      </p:sp>
+      <p:sp>
+        <p:nvSpPr>
+          <p:cNvPr id="4" name="Slide Image Placeholder 3"/>
+          <p:cNvSpPr>
+            <a:spLocks noGrp="1" noRot="1" noChangeAspect="1"/>
+          </p:cNvSpPr>
+          <p:nvPr>
+            <p:ph type="sldImg" idx="2"/>
+          </p:nvPr>
+        </p:nvSpPr>
+        <p:spPr>
+          <a:xfrm>
+            <a:off x="685800" y="1143000"/>
+            <a:ext cx="5486400" cy="3086100"/>
+          </a:xfrm>
+          <a:prstGeom prst="rect">
+            <a:avLst/>
+          </a:prstGeom>
+          <a:noFill/>
+          <a:ln w="12700">
+            <a:solidFill>
+              <a:prstClr val="black"/>
+            </a:solidFill>
+          </a:ln>
+        </p:spPr>
+        <p:txBody>
+          <a:bodyPr vert="horz" lIns="91440" tIns="45720" rIns="91440" bIns="45720" rtlCol="0" anchor="ctr"/>
+          <a:lstStyle/>
+          <a:p>
+            <a:endParaRPr lang="en-US"/>
+          </a:p>
+        </p:txBody>
+      </p:sp>
+      <p:sp>
+        <p:nvSpPr>
+          <p:cNvPr id="5" name="Notes Placeholder 4"/>
+          <p:cNvSpPr>
+            <a:spLocks noGrp="1"/>
+          </p:cNvSpPr>
+          <p:nvPr>
+            <p:ph type="body" sz="quarter" idx="3"/>
+          </p:nvPr>
+        </p:nvSpPr>
+        <p:spPr>
+          <a:xfrm>
+            <a:off x="685800" y="4400550"/>
+            <a:ext cx="5486400" cy="3600450"/>
+          </a:xfrm>
+          <a:prstGeom prst="rect">
+            <a:avLst/>
+          </a:prstGeom>
+        </p:spPr>
+        <p:txBody>
+          <a:bodyPr vert="horz" lIns="91440" tIns="45720" rIns="91440" bIns="45720" rtlCol="0"/>
+          <a:lstStyle/>
+          <a:p>
+            <a:pPr lvl="0"/>
+            <a:r>
+              <a:rPr lang="en-US"/>
+              <a:t>Click to edit Master text styles</a:t>
+            </a:r>
+          </a:p>
+          <a:p>
+            <a:pPr lvl="1"/>
+            <a:r>
+              <a:rPr lang="en-US"/>
+              <a:t>Second level</a:t>
+            </a:r>
+          </a:p>
+          <a:p>
+            <a:pPr lvl="2"/>
+            <a:r>
+              <a:rPr lang="en-US"/>
+              <a:t>Third level</a:t>
+            </a:r>
+          </a:p>
+          <a:p>
+            <a:pPr lvl="3"/>
+            <a:r>
+              <a:rPr lang="en-US"/>
+              <a:t>Fourth level</a:t>
+            </a:r>
+          </a:p>
+          <a:p>
+            <a:pPr lvl="4"/>
+            <a:r>
+              <a:rPr lang="en-US"/>
+              <a:t>Fifth level</a:t>
+            </a:r>
+          </a:p>
+        </p:txBody>
+      </p:sp>
+      <p:sp>
+        <p:nvSpPr>
+          <p:cNvPr id="6" name="Footer Placeholder 5"/>
+          <p:cNvSpPr>
+            <a:spLocks noGrp="1"/>
+          </p:cNvSpPr>
+          <p:nvPr>
+            <p:ph type="ftr" sz="quarter" idx="4"/>
+          </p:nvPr>
+        </p:nvSpPr>
+        <p:spPr>
+          <a:xfrm>
+            <a:off x="0" y="8685213"/>
+            <a:ext cx="2971800" cy="458787"/>
+          </a:xfrm>
+          <a:prstGeom prst="rect">
+            <a:avLst/>
+          </a:prstGeom>
+        </p:spPr>
+        <p:txBody>
+          <a:bodyPr vert="horz" lIns="91440" tIns="45720" rIns="91440" bIns="45720" rtlCol="0" anchor="b"/>
+          <a:lstStyle>
+            <a:lvl1pPr algn="l">
+              <a:defRPr sz="1200"/>
+            </a:lvl1pPr>
+          </a:lstStyle>
+          <a:p>
+            <a:endParaRPr lang="en-US"/>
+          </a:p>
+        </p:txBody>
+      </p:sp>
+      <p:sp>
+        <p:nvSpPr>
+          <p:cNvPr id="7" name="Slide Number Placeholder 6"/>
+          <p:cNvSpPr>
+            <a:spLocks noGrp="1"/>
+          </p:cNvSpPr>
+          <p:nvPr>
+            <p:ph type="sldNum" sz="quarter" idx="5"/>
+          </p:nvPr>
+        </p:nvSpPr>
+        <p:spPr>
+          <a:xfrm>
+            <a:off x="3884613" y="8685213"/>
+            <a:ext cx="2971800" cy="458787"/>
+          </a:xfrm>
+          <a:prstGeom prst="rect">
+            <a:avLst/>
+          </a:prstGeom>
+        </p:spPr>
+        <p:txBody>
+          <a:bodyPr vert="horz" lIns="91440" tIns="45720" rIns="91440" bIns="45720" rtlCol="0" anchor="b"/>
+          <a:lstStyle>
+            <a:lvl1pPr algn="r">
+              <a:defRPr sz="1200"/>
+            </a:lvl1pPr>
+          </a:lstStyle>
+          <a:p>
+            <a:fld id="{01B92D65-8255-4A22-80DC-507EF2A7CCC8}" type="slidenum">
+              <a:rPr lang="en-US" smtClean="0"/>
+              <a:t>‹#›</a:t>
+            </a:fld>
+            <a:endParaRPr lang="en-US"/>
+          </a:p>
+        </p:txBody>
+      </p:sp>
+    </p:spTree>
+    <p:extLst>
+      <p:ext uri="{BB962C8B-B14F-4D97-AF65-F5344CB8AC3E}">
+        <p14:creationId xmlns:p14="http://schemas.microsoft.com/office/powerpoint/2010/main" val="178625524"/>
+      </p:ext>
+    </p:extLst>
+  </p:cSld>
+  <p:clrMap bg1="lt1" tx1="dk1" bg2="lt2" tx2="dk2" accent1="accent1" accent2="accent2" accent3="accent3" accent4="accent4" accent5="accent5" accent6="accent6" hlink="hlink" folHlink="folHlink"/>
+  <p:notesStyle>
+    <a:lvl1pPr marL="0" algn="l" defTabSz="914400" rtl="0" eaLnBrk="1" latinLnBrk="0" hangingPunct="1">
+      <a:defRPr sz="1200" kern="1200">
+        <a:solidFill>
+          <a:schemeClr val="tx1"/>
+        </a:solidFill>
+        <a:latin typeface="+mn-lt"/>
+        <a:ea typeface="+mn-ea"/>
+        <a:cs typeface="+mn-cs"/>
+      </a:defRPr>
+    </a:lvl1pPr>
+    <a:lvl2pPr marL="457200" algn="l" defTabSz="914400" rtl="0" eaLnBrk="1" latinLnBrk="0" hangingPunct="1">
+      <a:defRPr sz="1200" kern="1200">
+        <a:solidFill>
+          <a:schemeClr val="tx1"/>
+        </a:solidFill>
+        <a:latin typeface="+mn-lt"/>
+        <a:ea typeface="+mn-ea"/>
+        <a:cs typeface="+mn-cs"/>
+      </a:defRPr>
+    </a:lvl2pPr>
+    <a:lvl3pPr marL="914400" algn="l" defTabSz="914400" rtl="0" eaLnBrk="1" latinLnBrk="0" hangingPunct="1">
+      <a:defRPr sz="1200" kern="1200">
+        <a:solidFill>
+          <a:schemeClr val="tx1"/>
+        </a:solidFill>
+        <a:latin typeface="+mn-lt"/>
+        <a:ea typeface="+mn-ea"/>
+        <a:cs typeface="+mn-cs"/>
+      </a:defRPr>
+    </a:lvl3pPr>
+    <a:lvl4pPr marL="1371600" algn="l" defTabSz="914400" rtl="0" eaLnBrk="1" latinLnBrk="0" hangingPunct="1">
+      <a:defRPr sz="1200" kern="1200">
+        <a:solidFill>
+          <a:schemeClr val="tx1"/>
+        </a:solidFill>
+        <a:latin typeface="+mn-lt"/>
+        <a:ea typeface="+mn-ea"/>
+        <a:cs typeface="+mn-cs"/>
+      </a:defRPr>
+    </a:lvl4pPr>
+    <a:lvl5pPr marL="1828800" algn="l" defTabSz="914400" rtl="0" eaLnBrk="1" latinLnBrk="0" hangingPunct="1">
+      <a:defRPr sz="1200" kern="1200">
+        <a:solidFill>
+          <a:schemeClr val="tx1"/>
+        </a:solidFill>
+        <a:latin typeface="+mn-lt"/>
+        <a:ea typeface="+mn-ea"/>
+        <a:cs typeface="+mn-cs"/>
+      </a:defRPr>
+    </a:lvl5pPr>
+    <a:lvl6pPr marL="2286000" algn="l" defTabSz="914400" rtl="0" eaLnBrk="1" latinLnBrk="0" hangingPunct="1">
+      <a:defRPr sz="1200" kern="1200">
+        <a:solidFill>
+          <a:schemeClr val="tx1"/>
+        </a:solidFill>
+        <a:latin typeface="+mn-lt"/>
+        <a:ea typeface="+mn-ea"/>
+        <a:cs typeface="+mn-cs"/>
+      </a:defRPr>
+    </a:lvl6pPr>
+    <a:lvl7pPr marL="2743200" algn="l" defTabSz="914400" rtl="0" eaLnBrk="1" latinLnBrk="0" hangingPunct="1">
+      <a:defRPr sz="1200" kern="1200">
+        <a:solidFill>
+          <a:schemeClr val="tx1"/>
+        </a:solidFill>
+        <a:latin typeface="+mn-lt"/>
+        <a:ea typeface="+mn-ea"/>
+        <a:cs typeface="+mn-cs"/>
+      </a:defRPr>
+    </a:lvl7pPr>
+    <a:lvl8pPr marL="3200400" algn="l" defTabSz="914400" rtl="0" eaLnBrk="1" latinLnBrk="0" hangingPunct="1">
+      <a:defRPr sz="1200" kern="1200">
+        <a:solidFill>
+          <a:schemeClr val="tx1"/>
+        </a:solidFill>
+        <a:latin typeface="+mn-lt"/>
+        <a:ea typeface="+mn-ea"/>
+        <a:cs typeface="+mn-cs"/>
+      </a:defRPr>
+    </a:lvl8pPr>
+    <a:lvl9pPr marL="3657600" algn="l" defTabSz="914400" rtl="0" eaLnBrk="1" latinLnBrk="0" hangingPunct="1">
+      <a:defRPr sz="1200" kern="1200">
+        <a:solidFill>
+          <a:schemeClr val="tx1"/>
+        </a:solidFill>
+        <a:latin typeface="+mn-lt"/>
+        <a:ea typeface="+mn-ea"/>
+        <a:cs typeface="+mn-cs"/>
+      </a:defRPr>
+    </a:lvl9pPr>
+  </p:notesStyle>
+</p:notesMaster>
 </file>
 
 <file path=ppt/slideLayouts/slideLayout1.xml><?xml version="1.0" encoding="utf-8"?>
@@ -434,9 +1571,9 @@
           <a:bodyPr/>
           <a:lstStyle/>
           <a:p>
-            <a:fld id="{35AC0419-872D-405D-B348-4B3B0BE31EA3}" type="datetimeFigureOut">
+            <a:fld id="{33480191-084C-4B06-8041-69907D7456F6}" type="datetime1">
               <a:rPr lang="en-US" smtClean="0"/>
-              <a:t>4/13/2020</a:t>
+              <a:t>4/14/2020</a:t>
             </a:fld>
             <a:endParaRPr lang="en-US"/>
           </a:p>
@@ -632,9 +1769,9 @@
           <a:bodyPr/>
           <a:lstStyle/>
           <a:p>
-            <a:fld id="{35AC0419-872D-405D-B348-4B3B0BE31EA3}" type="datetimeFigureOut">
+            <a:fld id="{FF0F9548-5E54-4214-AD38-A988F4AC2312}" type="datetime1">
               <a:rPr lang="en-US" smtClean="0"/>
-              <a:t>4/13/2020</a:t>
+              <a:t>4/14/2020</a:t>
             </a:fld>
             <a:endParaRPr lang="en-US"/>
           </a:p>
@@ -840,9 +1977,9 @@
           <a:bodyPr/>
           <a:lstStyle/>
           <a:p>
-            <a:fld id="{35AC0419-872D-405D-B348-4B3B0BE31EA3}" type="datetimeFigureOut">
+            <a:fld id="{B12D296B-8F6A-42C5-8D1B-30EBB2FD7753}" type="datetime1">
               <a:rPr lang="en-US" smtClean="0"/>
-              <a:t>4/13/2020</a:t>
+              <a:t>4/14/2020</a:t>
             </a:fld>
             <a:endParaRPr lang="en-US"/>
           </a:p>
@@ -950,8 +2087,8 @@
         </p:nvSpPr>
         <p:spPr>
           <a:xfrm>
-            <a:off x="838200" y="365126"/>
-            <a:ext cx="10515600" cy="782540"/>
+            <a:off x="312420" y="365126"/>
+            <a:ext cx="11567160" cy="782540"/>
           </a:xfrm>
         </p:spPr>
         <p:txBody>
@@ -960,12 +2097,21 @@
           </a:bodyPr>
           <a:lstStyle>
             <a:lvl1pPr>
-              <a:defRPr sz="4000"/>
+              <a:lnSpc>
+                <a:spcPct val="100000"/>
+              </a:lnSpc>
+              <a:spcBef>
+                <a:spcPts val="0"/>
+              </a:spcBef>
+              <a:spcAft>
+                <a:spcPts val="0"/>
+              </a:spcAft>
+              <a:defRPr sz="3600"/>
             </a:lvl1pPr>
           </a:lstStyle>
           <a:p>
             <a:r>
-              <a:rPr lang="en-US"/>
+              <a:rPr lang="en-US" dirty="0"/>
               <a:t>Click to edit Master title style</a:t>
             </a:r>
           </a:p>
@@ -989,8 +2135,8 @@
         </p:nvSpPr>
         <p:spPr>
           <a:xfrm>
-            <a:off x="838200" y="1544216"/>
-            <a:ext cx="10515600" cy="4632747"/>
+            <a:off x="312420" y="1544216"/>
+            <a:ext cx="11567160" cy="4632747"/>
           </a:xfrm>
         </p:spPr>
         <p:txBody>
@@ -1052,11 +2198,15 @@
         <p:spPr/>
         <p:txBody>
           <a:bodyPr/>
-          <a:lstStyle/>
-          <a:p>
-            <a:fld id="{35AC0419-872D-405D-B348-4B3B0BE31EA3}" type="datetimeFigureOut">
+          <a:lstStyle>
+            <a:lvl1pPr>
+              <a:defRPr sz="1400"/>
+            </a:lvl1pPr>
+          </a:lstStyle>
+          <a:p>
+            <a:fld id="{5554D4B4-8F0E-4A28-A8C9-3F36C5664645}" type="datetime1">
               <a:rPr lang="en-US" smtClean="0"/>
-              <a:t>4/13/2020</a:t>
+              <a:t>4/14/2020</a:t>
             </a:fld>
             <a:endParaRPr lang="en-US"/>
           </a:p>
@@ -1081,7 +2231,11 @@
         <p:spPr/>
         <p:txBody>
           <a:bodyPr/>
-          <a:lstStyle/>
+          <a:lstStyle>
+            <a:lvl1pPr>
+              <a:defRPr sz="1400"/>
+            </a:lvl1pPr>
+          </a:lstStyle>
           <a:p>
             <a:endParaRPr lang="en-US"/>
           </a:p>
@@ -1106,10 +2260,15 @@
         <p:spPr/>
         <p:txBody>
           <a:bodyPr/>
-          <a:lstStyle/>
+          <a:lstStyle>
+            <a:lvl1pPr>
+              <a:defRPr sz="1400"/>
+            </a:lvl1pPr>
+          </a:lstStyle>
           <a:p>
             <a:fld id="{5EDCB77F-E5A5-4D84-A8C7-44B408FD6E25}" type="slidenum">
               <a:rPr lang="en-US" smtClean="0"/>
+              <a:pPr/>
               <a:t>‹#›</a:t>
             </a:fld>
             <a:endParaRPr lang="en-US"/>
@@ -1329,9 +2488,9 @@
           <a:bodyPr/>
           <a:lstStyle/>
           <a:p>
-            <a:fld id="{35AC0419-872D-405D-B348-4B3B0BE31EA3}" type="datetimeFigureOut">
+            <a:fld id="{F61893DF-E896-46C6-BD1E-85CF626C9BBB}" type="datetime1">
               <a:rPr lang="en-US" smtClean="0"/>
-              <a:t>4/13/2020</a:t>
+              <a:t>4/14/2020</a:t>
             </a:fld>
             <a:endParaRPr lang="en-US"/>
           </a:p>
@@ -1566,9 +2725,9 @@
           <a:bodyPr/>
           <a:lstStyle/>
           <a:p>
-            <a:fld id="{35AC0419-872D-405D-B348-4B3B0BE31EA3}" type="datetimeFigureOut">
+            <a:fld id="{8EB6E91C-4F1E-4EFD-AEF1-AD8AF09D7F3E}" type="datetime1">
               <a:rPr lang="en-US" smtClean="0"/>
-              <a:t>4/13/2020</a:t>
+              <a:t>4/14/2020</a:t>
             </a:fld>
             <a:endParaRPr lang="en-US"/>
           </a:p>
@@ -1978,9 +3137,9 @@
           <a:bodyPr/>
           <a:lstStyle/>
           <a:p>
-            <a:fld id="{35AC0419-872D-405D-B348-4B3B0BE31EA3}" type="datetimeFigureOut">
+            <a:fld id="{C05ECBCD-D876-4500-AFBA-2AE3FA3F0747}" type="datetime1">
               <a:rPr lang="en-US" smtClean="0"/>
-              <a:t>4/13/2020</a:t>
+              <a:t>4/14/2020</a:t>
             </a:fld>
             <a:endParaRPr lang="en-US"/>
           </a:p>
@@ -2124,9 +3283,9 @@
           <a:bodyPr/>
           <a:lstStyle/>
           <a:p>
-            <a:fld id="{35AC0419-872D-405D-B348-4B3B0BE31EA3}" type="datetimeFigureOut">
+            <a:fld id="{F3DFA546-49F0-4342-A89C-7A50D85F86D2}" type="datetime1">
               <a:rPr lang="en-US" smtClean="0"/>
-              <a:t>4/13/2020</a:t>
+              <a:t>4/14/2020</a:t>
             </a:fld>
             <a:endParaRPr lang="en-US"/>
           </a:p>
@@ -2270,9 +3429,9 @@
           <a:bodyPr/>
           <a:lstStyle/>
           <a:p>
-            <a:fld id="{35AC0419-872D-405D-B348-4B3B0BE31EA3}" type="datetimeFigureOut">
+            <a:fld id="{E11F956C-6F3B-466B-9BD5-0B1606045D29}" type="datetime1">
               <a:rPr lang="en-US" smtClean="0"/>
-              <a:t>4/13/2020</a:t>
+              <a:t>4/14/2020</a:t>
             </a:fld>
             <a:endParaRPr lang="en-US"/>
           </a:p>
@@ -2581,9 +3740,9 @@
           <a:bodyPr/>
           <a:lstStyle/>
           <a:p>
-            <a:fld id="{35AC0419-872D-405D-B348-4B3B0BE31EA3}" type="datetimeFigureOut">
+            <a:fld id="{E1561C61-8A11-483C-82F1-3C2D8F4BB1D9}" type="datetime1">
               <a:rPr lang="en-US" smtClean="0"/>
-              <a:t>4/13/2020</a:t>
+              <a:t>4/14/2020</a:t>
             </a:fld>
             <a:endParaRPr lang="en-US"/>
           </a:p>
@@ -2869,9 +4028,9 @@
           <a:bodyPr/>
           <a:lstStyle/>
           <a:p>
-            <a:fld id="{35AC0419-872D-405D-B348-4B3B0BE31EA3}" type="datetimeFigureOut">
+            <a:fld id="{30A857CA-2CB5-4A25-BDB8-CAE96D53936B}" type="datetime1">
               <a:rPr lang="en-US" smtClean="0"/>
-              <a:t>4/13/2020</a:t>
+              <a:t>4/14/2020</a:t>
             </a:fld>
             <a:endParaRPr lang="en-US"/>
           </a:p>
@@ -3179,7 +4338,7 @@
               <a:spcAft>
                 <a:spcPts val="300"/>
               </a:spcAft>
-              <a:defRPr sz="1200">
+              <a:defRPr sz="1800" b="1">
                 <a:solidFill>
                   <a:schemeClr val="accent3">
                     <a:lumMod val="50000"/>
@@ -3191,12 +4350,12 @@
             </a:lvl1pPr>
           </a:lstStyle>
           <a:p>
-            <a:fld id="{35AC0419-872D-405D-B348-4B3B0BE31EA3}" type="datetimeFigureOut">
+            <a:fld id="{3B111362-9625-43B6-B2F5-61869794193B}" type="datetime1">
               <a:rPr lang="en-US" smtClean="0"/>
               <a:pPr/>
-              <a:t>4/13/2020</a:t>
+              <a:t>4/14/2020</a:t>
             </a:fld>
-            <a:endParaRPr lang="en-US"/>
+            <a:endParaRPr lang="en-US" dirty="0"/>
           </a:p>
         </p:txBody>
       </p:sp>
@@ -3238,7 +4397,7 @@
               <a:spcAft>
                 <a:spcPts val="300"/>
               </a:spcAft>
-              <a:defRPr sz="1200">
+              <a:defRPr sz="1800" b="1">
                 <a:solidFill>
                   <a:schemeClr val="accent3">
                     <a:lumMod val="50000"/>
@@ -3250,7 +4409,7 @@
             </a:lvl1pPr>
           </a:lstStyle>
           <a:p>
-            <a:endParaRPr lang="en-US"/>
+            <a:endParaRPr lang="en-US" dirty="0"/>
           </a:p>
         </p:txBody>
       </p:sp>
@@ -3292,7 +4451,7 @@
               <a:spcAft>
                 <a:spcPts val="300"/>
               </a:spcAft>
-              <a:defRPr sz="1200">
+              <a:defRPr sz="1800" b="1">
                 <a:solidFill>
                   <a:schemeClr val="accent3">
                     <a:lumMod val="50000"/>
@@ -3468,6 +4627,7 @@
     <p:sldLayoutId id="2147483658" r:id="rId10"/>
     <p:sldLayoutId id="2147483659" r:id="rId11"/>
   </p:sldLayoutIdLst>
+  <p:hf hdr="0"/>
   <p:txStyles>
     <p:titleStyle>
       <a:lvl1pPr algn="l" defTabSz="914400" rtl="0" eaLnBrk="1" latinLnBrk="0" hangingPunct="1">
@@ -3816,8 +4976,8 @@
         </p:nvSpPr>
         <p:spPr>
           <a:xfrm>
-            <a:off x="10668" y="1792084"/>
-            <a:ext cx="12170664" cy="2030299"/>
+            <a:off x="563880" y="1367159"/>
+            <a:ext cx="11064240" cy="2455224"/>
           </a:xfrm>
         </p:spPr>
         <p:txBody>
@@ -3827,8 +4987,22 @@
           <a:lstStyle/>
           <a:p>
             <a:r>
-              <a:rPr lang="en-US" sz="5500" dirty="0"/>
-              <a:t>Effects of Smoking on Lung Adenocarcinoma Gene Expression</a:t>
+              <a:rPr lang="en-US" sz="4400" dirty="0"/>
+              <a:t>Effects of Smoking on Gene Expression </a:t>
+            </a:r>
+            <a:br>
+              <a:rPr lang="en-US" sz="4400" dirty="0"/>
+            </a:br>
+            <a:r>
+              <a:rPr lang="en-US" sz="4400" dirty="0"/>
+              <a:t>in South Korean Patients </a:t>
+            </a:r>
+            <a:br>
+              <a:rPr lang="en-US" sz="4400" dirty="0"/>
+            </a:br>
+            <a:r>
+              <a:rPr lang="en-US" sz="4400" dirty="0"/>
+              <a:t>with Lung Adenocarcinomas</a:t>
             </a:r>
           </a:p>
         </p:txBody>
@@ -3852,7 +5026,7 @@
         <p:spPr>
           <a:xfrm>
             <a:off x="1524000" y="3914458"/>
-            <a:ext cx="9144000" cy="1535036"/>
+            <a:ext cx="9144000" cy="1749903"/>
           </a:xfrm>
         </p:spPr>
         <p:txBody>
@@ -3862,20 +5036,20 @@
           <a:lstStyle/>
           <a:p>
             <a:r>
-              <a:rPr lang="en-US" dirty="0"/>
+              <a:rPr lang="en-US" sz="2800" dirty="0"/>
               <a:t>Jess White</a:t>
             </a:r>
           </a:p>
           <a:p>
             <a:r>
-              <a:rPr lang="en-US" dirty="0"/>
+              <a:rPr lang="en-US" sz="2800" dirty="0"/>
               <a:t>ANGSD 2020</a:t>
             </a:r>
           </a:p>
           <a:p>
             <a:r>
-              <a:rPr lang="en-US" dirty="0"/>
-              <a:t>April 17, 2020</a:t>
+              <a:rPr lang="en-US" sz="2800" dirty="0"/>
+              <a:t>April 14, 2020</a:t>
             </a:r>
           </a:p>
         </p:txBody>
@@ -3915,7 +5089,7 @@
           <p:cNvPr id="2" name="Title 1">
             <a:extLst>
               <a:ext uri="{FF2B5EF4-FFF2-40B4-BE49-F238E27FC236}">
-                <a16:creationId xmlns:a16="http://schemas.microsoft.com/office/drawing/2014/main" id="{B53D98C1-0974-41A2-84B7-E1E1AEFFFB4B}"/>
+                <a16:creationId xmlns:a16="http://schemas.microsoft.com/office/drawing/2014/main" id="{6B5247FD-8820-4167-B2BF-865098136C4F}"/>
               </a:ext>
             </a:extLst>
           </p:cNvPr>
@@ -3926,305 +5100,112 @@
             <p:ph type="title"/>
           </p:nvPr>
         </p:nvSpPr>
-        <p:spPr>
-          <a:xfrm>
-            <a:off x="838200" y="365126"/>
-            <a:ext cx="10515600" cy="782540"/>
-          </a:xfrm>
-        </p:spPr>
+        <p:spPr/>
+        <p:txBody>
+          <a:bodyPr>
+            <a:normAutofit fontScale="90000"/>
+          </a:bodyPr>
+          <a:lstStyle/>
+          <a:p>
+            <a:r>
+              <a:rPr lang="en-US" dirty="0"/>
+              <a:t>Lung adenocarcinomas of smokers are associated with a distinct genetic signature and higher mutational burden</a:t>
+            </a:r>
+          </a:p>
+        </p:txBody>
+      </p:sp>
+      <p:sp>
+        <p:nvSpPr>
+          <p:cNvPr id="5" name="Date Placeholder 4">
+            <a:extLst>
+              <a:ext uri="{FF2B5EF4-FFF2-40B4-BE49-F238E27FC236}">
+                <a16:creationId xmlns:a16="http://schemas.microsoft.com/office/drawing/2014/main" id="{9AF6AD97-7C60-414F-BDEA-B9FE3B736A9B}"/>
+              </a:ext>
+            </a:extLst>
+          </p:cNvPr>
+          <p:cNvSpPr>
+            <a:spLocks noGrp="1"/>
+          </p:cNvSpPr>
+          <p:nvPr>
+            <p:ph type="dt" sz="half" idx="10"/>
+          </p:nvPr>
+        </p:nvSpPr>
+        <p:spPr/>
         <p:txBody>
           <a:bodyPr/>
           <a:lstStyle/>
           <a:p>
+            <a:fld id="{B7B934CE-FE5E-4B57-9B28-30961AD7575C}" type="datetime1">
+              <a:rPr lang="en-US" smtClean="0"/>
+              <a:t>4/14/2020</a:t>
+            </a:fld>
+            <a:endParaRPr lang="en-US"/>
+          </a:p>
+        </p:txBody>
+      </p:sp>
+      <p:sp>
+        <p:nvSpPr>
+          <p:cNvPr id="6" name="Slide Number Placeholder 5">
+            <a:extLst>
+              <a:ext uri="{FF2B5EF4-FFF2-40B4-BE49-F238E27FC236}">
+                <a16:creationId xmlns:a16="http://schemas.microsoft.com/office/drawing/2014/main" id="{D1A7C364-3681-4383-8F47-2A00B81B2735}"/>
+              </a:ext>
+            </a:extLst>
+          </p:cNvPr>
+          <p:cNvSpPr>
+            <a:spLocks noGrp="1"/>
+          </p:cNvSpPr>
+          <p:nvPr>
+            <p:ph type="sldNum" sz="quarter" idx="12"/>
+          </p:nvPr>
+        </p:nvSpPr>
+        <p:spPr/>
+        <p:txBody>
+          <a:bodyPr/>
+          <a:lstStyle/>
+          <a:p>
+            <a:fld id="{5EDCB77F-E5A5-4D84-A8C7-44B408FD6E25}" type="slidenum">
+              <a:rPr lang="en-US" smtClean="0"/>
+              <a:t>2</a:t>
+            </a:fld>
+            <a:endParaRPr lang="en-US"/>
+          </a:p>
+        </p:txBody>
+      </p:sp>
+      <p:sp>
+        <p:nvSpPr>
+          <p:cNvPr id="7" name="Footer Placeholder 6">
+            <a:extLst>
+              <a:ext uri="{FF2B5EF4-FFF2-40B4-BE49-F238E27FC236}">
+                <a16:creationId xmlns:a16="http://schemas.microsoft.com/office/drawing/2014/main" id="{F9F57A50-7040-42C1-A8C5-12F032965CB0}"/>
+              </a:ext>
+            </a:extLst>
+          </p:cNvPr>
+          <p:cNvSpPr>
+            <a:spLocks noGrp="1"/>
+          </p:cNvSpPr>
+          <p:nvPr>
+            <p:ph type="ftr" sz="quarter" idx="11"/>
+          </p:nvPr>
+        </p:nvSpPr>
+        <p:spPr/>
+        <p:txBody>
+          <a:bodyPr/>
+          <a:lstStyle/>
+          <a:p>
             <a:r>
               <a:rPr lang="en-US" dirty="0"/>
-              <a:t>Summary of career development activities</a:t>
-            </a:r>
-          </a:p>
-        </p:txBody>
-      </p:sp>
-      <p:sp>
-        <p:nvSpPr>
-          <p:cNvPr id="3" name="Content Placeholder 2">
-            <a:extLst>
-              <a:ext uri="{FF2B5EF4-FFF2-40B4-BE49-F238E27FC236}">
-                <a16:creationId xmlns:a16="http://schemas.microsoft.com/office/drawing/2014/main" id="{CD4FD371-1AAE-4BAB-AAF4-CE6B387770E9}"/>
-              </a:ext>
-            </a:extLst>
-          </p:cNvPr>
-          <p:cNvSpPr>
-            <a:spLocks noGrp="1"/>
-          </p:cNvSpPr>
-          <p:nvPr>
-            <p:ph idx="1"/>
-          </p:nvPr>
-        </p:nvSpPr>
-        <p:spPr>
-          <a:xfrm>
-            <a:off x="838200" y="3512820"/>
-            <a:ext cx="5006340" cy="2747962"/>
-          </a:xfrm>
-        </p:spPr>
-        <p:txBody>
-          <a:bodyPr>
-            <a:normAutofit/>
-          </a:bodyPr>
-          <a:lstStyle/>
-          <a:p>
-            <a:r>
-              <a:rPr lang="en-US" sz="2000" dirty="0"/>
-              <a:t>[TO COME]</a:t>
-            </a:r>
-          </a:p>
-        </p:txBody>
-      </p:sp>
-      <p:sp>
-        <p:nvSpPr>
-          <p:cNvPr id="8" name="Content Placeholder 2">
-            <a:extLst>
-              <a:ext uri="{FF2B5EF4-FFF2-40B4-BE49-F238E27FC236}">
-                <a16:creationId xmlns:a16="http://schemas.microsoft.com/office/drawing/2014/main" id="{D6258B0E-AA52-4276-97FC-AF9DDAAF1B06}"/>
-              </a:ext>
-            </a:extLst>
-          </p:cNvPr>
-          <p:cNvSpPr txBox="1">
-            <a:spLocks/>
-          </p:cNvSpPr>
-          <p:nvPr/>
-        </p:nvSpPr>
-        <p:spPr>
-          <a:xfrm>
-            <a:off x="6347460" y="3512820"/>
-            <a:ext cx="5006340" cy="2747962"/>
-          </a:xfrm>
-          <a:prstGeom prst="rect">
-            <a:avLst/>
-          </a:prstGeom>
-        </p:spPr>
-        <p:txBody>
-          <a:bodyPr vert="horz" lIns="91440" tIns="45720" rIns="91440" bIns="45720" rtlCol="0">
-            <a:normAutofit/>
-          </a:bodyPr>
-          <a:lstStyle>
-            <a:lvl1pPr marL="228600" indent="-228600" algn="l" defTabSz="914400" rtl="0" eaLnBrk="1" latinLnBrk="0" hangingPunct="1">
-              <a:lnSpc>
-                <a:spcPct val="90000"/>
-              </a:lnSpc>
-              <a:spcBef>
-                <a:spcPts val="1000"/>
-              </a:spcBef>
-              <a:buFont typeface="Arial" panose="020B0604020202020204" pitchFamily="34" charset="0"/>
-              <a:buChar char="•"/>
-              <a:defRPr sz="2800" kern="1200">
-                <a:solidFill>
-                  <a:schemeClr val="tx1"/>
-                </a:solidFill>
-                <a:latin typeface="Arial" panose="020B0604020202020204" pitchFamily="34" charset="0"/>
-                <a:ea typeface="+mn-ea"/>
-                <a:cs typeface="Arial" panose="020B0604020202020204" pitchFamily="34" charset="0"/>
-              </a:defRPr>
-            </a:lvl1pPr>
-            <a:lvl2pPr marL="685800" indent="-228600" algn="l" defTabSz="914400" rtl="0" eaLnBrk="1" latinLnBrk="0" hangingPunct="1">
-              <a:lnSpc>
-                <a:spcPct val="90000"/>
-              </a:lnSpc>
-              <a:spcBef>
-                <a:spcPts val="500"/>
-              </a:spcBef>
-              <a:buFont typeface="Arial" panose="020B0604020202020204" pitchFamily="34" charset="0"/>
-              <a:buChar char="•"/>
-              <a:defRPr sz="2400" kern="1200">
-                <a:solidFill>
-                  <a:schemeClr val="tx1"/>
-                </a:solidFill>
-                <a:latin typeface="Arial" panose="020B0604020202020204" pitchFamily="34" charset="0"/>
-                <a:ea typeface="+mn-ea"/>
-                <a:cs typeface="Arial" panose="020B0604020202020204" pitchFamily="34" charset="0"/>
-              </a:defRPr>
-            </a:lvl2pPr>
-            <a:lvl3pPr marL="1143000" indent="-228600" algn="l" defTabSz="914400" rtl="0" eaLnBrk="1" latinLnBrk="0" hangingPunct="1">
-              <a:lnSpc>
-                <a:spcPct val="90000"/>
-              </a:lnSpc>
-              <a:spcBef>
-                <a:spcPts val="500"/>
-              </a:spcBef>
-              <a:buFont typeface="Arial" panose="020B0604020202020204" pitchFamily="34" charset="0"/>
-              <a:buChar char="•"/>
-              <a:defRPr sz="2000" kern="1200">
-                <a:solidFill>
-                  <a:schemeClr val="tx1"/>
-                </a:solidFill>
-                <a:latin typeface="Arial" panose="020B0604020202020204" pitchFamily="34" charset="0"/>
-                <a:ea typeface="+mn-ea"/>
-                <a:cs typeface="Arial" panose="020B0604020202020204" pitchFamily="34" charset="0"/>
-              </a:defRPr>
-            </a:lvl3pPr>
-            <a:lvl4pPr marL="1600200" indent="-228600" algn="l" defTabSz="914400" rtl="0" eaLnBrk="1" latinLnBrk="0" hangingPunct="1">
-              <a:lnSpc>
-                <a:spcPct val="90000"/>
-              </a:lnSpc>
-              <a:spcBef>
-                <a:spcPts val="500"/>
-              </a:spcBef>
-              <a:buFont typeface="Arial" panose="020B0604020202020204" pitchFamily="34" charset="0"/>
-              <a:buChar char="•"/>
-              <a:defRPr sz="1800" kern="1200">
-                <a:solidFill>
-                  <a:schemeClr val="tx1"/>
-                </a:solidFill>
-                <a:latin typeface="Arial" panose="020B0604020202020204" pitchFamily="34" charset="0"/>
-                <a:ea typeface="+mn-ea"/>
-                <a:cs typeface="Arial" panose="020B0604020202020204" pitchFamily="34" charset="0"/>
-              </a:defRPr>
-            </a:lvl4pPr>
-            <a:lvl5pPr marL="2057400" indent="-228600" algn="l" defTabSz="914400" rtl="0" eaLnBrk="1" latinLnBrk="0" hangingPunct="1">
-              <a:lnSpc>
-                <a:spcPct val="90000"/>
-              </a:lnSpc>
-              <a:spcBef>
-                <a:spcPts val="500"/>
-              </a:spcBef>
-              <a:buFont typeface="Arial" panose="020B0604020202020204" pitchFamily="34" charset="0"/>
-              <a:buChar char="•"/>
-              <a:defRPr sz="1800" kern="1200">
-                <a:solidFill>
-                  <a:schemeClr val="tx1"/>
-                </a:solidFill>
-                <a:latin typeface="Arial" panose="020B0604020202020204" pitchFamily="34" charset="0"/>
-                <a:ea typeface="+mn-ea"/>
-                <a:cs typeface="Arial" panose="020B0604020202020204" pitchFamily="34" charset="0"/>
-              </a:defRPr>
-            </a:lvl5pPr>
-            <a:lvl6pPr marL="2514600" indent="-228600" algn="l" defTabSz="914400" rtl="0" eaLnBrk="1" latinLnBrk="0" hangingPunct="1">
-              <a:lnSpc>
-                <a:spcPct val="90000"/>
-              </a:lnSpc>
-              <a:spcBef>
-                <a:spcPts val="500"/>
-              </a:spcBef>
-              <a:buFont typeface="Arial" panose="020B0604020202020204" pitchFamily="34" charset="0"/>
-              <a:buChar char="•"/>
-              <a:defRPr sz="1800" kern="1200">
-                <a:solidFill>
-                  <a:schemeClr val="tx1"/>
-                </a:solidFill>
-                <a:latin typeface="+mn-lt"/>
-                <a:ea typeface="+mn-ea"/>
-                <a:cs typeface="+mn-cs"/>
-              </a:defRPr>
-            </a:lvl6pPr>
-            <a:lvl7pPr marL="2971800" indent="-228600" algn="l" defTabSz="914400" rtl="0" eaLnBrk="1" latinLnBrk="0" hangingPunct="1">
-              <a:lnSpc>
-                <a:spcPct val="90000"/>
-              </a:lnSpc>
-              <a:spcBef>
-                <a:spcPts val="500"/>
-              </a:spcBef>
-              <a:buFont typeface="Arial" panose="020B0604020202020204" pitchFamily="34" charset="0"/>
-              <a:buChar char="•"/>
-              <a:defRPr sz="1800" kern="1200">
-                <a:solidFill>
-                  <a:schemeClr val="tx1"/>
-                </a:solidFill>
-                <a:latin typeface="+mn-lt"/>
-                <a:ea typeface="+mn-ea"/>
-                <a:cs typeface="+mn-cs"/>
-              </a:defRPr>
-            </a:lvl7pPr>
-            <a:lvl8pPr marL="3429000" indent="-228600" algn="l" defTabSz="914400" rtl="0" eaLnBrk="1" latinLnBrk="0" hangingPunct="1">
-              <a:lnSpc>
-                <a:spcPct val="90000"/>
-              </a:lnSpc>
-              <a:spcBef>
-                <a:spcPts val="500"/>
-              </a:spcBef>
-              <a:buFont typeface="Arial" panose="020B0604020202020204" pitchFamily="34" charset="0"/>
-              <a:buChar char="•"/>
-              <a:defRPr sz="1800" kern="1200">
-                <a:solidFill>
-                  <a:schemeClr val="tx1"/>
-                </a:solidFill>
-                <a:latin typeface="+mn-lt"/>
-                <a:ea typeface="+mn-ea"/>
-                <a:cs typeface="+mn-cs"/>
-              </a:defRPr>
-            </a:lvl8pPr>
-            <a:lvl9pPr marL="3886200" indent="-228600" algn="l" defTabSz="914400" rtl="0" eaLnBrk="1" latinLnBrk="0" hangingPunct="1">
-              <a:lnSpc>
-                <a:spcPct val="90000"/>
-              </a:lnSpc>
-              <a:spcBef>
-                <a:spcPts val="500"/>
-              </a:spcBef>
-              <a:buFont typeface="Arial" panose="020B0604020202020204" pitchFamily="34" charset="0"/>
-              <a:buChar char="•"/>
-              <a:defRPr sz="1800" kern="1200">
-                <a:solidFill>
-                  <a:schemeClr val="tx1"/>
-                </a:solidFill>
-                <a:latin typeface="+mn-lt"/>
-                <a:ea typeface="+mn-ea"/>
-                <a:cs typeface="+mn-cs"/>
-              </a:defRPr>
-            </a:lvl9pPr>
-          </a:lstStyle>
-          <a:p>
-            <a:pPr>
-              <a:lnSpc>
-                <a:spcPct val="120000"/>
-              </a:lnSpc>
-              <a:spcBef>
-                <a:spcPts val="300"/>
-              </a:spcBef>
-              <a:spcAft>
-                <a:spcPts val="300"/>
-              </a:spcAft>
-            </a:pPr>
-            <a:r>
-              <a:rPr lang="en-US" sz="2200" dirty="0"/>
-              <a:t>Attended WCM Alumni Fireside Chat on April 7, 2020</a:t>
-            </a:r>
-          </a:p>
-          <a:p>
-            <a:pPr>
-              <a:lnSpc>
-                <a:spcPct val="120000"/>
-              </a:lnSpc>
-              <a:spcBef>
-                <a:spcPts val="300"/>
-              </a:spcBef>
-              <a:spcAft>
-                <a:spcPts val="300"/>
-              </a:spcAft>
-            </a:pPr>
-            <a:r>
-              <a:rPr lang="en-US" sz="2200" dirty="0"/>
-              <a:t>Panelists have backgrounds in biotech, consulting, finance, policy, medical writing, and academia</a:t>
-            </a:r>
-          </a:p>
-          <a:p>
-            <a:pPr>
-              <a:lnSpc>
-                <a:spcPct val="120000"/>
-              </a:lnSpc>
-              <a:spcBef>
-                <a:spcPts val="300"/>
-              </a:spcBef>
-              <a:spcAft>
-                <a:spcPts val="300"/>
-              </a:spcAft>
-            </a:pPr>
-            <a:endParaRPr lang="en-US" sz="2200" dirty="0"/>
+              <a:t>ANGSD 2020 Final Project</a:t>
+            </a:r>
           </a:p>
         </p:txBody>
       </p:sp>
       <p:grpSp>
         <p:nvGrpSpPr>
-          <p:cNvPr id="15" name="Group 14">
-            <a:extLst>
-              <a:ext uri="{FF2B5EF4-FFF2-40B4-BE49-F238E27FC236}">
-                <a16:creationId xmlns:a16="http://schemas.microsoft.com/office/drawing/2014/main" id="{D0F0D8F8-0F7D-43F8-838B-B6777D9375A6}"/>
+          <p:cNvPr id="9" name="Group 8">
+            <a:extLst>
+              <a:ext uri="{FF2B5EF4-FFF2-40B4-BE49-F238E27FC236}">
+                <a16:creationId xmlns:a16="http://schemas.microsoft.com/office/drawing/2014/main" id="{C499E3BA-862D-40BD-9226-C95792904230}"/>
               </a:ext>
             </a:extLst>
           </p:cNvPr>
@@ -4233,18 +5214,53 @@
         </p:nvGrpSpPr>
         <p:grpSpPr>
           <a:xfrm>
-            <a:off x="1413510" y="1560366"/>
-            <a:ext cx="3855720" cy="1713079"/>
-            <a:chOff x="891540" y="1476546"/>
-            <a:chExt cx="3855720" cy="1713079"/>
+            <a:off x="819223" y="1407609"/>
+            <a:ext cx="10553556" cy="4769815"/>
+            <a:chOff x="819223" y="1556798"/>
+            <a:chExt cx="10553556" cy="4769815"/>
           </a:xfrm>
         </p:grpSpPr>
+        <p:pic>
+          <p:nvPicPr>
+            <p:cNvPr id="4" name="Picture 3">
+              <a:extLst>
+                <a:ext uri="{FF2B5EF4-FFF2-40B4-BE49-F238E27FC236}">
+                  <a16:creationId xmlns:a16="http://schemas.microsoft.com/office/drawing/2014/main" id="{21871BBD-BD14-4458-9F31-E129A22C54CF}"/>
+                </a:ext>
+              </a:extLst>
+            </p:cNvPr>
+            <p:cNvPicPr>
+              <a:picLocks noChangeAspect="1"/>
+            </p:cNvPicPr>
+            <p:nvPr/>
+          </p:nvPicPr>
+          <p:blipFill>
+            <a:blip r:embed="rId2"/>
+            <a:stretch>
+              <a:fillRect/>
+            </a:stretch>
+          </p:blipFill>
+          <p:spPr>
+            <a:xfrm>
+              <a:off x="819223" y="1556798"/>
+              <a:ext cx="10553556" cy="4462038"/>
+            </a:xfrm>
+            <a:prstGeom prst="rect">
+              <a:avLst/>
+            </a:prstGeom>
+            <a:ln w="15875">
+              <a:solidFill>
+                <a:schemeClr val="accent1"/>
+              </a:solidFill>
+            </a:ln>
+          </p:spPr>
+        </p:pic>
         <p:sp>
           <p:nvSpPr>
-            <p:cNvPr id="11" name="TextBox 10">
+            <p:cNvPr id="8" name="TextBox 7">
               <a:extLst>
                 <a:ext uri="{FF2B5EF4-FFF2-40B4-BE49-F238E27FC236}">
-                  <a16:creationId xmlns:a16="http://schemas.microsoft.com/office/drawing/2014/main" id="{B4A50C9B-F7FD-43F7-B1E7-B2907ED7DA5D}"/>
+                  <a16:creationId xmlns:a16="http://schemas.microsoft.com/office/drawing/2014/main" id="{37C5A8B1-AAA3-49DE-8FC4-6756E5E91F13}"/>
                 </a:ext>
               </a:extLst>
             </p:cNvPr>
@@ -4253,8 +5269,8 @@
           </p:nvSpPr>
           <p:spPr>
             <a:xfrm>
-              <a:off x="891540" y="2727960"/>
-              <a:ext cx="3855720" cy="461665"/>
+              <a:off x="819223" y="6018836"/>
+              <a:ext cx="4677137" cy="307777"/>
             </a:xfrm>
             <a:prstGeom prst="rect">
               <a:avLst/>
@@ -4267,278 +5283,34 @@
             </a:bodyPr>
             <a:lstStyle/>
             <a:p>
-              <a:pPr algn="ctr"/>
               <a:r>
-                <a:rPr lang="en-US" sz="2400" b="1" dirty="0">
-                  <a:solidFill>
-                    <a:schemeClr val="accent1">
-                      <a:lumMod val="75000"/>
-                    </a:schemeClr>
-                  </a:solidFill>
-                  <a:latin typeface="Arial" panose="020B0604020202020204" pitchFamily="34" charset="0"/>
-                  <a:cs typeface="Arial" panose="020B0604020202020204" pitchFamily="34" charset="0"/>
-                </a:rPr>
-                <a:t>Informational Interview</a:t>
+                <a:rPr lang="en-US" sz="1400" dirty="0"/>
+                <a:t>Source: </a:t>
+              </a:r>
+              <a:r>
+                <a:rPr lang="en-US" sz="1400" dirty="0" err="1"/>
+                <a:t>Seo</a:t>
+              </a:r>
+              <a:r>
+                <a:rPr lang="en-US" sz="1400" dirty="0"/>
+                <a:t> et al., </a:t>
+              </a:r>
+              <a:r>
+                <a:rPr lang="en-US" sz="1400" i="1" dirty="0"/>
+                <a:t>Genome Research</a:t>
+              </a:r>
+              <a:r>
+                <a:rPr lang="en-US" sz="1400" dirty="0"/>
+                <a:t>, 2012.</a:t>
               </a:r>
             </a:p>
           </p:txBody>
         </p:sp>
-        <p:grpSp>
-          <p:nvGrpSpPr>
-            <p:cNvPr id="14" name="Group 13">
-              <a:extLst>
-                <a:ext uri="{FF2B5EF4-FFF2-40B4-BE49-F238E27FC236}">
-                  <a16:creationId xmlns:a16="http://schemas.microsoft.com/office/drawing/2014/main" id="{83BDCE5A-200F-425C-99CF-06640FF3D0B4}"/>
-                </a:ext>
-              </a:extLst>
-            </p:cNvPr>
-            <p:cNvGrpSpPr/>
-            <p:nvPr/>
-          </p:nvGrpSpPr>
-          <p:grpSpPr>
-            <a:xfrm>
-              <a:off x="2243177" y="1476546"/>
-              <a:ext cx="1152446" cy="1152446"/>
-              <a:chOff x="2243177" y="1476546"/>
-              <a:chExt cx="1152446" cy="1152446"/>
-            </a:xfrm>
-          </p:grpSpPr>
-          <p:pic>
-            <p:nvPicPr>
-              <p:cNvPr id="10" name="Graphic 9" descr="Boardroom">
-                <a:extLst>
-                  <a:ext uri="{FF2B5EF4-FFF2-40B4-BE49-F238E27FC236}">
-                    <a16:creationId xmlns:a16="http://schemas.microsoft.com/office/drawing/2014/main" id="{B9FE8856-E5CF-42D9-ACB6-E746E62547BC}"/>
-                  </a:ext>
-                </a:extLst>
-              </p:cNvPr>
-              <p:cNvPicPr>
-                <a:picLocks noChangeAspect="1"/>
-              </p:cNvPicPr>
-              <p:nvPr/>
-            </p:nvPicPr>
-            <p:blipFill>
-              <a:blip r:embed="rId2">
-                <a:extLst>
-                  <a:ext uri="{28A0092B-C50C-407E-A947-70E740481C1C}">
-                    <a14:useLocalDpi xmlns:a14="http://schemas.microsoft.com/office/drawing/2010/main" val="0"/>
-                  </a:ext>
-                  <a:ext uri="{96DAC541-7B7A-43D3-8B79-37D633B846F1}">
-                    <asvg:svgBlip xmlns:asvg="http://schemas.microsoft.com/office/drawing/2016/SVG/main" r:embed="rId3"/>
-                  </a:ext>
-                </a:extLst>
-              </a:blip>
-              <a:stretch>
-                <a:fillRect/>
-              </a:stretch>
-            </p:blipFill>
-            <p:spPr>
-              <a:xfrm>
-                <a:off x="2266188" y="1499557"/>
-                <a:ext cx="1106424" cy="1106424"/>
-              </a:xfrm>
-              <a:prstGeom prst="rect">
-                <a:avLst/>
-              </a:prstGeom>
-            </p:spPr>
-          </p:pic>
-          <p:sp>
-            <p:nvSpPr>
-              <p:cNvPr id="13" name="Oval 12">
-                <a:extLst>
-                  <a:ext uri="{FF2B5EF4-FFF2-40B4-BE49-F238E27FC236}">
-                    <a16:creationId xmlns:a16="http://schemas.microsoft.com/office/drawing/2014/main" id="{A5EC1B55-4D15-4A32-8DFF-E95DA33D2856}"/>
-                  </a:ext>
-                </a:extLst>
-              </p:cNvPr>
-              <p:cNvSpPr/>
-              <p:nvPr/>
-            </p:nvSpPr>
-            <p:spPr>
-              <a:xfrm>
-                <a:off x="2243177" y="1476546"/>
-                <a:ext cx="1152446" cy="1152446"/>
-              </a:xfrm>
-              <a:prstGeom prst="ellipse">
-                <a:avLst/>
-              </a:prstGeom>
-              <a:noFill/>
-              <a:ln w="38100">
-                <a:solidFill>
-                  <a:schemeClr val="accent1">
-                    <a:lumMod val="75000"/>
-                  </a:schemeClr>
-                </a:solidFill>
-              </a:ln>
-            </p:spPr>
-            <p:style>
-              <a:lnRef idx="2">
-                <a:schemeClr val="accent1">
-                  <a:shade val="50000"/>
-                </a:schemeClr>
-              </a:lnRef>
-              <a:fillRef idx="1">
-                <a:schemeClr val="accent1"/>
-              </a:fillRef>
-              <a:effectRef idx="0">
-                <a:schemeClr val="accent1"/>
-              </a:effectRef>
-              <a:fontRef idx="minor">
-                <a:schemeClr val="lt1"/>
-              </a:fontRef>
-            </p:style>
-            <p:txBody>
-              <a:bodyPr rtlCol="0" anchor="ctr"/>
-              <a:lstStyle/>
-              <a:p>
-                <a:pPr algn="ctr"/>
-                <a:endParaRPr lang="en-US"/>
-              </a:p>
-            </p:txBody>
-          </p:sp>
-        </p:grpSp>
       </p:grpSp>
-      <p:sp>
-        <p:nvSpPr>
-          <p:cNvPr id="17" name="TextBox 16">
-            <a:extLst>
-              <a:ext uri="{FF2B5EF4-FFF2-40B4-BE49-F238E27FC236}">
-                <a16:creationId xmlns:a16="http://schemas.microsoft.com/office/drawing/2014/main" id="{CE73FC6F-877B-45EC-B503-01FD1F477904}"/>
-              </a:ext>
-            </a:extLst>
-          </p:cNvPr>
-          <p:cNvSpPr txBox="1"/>
-          <p:nvPr/>
-        </p:nvSpPr>
-        <p:spPr>
-          <a:xfrm>
-            <a:off x="6922770" y="2811780"/>
-            <a:ext cx="3855720" cy="461665"/>
-          </a:xfrm>
-          <a:prstGeom prst="rect">
-            <a:avLst/>
-          </a:prstGeom>
-          <a:noFill/>
-        </p:spPr>
-        <p:txBody>
-          <a:bodyPr wrap="square" rtlCol="0">
-            <a:spAutoFit/>
-          </a:bodyPr>
-          <a:lstStyle/>
-          <a:p>
-            <a:pPr algn="ctr"/>
-            <a:r>
-              <a:rPr lang="en-US" sz="2400" b="1" dirty="0">
-                <a:solidFill>
-                  <a:schemeClr val="accent1">
-                    <a:lumMod val="75000"/>
-                  </a:schemeClr>
-                </a:solidFill>
-                <a:latin typeface="Arial" panose="020B0604020202020204" pitchFamily="34" charset="0"/>
-                <a:cs typeface="Arial" panose="020B0604020202020204" pitchFamily="34" charset="0"/>
-              </a:rPr>
-              <a:t>Networking Event</a:t>
-            </a:r>
-          </a:p>
-        </p:txBody>
-      </p:sp>
-      <p:sp>
-        <p:nvSpPr>
-          <p:cNvPr id="20" name="Oval 19">
-            <a:extLst>
-              <a:ext uri="{FF2B5EF4-FFF2-40B4-BE49-F238E27FC236}">
-                <a16:creationId xmlns:a16="http://schemas.microsoft.com/office/drawing/2014/main" id="{DC76BC97-3D82-4F67-817F-1E9AF14548DF}"/>
-              </a:ext>
-            </a:extLst>
-          </p:cNvPr>
-          <p:cNvSpPr/>
-          <p:nvPr/>
-        </p:nvSpPr>
-        <p:spPr>
-          <a:xfrm>
-            <a:off x="8274407" y="1560366"/>
-            <a:ext cx="1152446" cy="1152446"/>
-          </a:xfrm>
-          <a:prstGeom prst="ellipse">
-            <a:avLst/>
-          </a:prstGeom>
-          <a:noFill/>
-          <a:ln w="38100">
-            <a:solidFill>
-              <a:schemeClr val="accent1">
-                <a:lumMod val="75000"/>
-              </a:schemeClr>
-            </a:solidFill>
-          </a:ln>
-        </p:spPr>
-        <p:style>
-          <a:lnRef idx="2">
-            <a:schemeClr val="accent1">
-              <a:shade val="50000"/>
-            </a:schemeClr>
-          </a:lnRef>
-          <a:fillRef idx="1">
-            <a:schemeClr val="accent1"/>
-          </a:fillRef>
-          <a:effectRef idx="0">
-            <a:schemeClr val="accent1"/>
-          </a:effectRef>
-          <a:fontRef idx="minor">
-            <a:schemeClr val="lt1"/>
-          </a:fontRef>
-        </p:style>
-        <p:txBody>
-          <a:bodyPr rtlCol="0" anchor="ctr"/>
-          <a:lstStyle/>
-          <a:p>
-            <a:pPr algn="ctr"/>
-            <a:endParaRPr lang="en-US"/>
-          </a:p>
-        </p:txBody>
-      </p:sp>
-      <p:pic>
-        <p:nvPicPr>
-          <p:cNvPr id="22" name="Graphic 21" descr="Connections">
-            <a:extLst>
-              <a:ext uri="{FF2B5EF4-FFF2-40B4-BE49-F238E27FC236}">
-                <a16:creationId xmlns:a16="http://schemas.microsoft.com/office/drawing/2014/main" id="{331C2027-8201-4BEE-B091-7C863EDF7CDE}"/>
-              </a:ext>
-            </a:extLst>
-          </p:cNvPr>
-          <p:cNvPicPr>
-            <a:picLocks noChangeAspect="1"/>
-          </p:cNvPicPr>
-          <p:nvPr/>
-        </p:nvPicPr>
-        <p:blipFill>
-          <a:blip r:embed="rId4">
-            <a:extLst>
-              <a:ext uri="{28A0092B-C50C-407E-A947-70E740481C1C}">
-                <a14:useLocalDpi xmlns:a14="http://schemas.microsoft.com/office/drawing/2010/main" val="0"/>
-              </a:ext>
-              <a:ext uri="{96DAC541-7B7A-43D3-8B79-37D633B846F1}">
-                <asvg:svgBlip xmlns:asvg="http://schemas.microsoft.com/office/drawing/2016/SVG/main" r:embed="rId5"/>
-              </a:ext>
-            </a:extLst>
-          </a:blip>
-          <a:stretch>
-            <a:fillRect/>
-          </a:stretch>
-        </p:blipFill>
-        <p:spPr>
-          <a:xfrm>
-            <a:off x="8347710" y="1648909"/>
-            <a:ext cx="1005840" cy="1005840"/>
-          </a:xfrm>
-          <a:prstGeom prst="rect">
-            <a:avLst/>
-          </a:prstGeom>
-        </p:spPr>
-      </p:pic>
     </p:spTree>
     <p:extLst>
       <p:ext uri="{BB962C8B-B14F-4D97-AF65-F5344CB8AC3E}">
-        <p14:creationId xmlns:p14="http://schemas.microsoft.com/office/powerpoint/2010/main" val="2521812323"/>
+        <p14:creationId xmlns:p14="http://schemas.microsoft.com/office/powerpoint/2010/main" val="129397819"/>
       </p:ext>
     </p:extLst>
   </p:cSld>
@@ -4565,70 +5337,218 @@
           <a:chExt cx="0" cy="0"/>
         </a:xfrm>
       </p:grpSpPr>
-      <p:sp>
-        <p:nvSpPr>
-          <p:cNvPr id="2" name="Title 1">
-            <a:extLst>
-              <a:ext uri="{FF2B5EF4-FFF2-40B4-BE49-F238E27FC236}">
-                <a16:creationId xmlns:a16="http://schemas.microsoft.com/office/drawing/2014/main" id="{E3BBF2EB-343C-498B-B576-5E96017BEF8C}"/>
-              </a:ext>
-            </a:extLst>
-          </p:cNvPr>
-          <p:cNvSpPr>
-            <a:spLocks noGrp="1"/>
-          </p:cNvSpPr>
-          <p:nvPr>
-            <p:ph type="title"/>
-          </p:nvPr>
-        </p:nvSpPr>
+      <p:pic>
+        <p:nvPicPr>
+          <p:cNvPr id="33" name="Picture 32">
+            <a:extLst>
+              <a:ext uri="{FF2B5EF4-FFF2-40B4-BE49-F238E27FC236}">
+                <a16:creationId xmlns:a16="http://schemas.microsoft.com/office/drawing/2014/main" id="{984D900C-E6D4-4202-A574-492A332E4F6D}"/>
+              </a:ext>
+            </a:extLst>
+          </p:cNvPr>
+          <p:cNvPicPr>
+            <a:picLocks noChangeAspect="1"/>
+          </p:cNvPicPr>
+          <p:nvPr/>
+        </p:nvPicPr>
+        <p:blipFill>
+          <a:blip r:embed="rId2"/>
+          <a:stretch>
+            <a:fillRect/>
+          </a:stretch>
+        </p:blipFill>
         <p:spPr>
           <a:xfrm>
-            <a:off x="838200" y="365126"/>
-            <a:ext cx="10515600" cy="782540"/>
+            <a:off x="6310664" y="1624799"/>
+            <a:ext cx="5568916" cy="4247423"/>
+          </a:xfrm>
+          <a:prstGeom prst="rect">
+            <a:avLst/>
+          </a:prstGeom>
+          <a:ln w="15875">
+            <a:solidFill>
+              <a:schemeClr val="accent1"/>
+            </a:solidFill>
+          </a:ln>
+        </p:spPr>
+      </p:pic>
+      <p:sp>
+        <p:nvSpPr>
+          <p:cNvPr id="2" name="Title 1">
+            <a:extLst>
+              <a:ext uri="{FF2B5EF4-FFF2-40B4-BE49-F238E27FC236}">
+                <a16:creationId xmlns:a16="http://schemas.microsoft.com/office/drawing/2014/main" id="{43D01DC1-9788-42E6-B625-CD82576C0710}"/>
+              </a:ext>
+            </a:extLst>
+          </p:cNvPr>
+          <p:cNvSpPr>
+            <a:spLocks noGrp="1"/>
+          </p:cNvSpPr>
+          <p:nvPr>
+            <p:ph type="title"/>
+          </p:nvPr>
+        </p:nvSpPr>
+        <p:spPr>
+          <a:xfrm>
+            <a:off x="312420" y="365126"/>
+            <a:ext cx="11567160" cy="782540"/>
           </a:xfrm>
         </p:spPr>
         <p:txBody>
-          <a:bodyPr/>
-          <a:lstStyle/>
-          <a:p>
-            <a:endParaRPr lang="en-US"/>
-          </a:p>
-        </p:txBody>
-      </p:sp>
-      <p:sp>
-        <p:nvSpPr>
-          <p:cNvPr id="3" name="Content Placeholder 2">
-            <a:extLst>
-              <a:ext uri="{FF2B5EF4-FFF2-40B4-BE49-F238E27FC236}">
-                <a16:creationId xmlns:a16="http://schemas.microsoft.com/office/drawing/2014/main" id="{9DB55739-AD91-4607-ABD4-153083261E11}"/>
-              </a:ext>
-            </a:extLst>
-          </p:cNvPr>
-          <p:cNvSpPr>
-            <a:spLocks noGrp="1"/>
-          </p:cNvSpPr>
-          <p:nvPr>
-            <p:ph idx="1"/>
+          <a:bodyPr>
+            <a:normAutofit fontScale="90000"/>
+          </a:bodyPr>
+          <a:lstStyle/>
+          <a:p>
+            <a:r>
+              <a:rPr lang="en-US"/>
+              <a:t>Paired-normal samples aligned at a higher rate than tumor biopsies, but tumor biopsies expressed more unique genes</a:t>
+            </a:r>
+            <a:endParaRPr lang="en-US" dirty="0"/>
+          </a:p>
+        </p:txBody>
+      </p:sp>
+      <p:sp>
+        <p:nvSpPr>
+          <p:cNvPr id="23" name="Date Placeholder 22">
+            <a:extLst>
+              <a:ext uri="{FF2B5EF4-FFF2-40B4-BE49-F238E27FC236}">
+                <a16:creationId xmlns:a16="http://schemas.microsoft.com/office/drawing/2014/main" id="{98B8D47C-885A-454F-A37C-6F9BADB68920}"/>
+              </a:ext>
+            </a:extLst>
+          </p:cNvPr>
+          <p:cNvSpPr>
+            <a:spLocks noGrp="1"/>
+          </p:cNvSpPr>
+          <p:nvPr>
+            <p:ph type="dt" sz="half" idx="10"/>
           </p:nvPr>
         </p:nvSpPr>
         <p:spPr>
           <a:xfrm>
-            <a:off x="838200" y="1825625"/>
-            <a:ext cx="10515600" cy="4351338"/>
+            <a:off x="838200" y="6356350"/>
+            <a:ext cx="2743200" cy="365125"/>
           </a:xfrm>
         </p:spPr>
         <p:txBody>
           <a:bodyPr/>
           <a:lstStyle/>
           <a:p>
+            <a:fld id="{EC7D9FDD-8C6E-4973-B714-72AF4EC9EB11}" type="datetime1">
+              <a:rPr lang="en-US" smtClean="0"/>
+              <a:t>4/14/2020</a:t>
+            </a:fld>
+            <a:endParaRPr lang="en-US"/>
+          </a:p>
+        </p:txBody>
+      </p:sp>
+      <p:sp>
+        <p:nvSpPr>
+          <p:cNvPr id="24" name="Slide Number Placeholder 23">
+            <a:extLst>
+              <a:ext uri="{FF2B5EF4-FFF2-40B4-BE49-F238E27FC236}">
+                <a16:creationId xmlns:a16="http://schemas.microsoft.com/office/drawing/2014/main" id="{6E49BC97-E6C2-4F5E-9F58-7A3976927FED}"/>
+              </a:ext>
+            </a:extLst>
+          </p:cNvPr>
+          <p:cNvSpPr>
+            <a:spLocks noGrp="1"/>
+          </p:cNvSpPr>
+          <p:nvPr>
+            <p:ph type="sldNum" sz="quarter" idx="12"/>
+          </p:nvPr>
+        </p:nvSpPr>
+        <p:spPr>
+          <a:xfrm>
+            <a:off x="8610600" y="6356350"/>
+            <a:ext cx="2743200" cy="365125"/>
+          </a:xfrm>
+        </p:spPr>
+        <p:txBody>
+          <a:bodyPr/>
+          <a:lstStyle/>
+          <a:p>
+            <a:fld id="{5EDCB77F-E5A5-4D84-A8C7-44B408FD6E25}" type="slidenum">
+              <a:rPr lang="en-US" smtClean="0"/>
+              <a:t>3</a:t>
+            </a:fld>
+            <a:endParaRPr lang="en-US"/>
+          </a:p>
+        </p:txBody>
+      </p:sp>
+      <p:sp>
+        <p:nvSpPr>
+          <p:cNvPr id="25" name="Footer Placeholder 24">
+            <a:extLst>
+              <a:ext uri="{FF2B5EF4-FFF2-40B4-BE49-F238E27FC236}">
+                <a16:creationId xmlns:a16="http://schemas.microsoft.com/office/drawing/2014/main" id="{05FBA3BA-2F30-4981-8A45-9CC2508B8799}"/>
+              </a:ext>
+            </a:extLst>
+          </p:cNvPr>
+          <p:cNvSpPr>
+            <a:spLocks noGrp="1"/>
+          </p:cNvSpPr>
+          <p:nvPr>
+            <p:ph type="ftr" sz="quarter" idx="11"/>
+          </p:nvPr>
+        </p:nvSpPr>
+        <p:spPr>
+          <a:xfrm>
+            <a:off x="4038600" y="6356350"/>
+            <a:ext cx="4114800" cy="365125"/>
+          </a:xfrm>
+        </p:spPr>
+        <p:txBody>
+          <a:bodyPr/>
+          <a:lstStyle/>
+          <a:p>
+            <a:r>
+              <a:rPr lang="en-US"/>
+              <a:t>ANGSD 2020 Final Project</a:t>
+            </a:r>
             <a:endParaRPr lang="en-US" dirty="0"/>
           </a:p>
         </p:txBody>
       </p:sp>
+      <p:pic>
+        <p:nvPicPr>
+          <p:cNvPr id="27" name="Picture 26">
+            <a:extLst>
+              <a:ext uri="{FF2B5EF4-FFF2-40B4-BE49-F238E27FC236}">
+                <a16:creationId xmlns:a16="http://schemas.microsoft.com/office/drawing/2014/main" id="{ABD2468D-1C87-4C36-B7A8-6288269C98AA}"/>
+              </a:ext>
+            </a:extLst>
+          </p:cNvPr>
+          <p:cNvPicPr>
+            <a:picLocks noChangeAspect="1"/>
+          </p:cNvPicPr>
+          <p:nvPr/>
+        </p:nvPicPr>
+        <p:blipFill>
+          <a:blip r:embed="rId3"/>
+          <a:stretch>
+            <a:fillRect/>
+          </a:stretch>
+        </p:blipFill>
+        <p:spPr>
+          <a:xfrm>
+            <a:off x="312419" y="1628297"/>
+            <a:ext cx="5429027" cy="4247423"/>
+          </a:xfrm>
+          <a:prstGeom prst="rect">
+            <a:avLst/>
+          </a:prstGeom>
+          <a:ln w="15875">
+            <a:solidFill>
+              <a:schemeClr val="accent1"/>
+            </a:solidFill>
+          </a:ln>
+        </p:spPr>
+      </p:pic>
     </p:spTree>
     <p:extLst>
       <p:ext uri="{BB962C8B-B14F-4D97-AF65-F5344CB8AC3E}">
-        <p14:creationId xmlns:p14="http://schemas.microsoft.com/office/powerpoint/2010/main" val="1948248722"/>
+        <p14:creationId xmlns:p14="http://schemas.microsoft.com/office/powerpoint/2010/main" val="2840286266"/>
       </p:ext>
     </p:extLst>
   </p:cSld>
@@ -4660,7 +5580,7 @@
           <p:cNvPr id="2" name="Title 1">
             <a:extLst>
               <a:ext uri="{FF2B5EF4-FFF2-40B4-BE49-F238E27FC236}">
-                <a16:creationId xmlns:a16="http://schemas.microsoft.com/office/drawing/2014/main" id="{0708C9E9-1429-421C-803D-CDAD4ED9171D}"/>
+                <a16:creationId xmlns:a16="http://schemas.microsoft.com/office/drawing/2014/main" id="{89E3B1D4-EF58-4DBB-ABE2-836799FC4D70}"/>
               </a:ext>
             </a:extLst>
           </p:cNvPr>
@@ -4669,63 +5589,129 @@
           </p:cNvSpPr>
           <p:nvPr>
             <p:ph type="title"/>
-          </p:nvPr>
-        </p:nvSpPr>
-        <p:spPr/>
-        <p:txBody>
-          <a:bodyPr/>
-          <a:lstStyle/>
-          <a:p>
-            <a:endParaRPr lang="en-US" dirty="0"/>
-          </a:p>
-        </p:txBody>
-      </p:sp>
-      <p:sp>
-        <p:nvSpPr>
-          <p:cNvPr id="3" name="Content Placeholder 2">
-            <a:extLst>
-              <a:ext uri="{FF2B5EF4-FFF2-40B4-BE49-F238E27FC236}">
-                <a16:creationId xmlns:a16="http://schemas.microsoft.com/office/drawing/2014/main" id="{475DCB9E-2B7A-4BB2-8844-A3FF958F3EE7}"/>
-              </a:ext>
-            </a:extLst>
-          </p:cNvPr>
-          <p:cNvSpPr>
-            <a:spLocks noGrp="1"/>
-          </p:cNvSpPr>
-          <p:nvPr>
-            <p:ph idx="1"/>
           </p:nvPr>
         </p:nvSpPr>
         <p:spPr>
           <a:xfrm>
-            <a:off x="838200" y="1544216"/>
-            <a:ext cx="4554010" cy="4632747"/>
+            <a:off x="312420" y="365126"/>
+            <a:ext cx="11567160" cy="782540"/>
           </a:xfrm>
         </p:spPr>
         <p:txBody>
           <a:bodyPr>
-            <a:normAutofit/>
+            <a:normAutofit fontScale="90000"/>
           </a:bodyPr>
           <a:lstStyle/>
           <a:p>
             <a:r>
-              <a:rPr lang="en-US" sz="2400" dirty="0"/>
-              <a:t>Despite a lower </a:t>
-            </a:r>
+              <a:rPr lang="en-US" dirty="0" err="1"/>
+              <a:t>Phred</a:t>
+            </a:r>
+            <a:r>
+              <a:rPr lang="en-US" dirty="0"/>
+              <a:t> scores were worse for tumor biopsies and demonstrably worse for paired-end read 2 than paired-end read 1</a:t>
+            </a:r>
+          </a:p>
+        </p:txBody>
+      </p:sp>
+      <p:sp>
+        <p:nvSpPr>
+          <p:cNvPr id="4" name="Date Placeholder 3">
+            <a:extLst>
+              <a:ext uri="{FF2B5EF4-FFF2-40B4-BE49-F238E27FC236}">
+                <a16:creationId xmlns:a16="http://schemas.microsoft.com/office/drawing/2014/main" id="{AC96229E-1F25-4A96-BBA2-A43BB5FE03EE}"/>
+              </a:ext>
+            </a:extLst>
+          </p:cNvPr>
+          <p:cNvSpPr>
+            <a:spLocks noGrp="1"/>
+          </p:cNvSpPr>
+          <p:nvPr>
+            <p:ph type="dt" sz="half" idx="10"/>
+          </p:nvPr>
+        </p:nvSpPr>
+        <p:spPr/>
+        <p:txBody>
+          <a:bodyPr/>
+          <a:lstStyle/>
+          <a:p>
+            <a:fld id="{5554D4B4-8F0E-4A28-A8C9-3F36C5664645}" type="datetime1">
+              <a:rPr lang="en-US" smtClean="0"/>
+              <a:t>4/14/2020</a:t>
+            </a:fld>
+            <a:endParaRPr lang="en-US"/>
+          </a:p>
+        </p:txBody>
+      </p:sp>
+      <p:sp>
+        <p:nvSpPr>
+          <p:cNvPr id="5" name="Footer Placeholder 4">
+            <a:extLst>
+              <a:ext uri="{FF2B5EF4-FFF2-40B4-BE49-F238E27FC236}">
+                <a16:creationId xmlns:a16="http://schemas.microsoft.com/office/drawing/2014/main" id="{FDDEE362-9D9C-4122-AA1E-953D8AC80956}"/>
+              </a:ext>
+            </a:extLst>
+          </p:cNvPr>
+          <p:cNvSpPr>
+            <a:spLocks noGrp="1"/>
+          </p:cNvSpPr>
+          <p:nvPr>
+            <p:ph type="ftr" sz="quarter" idx="11"/>
+          </p:nvPr>
+        </p:nvSpPr>
+        <p:spPr/>
+        <p:txBody>
+          <a:bodyPr/>
+          <a:lstStyle/>
+          <a:p>
+            <a:r>
+              <a:rPr lang="en-US" dirty="0"/>
+              <a:t>ANGSD 2020 Final Project</a:t>
+            </a:r>
+          </a:p>
+        </p:txBody>
+      </p:sp>
+      <p:sp>
+        <p:nvSpPr>
+          <p:cNvPr id="6" name="Slide Number Placeholder 5">
+            <a:extLst>
+              <a:ext uri="{FF2B5EF4-FFF2-40B4-BE49-F238E27FC236}">
+                <a16:creationId xmlns:a16="http://schemas.microsoft.com/office/drawing/2014/main" id="{96BA026F-3FA4-4F03-9A2C-877FD0757E4E}"/>
+              </a:ext>
+            </a:extLst>
+          </p:cNvPr>
+          <p:cNvSpPr>
+            <a:spLocks noGrp="1"/>
+          </p:cNvSpPr>
+          <p:nvPr>
+            <p:ph type="sldNum" sz="quarter" idx="12"/>
+          </p:nvPr>
+        </p:nvSpPr>
+        <p:spPr/>
+        <p:txBody>
+          <a:bodyPr/>
+          <a:lstStyle/>
+          <a:p>
+            <a:fld id="{5EDCB77F-E5A5-4D84-A8C7-44B408FD6E25}" type="slidenum">
+              <a:rPr lang="en-US" smtClean="0"/>
+              <a:pPr/>
+              <a:t>4</a:t>
+            </a:fld>
+            <a:endParaRPr lang="en-US"/>
           </a:p>
         </p:txBody>
       </p:sp>
       <p:pic>
         <p:nvPicPr>
-          <p:cNvPr id="4" name="Picture 2">
-            <a:extLst>
-              <a:ext uri="{FF2B5EF4-FFF2-40B4-BE49-F238E27FC236}">
-                <a16:creationId xmlns:a16="http://schemas.microsoft.com/office/drawing/2014/main" id="{009FEB1E-DA2C-496F-9FB8-FF5A057240B5}"/>
+          <p:cNvPr id="8" name="Picture 7" descr="A screenshot of a cell phone&#10;&#10;Description automatically generated">
+            <a:extLst>
+              <a:ext uri="{FF2B5EF4-FFF2-40B4-BE49-F238E27FC236}">
+                <a16:creationId xmlns:a16="http://schemas.microsoft.com/office/drawing/2014/main" id="{FCB0A543-5AFF-4443-ACBE-7CED383F7771}"/>
               </a:ext>
             </a:extLst>
           </p:cNvPr>
           <p:cNvPicPr>
-            <a:picLocks noChangeAspect="1" noChangeArrowheads="1"/>
+            <a:picLocks noChangeAspect="1"/>
           </p:cNvPicPr>
           <p:nvPr/>
         </p:nvPicPr>
@@ -4737,35 +5723,152 @@
               </a:ext>
             </a:extLst>
           </a:blip>
-          <a:srcRect/>
           <a:stretch>
             <a:fillRect/>
           </a:stretch>
         </p:blipFill>
-        <p:spPr bwMode="auto">
+        <p:spPr>
           <a:xfrm>
-            <a:off x="5392210" y="1731451"/>
-            <a:ext cx="5961590" cy="4258277"/>
+            <a:off x="6206138" y="2103434"/>
+            <a:ext cx="5673442" cy="3782294"/>
+          </a:xfrm>
+          <a:prstGeom prst="rect">
+            <a:avLst/>
+          </a:prstGeom>
+          <a:ln w="15875">
+            <a:solidFill>
+              <a:schemeClr val="accent1"/>
+            </a:solidFill>
+          </a:ln>
+        </p:spPr>
+      </p:pic>
+      <p:pic>
+        <p:nvPicPr>
+          <p:cNvPr id="10" name="Picture 9" descr="A screenshot of a cell phone&#10;&#10;Description automatically generated">
+            <a:extLst>
+              <a:ext uri="{FF2B5EF4-FFF2-40B4-BE49-F238E27FC236}">
+                <a16:creationId xmlns:a16="http://schemas.microsoft.com/office/drawing/2014/main" id="{815E08A8-0D4E-4E34-AB62-3C4519599173}"/>
+              </a:ext>
+            </a:extLst>
+          </p:cNvPr>
+          <p:cNvPicPr>
+            <a:picLocks noChangeAspect="1"/>
+          </p:cNvPicPr>
+          <p:nvPr/>
+        </p:nvPicPr>
+        <p:blipFill>
+          <a:blip r:embed="rId3">
+            <a:extLst>
+              <a:ext uri="{28A0092B-C50C-407E-A947-70E740481C1C}">
+                <a14:useLocalDpi xmlns:a14="http://schemas.microsoft.com/office/drawing/2010/main" val="0"/>
+              </a:ext>
+            </a:extLst>
+          </a:blip>
+          <a:stretch>
+            <a:fillRect/>
+          </a:stretch>
+        </p:blipFill>
+        <p:spPr>
+          <a:xfrm>
+            <a:off x="312420" y="2103434"/>
+            <a:ext cx="5673442" cy="3782294"/>
+          </a:xfrm>
+          <a:prstGeom prst="rect">
+            <a:avLst/>
+          </a:prstGeom>
+          <a:ln w="15875">
+            <a:solidFill>
+              <a:schemeClr val="accent1"/>
+            </a:solidFill>
+          </a:ln>
+        </p:spPr>
+      </p:pic>
+      <p:sp>
+        <p:nvSpPr>
+          <p:cNvPr id="11" name="TextBox 10">
+            <a:extLst>
+              <a:ext uri="{FF2B5EF4-FFF2-40B4-BE49-F238E27FC236}">
+                <a16:creationId xmlns:a16="http://schemas.microsoft.com/office/drawing/2014/main" id="{D7566D22-8747-4B8B-B040-F38334785759}"/>
+              </a:ext>
+            </a:extLst>
+          </p:cNvPr>
+          <p:cNvSpPr txBox="1"/>
+          <p:nvPr/>
+        </p:nvSpPr>
+        <p:spPr>
+          <a:xfrm>
+            <a:off x="312420" y="1699758"/>
+            <a:ext cx="2401747" cy="369332"/>
           </a:xfrm>
           <a:prstGeom prst="rect">
             <a:avLst/>
           </a:prstGeom>
           <a:noFill/>
-          <a:extLst>
-            <a:ext uri="{909E8E84-426E-40DD-AFC4-6F175D3DCCD1}">
-              <a14:hiddenFill xmlns:a14="http://schemas.microsoft.com/office/drawing/2010/main">
+        </p:spPr>
+        <p:txBody>
+          <a:bodyPr wrap="square" rtlCol="0">
+            <a:spAutoFit/>
+          </a:bodyPr>
+          <a:lstStyle/>
+          <a:p>
+            <a:r>
+              <a:rPr lang="en-US" b="1" dirty="0">
                 <a:solidFill>
-                  <a:srgbClr val="FFFFFF"/>
+                  <a:schemeClr val="accent1">
+                    <a:lumMod val="50000"/>
+                  </a:schemeClr>
                 </a:solidFill>
-              </a14:hiddenFill>
-            </a:ext>
-          </a:extLst>
+              </a:rPr>
+              <a:t>Paired-End Read 1</a:t>
+            </a:r>
+          </a:p>
+        </p:txBody>
+      </p:sp>
+      <p:sp>
+        <p:nvSpPr>
+          <p:cNvPr id="12" name="TextBox 11">
+            <a:extLst>
+              <a:ext uri="{FF2B5EF4-FFF2-40B4-BE49-F238E27FC236}">
+                <a16:creationId xmlns:a16="http://schemas.microsoft.com/office/drawing/2014/main" id="{2E841D39-5F5C-4F83-9A91-97B8E9DD37BB}"/>
+              </a:ext>
+            </a:extLst>
+          </p:cNvPr>
+          <p:cNvSpPr txBox="1"/>
+          <p:nvPr/>
+        </p:nvSpPr>
+        <p:spPr>
+          <a:xfrm>
+            <a:off x="6206138" y="1699758"/>
+            <a:ext cx="2401747" cy="369332"/>
+          </a:xfrm>
+          <a:prstGeom prst="rect">
+            <a:avLst/>
+          </a:prstGeom>
+          <a:noFill/>
         </p:spPr>
-      </p:pic>
+        <p:txBody>
+          <a:bodyPr wrap="square" rtlCol="0">
+            <a:spAutoFit/>
+          </a:bodyPr>
+          <a:lstStyle/>
+          <a:p>
+            <a:r>
+              <a:rPr lang="en-US" b="1" dirty="0">
+                <a:solidFill>
+                  <a:schemeClr val="accent1">
+                    <a:lumMod val="50000"/>
+                  </a:schemeClr>
+                </a:solidFill>
+              </a:rPr>
+              <a:t>Paired-End Read 2</a:t>
+            </a:r>
+          </a:p>
+        </p:txBody>
+      </p:sp>
     </p:spTree>
     <p:extLst>
       <p:ext uri="{BB962C8B-B14F-4D97-AF65-F5344CB8AC3E}">
-        <p14:creationId xmlns:p14="http://schemas.microsoft.com/office/powerpoint/2010/main" val="563810342"/>
+        <p14:creationId xmlns:p14="http://schemas.microsoft.com/office/powerpoint/2010/main" val="3781674720"/>
       </p:ext>
     </p:extLst>
   </p:cSld>
@@ -4797,7 +5900,7 @@
           <p:cNvPr id="2" name="Title 1">
             <a:extLst>
               <a:ext uri="{FF2B5EF4-FFF2-40B4-BE49-F238E27FC236}">
-                <a16:creationId xmlns:a16="http://schemas.microsoft.com/office/drawing/2014/main" id="{883C117E-FD33-4052-8281-C6DFC3B3CB62}"/>
+                <a16:creationId xmlns:a16="http://schemas.microsoft.com/office/drawing/2014/main" id="{1E7E757E-25DC-47B5-819B-5636864B0E10}"/>
               </a:ext>
             </a:extLst>
           </p:cNvPr>
@@ -4806,102 +5909,162 @@
           </p:cNvSpPr>
           <p:nvPr>
             <p:ph type="title"/>
-          </p:nvPr>
-        </p:nvSpPr>
-        <p:spPr/>
-        <p:txBody>
-          <a:bodyPr/>
-          <a:lstStyle/>
-          <a:p>
-            <a:endParaRPr lang="en-US"/>
-          </a:p>
-        </p:txBody>
-      </p:sp>
-      <p:sp>
-        <p:nvSpPr>
-          <p:cNvPr id="3" name="Content Placeholder 2">
-            <a:extLst>
-              <a:ext uri="{FF2B5EF4-FFF2-40B4-BE49-F238E27FC236}">
-                <a16:creationId xmlns:a16="http://schemas.microsoft.com/office/drawing/2014/main" id="{6823DCD6-DFC7-4A01-8B94-AEDBDF7044A4}"/>
-              </a:ext>
-            </a:extLst>
-          </p:cNvPr>
-          <p:cNvSpPr>
-            <a:spLocks noGrp="1"/>
-          </p:cNvSpPr>
-          <p:nvPr>
-            <p:ph idx="1"/>
           </p:nvPr>
         </p:nvSpPr>
         <p:spPr>
           <a:xfrm>
-            <a:off x="838200" y="1544216"/>
-            <a:ext cx="4554010" cy="4632747"/>
+            <a:off x="312420" y="365126"/>
+            <a:ext cx="11567160" cy="782540"/>
           </a:xfrm>
         </p:spPr>
         <p:txBody>
           <a:bodyPr>
-            <a:normAutofit/>
+            <a:normAutofit fontScale="90000"/>
           </a:bodyPr>
           <a:lstStyle/>
           <a:p>
-            <a:endParaRPr lang="en-US" sz="2400" dirty="0"/>
+            <a:r>
+              <a:rPr lang="en-US" dirty="0"/>
+              <a:t>BLAST alignment of small subset unmapped cancer sample reads suggests tumor mutational burden complicates mapping</a:t>
+            </a:r>
+          </a:p>
+        </p:txBody>
+      </p:sp>
+      <p:sp>
+        <p:nvSpPr>
+          <p:cNvPr id="4" name="Date Placeholder 3">
+            <a:extLst>
+              <a:ext uri="{FF2B5EF4-FFF2-40B4-BE49-F238E27FC236}">
+                <a16:creationId xmlns:a16="http://schemas.microsoft.com/office/drawing/2014/main" id="{E7A88264-E15A-4BDF-8521-D8E39AFB19AD}"/>
+              </a:ext>
+            </a:extLst>
+          </p:cNvPr>
+          <p:cNvSpPr>
+            <a:spLocks noGrp="1"/>
+          </p:cNvSpPr>
+          <p:nvPr>
+            <p:ph type="dt" sz="half" idx="10"/>
+          </p:nvPr>
+        </p:nvSpPr>
+        <p:spPr/>
+        <p:txBody>
+          <a:bodyPr/>
+          <a:lstStyle/>
+          <a:p>
+            <a:fld id="{5554D4B4-8F0E-4A28-A8C9-3F36C5664645}" type="datetime1">
+              <a:rPr lang="en-US" smtClean="0"/>
+              <a:t>4/14/2020</a:t>
+            </a:fld>
+            <a:endParaRPr lang="en-US"/>
+          </a:p>
+        </p:txBody>
+      </p:sp>
+      <p:sp>
+        <p:nvSpPr>
+          <p:cNvPr id="5" name="Footer Placeholder 4">
+            <a:extLst>
+              <a:ext uri="{FF2B5EF4-FFF2-40B4-BE49-F238E27FC236}">
+                <a16:creationId xmlns:a16="http://schemas.microsoft.com/office/drawing/2014/main" id="{6541842F-263D-4AA0-A041-4F96655C28C4}"/>
+              </a:ext>
+            </a:extLst>
+          </p:cNvPr>
+          <p:cNvSpPr>
+            <a:spLocks noGrp="1"/>
+          </p:cNvSpPr>
+          <p:nvPr>
+            <p:ph type="ftr" sz="quarter" idx="11"/>
+          </p:nvPr>
+        </p:nvSpPr>
+        <p:spPr/>
+        <p:txBody>
+          <a:bodyPr/>
+          <a:lstStyle/>
+          <a:p>
+            <a:r>
+              <a:rPr lang="en-US" dirty="0"/>
+              <a:t>ANGSD 2020 Final Project</a:t>
+            </a:r>
+          </a:p>
+        </p:txBody>
+      </p:sp>
+      <p:sp>
+        <p:nvSpPr>
+          <p:cNvPr id="6" name="Slide Number Placeholder 5">
+            <a:extLst>
+              <a:ext uri="{FF2B5EF4-FFF2-40B4-BE49-F238E27FC236}">
+                <a16:creationId xmlns:a16="http://schemas.microsoft.com/office/drawing/2014/main" id="{2BF4046C-816C-47C0-80EB-D8DB9B9576E3}"/>
+              </a:ext>
+            </a:extLst>
+          </p:cNvPr>
+          <p:cNvSpPr>
+            <a:spLocks noGrp="1"/>
+          </p:cNvSpPr>
+          <p:nvPr>
+            <p:ph type="sldNum" sz="quarter" idx="12"/>
+          </p:nvPr>
+        </p:nvSpPr>
+        <p:spPr/>
+        <p:txBody>
+          <a:bodyPr/>
+          <a:lstStyle/>
+          <a:p>
+            <a:fld id="{5EDCB77F-E5A5-4D84-A8C7-44B408FD6E25}" type="slidenum">
+              <a:rPr lang="en-US" smtClean="0"/>
+              <a:pPr/>
+              <a:t>5</a:t>
+            </a:fld>
+            <a:endParaRPr lang="en-US"/>
           </a:p>
         </p:txBody>
       </p:sp>
       <p:pic>
         <p:nvPicPr>
-          <p:cNvPr id="2050" name="Picture 2">
-            <a:extLst>
-              <a:ext uri="{FF2B5EF4-FFF2-40B4-BE49-F238E27FC236}">
-                <a16:creationId xmlns:a16="http://schemas.microsoft.com/office/drawing/2014/main" id="{B00CBD06-A5E8-4B7A-9B37-008E47ECEA6C}"/>
+          <p:cNvPr id="8" name="Picture 7">
+            <a:extLst>
+              <a:ext uri="{FF2B5EF4-FFF2-40B4-BE49-F238E27FC236}">
+                <a16:creationId xmlns:a16="http://schemas.microsoft.com/office/drawing/2014/main" id="{DFAC15BC-40E6-4269-B620-EC4BEAD16E79}"/>
               </a:ext>
             </a:extLst>
           </p:cNvPr>
           <p:cNvPicPr>
-            <a:picLocks noChangeAspect="1" noChangeArrowheads="1"/>
+            <a:picLocks noChangeAspect="1"/>
           </p:cNvPicPr>
           <p:nvPr/>
         </p:nvPicPr>
         <p:blipFill>
-          <a:blip r:embed="rId2">
-            <a:extLst>
-              <a:ext uri="{28A0092B-C50C-407E-A947-70E740481C1C}">
-                <a14:useLocalDpi xmlns:a14="http://schemas.microsoft.com/office/drawing/2010/main" val="0"/>
-              </a:ext>
-            </a:extLst>
-          </a:blip>
-          <a:srcRect/>
+          <a:blip r:embed="rId2"/>
           <a:stretch>
             <a:fillRect/>
           </a:stretch>
         </p:blipFill>
-        <p:spPr bwMode="auto">
+        <p:spPr>
           <a:xfrm>
-            <a:off x="5392210" y="1731451"/>
-            <a:ext cx="5961590" cy="4258277"/>
+            <a:off x="312420" y="1465012"/>
+            <a:ext cx="8327300" cy="2469564"/>
           </a:xfrm>
           <a:prstGeom prst="rect">
             <a:avLst/>
           </a:prstGeom>
-          <a:noFill/>
-          <a:extLst>
-            <a:ext uri="{909E8E84-426E-40DD-AFC4-6F175D3DCCD1}">
-              <a14:hiddenFill xmlns:a14="http://schemas.microsoft.com/office/drawing/2010/main">
-                <a:solidFill>
-                  <a:srgbClr val="FFFFFF"/>
-                </a:solidFill>
-              </a14:hiddenFill>
-            </a:ext>
-          </a:extLst>
+          <a:ln w="15875">
+            <a:solidFill>
+              <a:schemeClr val="accent1"/>
+            </a:solidFill>
+          </a:ln>
+          <a:effectLst>
+            <a:outerShdw blurRad="50800" dist="38100" dir="2700000" algn="tl" rotWithShape="0">
+              <a:prstClr val="black">
+                <a:alpha val="40000"/>
+              </a:prstClr>
+            </a:outerShdw>
+          </a:effectLst>
         </p:spPr>
       </p:pic>
       <p:pic>
         <p:nvPicPr>
-          <p:cNvPr id="4" name="Picture 3">
-            <a:extLst>
-              <a:ext uri="{FF2B5EF4-FFF2-40B4-BE49-F238E27FC236}">
-                <a16:creationId xmlns:a16="http://schemas.microsoft.com/office/drawing/2014/main" id="{BB92C20D-7B73-4668-9F0F-B2A08D79CEB6}"/>
+          <p:cNvPr id="9" name="Picture 8">
+            <a:extLst>
+              <a:ext uri="{FF2B5EF4-FFF2-40B4-BE49-F238E27FC236}">
+                <a16:creationId xmlns:a16="http://schemas.microsoft.com/office/drawing/2014/main" id="{06F0CA4D-B257-49B5-A6B7-0B8651DD5AFE}"/>
               </a:ext>
             </a:extLst>
           </p:cNvPr>
@@ -4912,69 +6075,35 @@
         </p:nvPicPr>
         <p:blipFill rotWithShape="1">
           <a:blip r:embed="rId3"/>
-          <a:srcRect r="8454"/>
+          <a:srcRect r="2693"/>
           <a:stretch/>
         </p:blipFill>
         <p:spPr>
-          <a:xfrm rot="5400000">
-            <a:off x="5747825" y="350065"/>
-            <a:ext cx="4469698" cy="6858000"/>
+          <a:xfrm>
+            <a:off x="2745502" y="3215026"/>
+            <a:ext cx="9134078" cy="2987516"/>
           </a:xfrm>
           <a:prstGeom prst="rect">
             <a:avLst/>
           </a:prstGeom>
+          <a:ln w="15875">
+            <a:solidFill>
+              <a:schemeClr val="accent1"/>
+            </a:solidFill>
+          </a:ln>
+          <a:effectLst>
+            <a:outerShdw blurRad="50800" dist="38100" dir="2700000" algn="tl" rotWithShape="0">
+              <a:prstClr val="black">
+                <a:alpha val="40000"/>
+              </a:prstClr>
+            </a:outerShdw>
+          </a:effectLst>
         </p:spPr>
       </p:pic>
-      <p:sp>
-        <p:nvSpPr>
-          <p:cNvPr id="5" name="Arrow: Right 4">
-            <a:extLst>
-              <a:ext uri="{FF2B5EF4-FFF2-40B4-BE49-F238E27FC236}">
-                <a16:creationId xmlns:a16="http://schemas.microsoft.com/office/drawing/2014/main" id="{DC2D91B1-5181-43A7-8418-EDB2ADE5EB30}"/>
-              </a:ext>
-            </a:extLst>
-          </p:cNvPr>
-          <p:cNvSpPr/>
-          <p:nvPr/>
-        </p:nvSpPr>
-        <p:spPr>
-          <a:xfrm>
-            <a:off x="13438150" y="2362167"/>
-            <a:ext cx="308715" cy="264840"/>
-          </a:xfrm>
-          <a:prstGeom prst="rightArrow">
-            <a:avLst/>
-          </a:prstGeom>
-        </p:spPr>
-        <p:style>
-          <a:lnRef idx="2">
-            <a:schemeClr val="accent1">
-              <a:shade val="50000"/>
-            </a:schemeClr>
-          </a:lnRef>
-          <a:fillRef idx="1">
-            <a:schemeClr val="accent1"/>
-          </a:fillRef>
-          <a:effectRef idx="0">
-            <a:schemeClr val="accent1"/>
-          </a:effectRef>
-          <a:fontRef idx="minor">
-            <a:schemeClr val="lt1"/>
-          </a:fontRef>
-        </p:style>
-        <p:txBody>
-          <a:bodyPr rtlCol="0" anchor="ctr"/>
-          <a:lstStyle/>
-          <a:p>
-            <a:pPr algn="ctr"/>
-            <a:endParaRPr lang="en-US"/>
-          </a:p>
-        </p:txBody>
-      </p:sp>
     </p:spTree>
     <p:extLst>
       <p:ext uri="{BB962C8B-B14F-4D97-AF65-F5344CB8AC3E}">
-        <p14:creationId xmlns:p14="http://schemas.microsoft.com/office/powerpoint/2010/main" val="152706772"/>
+        <p14:creationId xmlns:p14="http://schemas.microsoft.com/office/powerpoint/2010/main" val="1395347968"/>
       </p:ext>
     </p:extLst>
   </p:cSld>
@@ -5001,516 +6130,807 @@
           <a:chExt cx="0" cy="0"/>
         </a:xfrm>
       </p:grpSpPr>
+      <p:sp>
+        <p:nvSpPr>
+          <p:cNvPr id="2" name="Title 1">
+            <a:extLst>
+              <a:ext uri="{FF2B5EF4-FFF2-40B4-BE49-F238E27FC236}">
+                <a16:creationId xmlns:a16="http://schemas.microsoft.com/office/drawing/2014/main" id="{0708C9E9-1429-421C-803D-CDAD4ED9171D}"/>
+              </a:ext>
+            </a:extLst>
+          </p:cNvPr>
+          <p:cNvSpPr>
+            <a:spLocks noGrp="1"/>
+          </p:cNvSpPr>
+          <p:nvPr>
+            <p:ph type="title"/>
+          </p:nvPr>
+        </p:nvSpPr>
+        <p:spPr/>
+        <p:txBody>
+          <a:bodyPr>
+            <a:normAutofit fontScale="90000"/>
+          </a:bodyPr>
+          <a:lstStyle/>
+          <a:p>
+            <a:r>
+              <a:rPr lang="en-US" dirty="0"/>
+              <a:t>Hierarchical clustering reveals distinct normal cluster and suggests smoking and non-smoking clusters may be distinct</a:t>
+            </a:r>
+          </a:p>
+        </p:txBody>
+      </p:sp>
+      <p:sp>
+        <p:nvSpPr>
+          <p:cNvPr id="6" name="Date Placeholder 5">
+            <a:extLst>
+              <a:ext uri="{FF2B5EF4-FFF2-40B4-BE49-F238E27FC236}">
+                <a16:creationId xmlns:a16="http://schemas.microsoft.com/office/drawing/2014/main" id="{7486AF67-AE30-491C-97C1-FE8D9BFAB917}"/>
+              </a:ext>
+            </a:extLst>
+          </p:cNvPr>
+          <p:cNvSpPr>
+            <a:spLocks noGrp="1"/>
+          </p:cNvSpPr>
+          <p:nvPr>
+            <p:ph type="dt" sz="half" idx="10"/>
+          </p:nvPr>
+        </p:nvSpPr>
+        <p:spPr/>
+        <p:txBody>
+          <a:bodyPr/>
+          <a:lstStyle/>
+          <a:p>
+            <a:fld id="{3A5E1E91-8C31-46AC-A8B7-D106D7593C4A}" type="datetime1">
+              <a:rPr lang="en-US" smtClean="0"/>
+              <a:t>4/14/2020</a:t>
+            </a:fld>
+            <a:endParaRPr lang="en-US"/>
+          </a:p>
+        </p:txBody>
+      </p:sp>
+      <p:sp>
+        <p:nvSpPr>
+          <p:cNvPr id="7" name="Slide Number Placeholder 6">
+            <a:extLst>
+              <a:ext uri="{FF2B5EF4-FFF2-40B4-BE49-F238E27FC236}">
+                <a16:creationId xmlns:a16="http://schemas.microsoft.com/office/drawing/2014/main" id="{C492EFFF-31AD-4555-9F19-B6113A3F1AD7}"/>
+              </a:ext>
+            </a:extLst>
+          </p:cNvPr>
+          <p:cNvSpPr>
+            <a:spLocks noGrp="1"/>
+          </p:cNvSpPr>
+          <p:nvPr>
+            <p:ph type="sldNum" sz="quarter" idx="12"/>
+          </p:nvPr>
+        </p:nvSpPr>
+        <p:spPr/>
+        <p:txBody>
+          <a:bodyPr/>
+          <a:lstStyle/>
+          <a:p>
+            <a:fld id="{5EDCB77F-E5A5-4D84-A8C7-44B408FD6E25}" type="slidenum">
+              <a:rPr lang="en-US" smtClean="0"/>
+              <a:t>6</a:t>
+            </a:fld>
+            <a:endParaRPr lang="en-US"/>
+          </a:p>
+        </p:txBody>
+      </p:sp>
+      <p:sp>
+        <p:nvSpPr>
+          <p:cNvPr id="8" name="Footer Placeholder 7">
+            <a:extLst>
+              <a:ext uri="{FF2B5EF4-FFF2-40B4-BE49-F238E27FC236}">
+                <a16:creationId xmlns:a16="http://schemas.microsoft.com/office/drawing/2014/main" id="{DF8C07F3-9F78-4A63-ADFD-FDFA63DB66A1}"/>
+              </a:ext>
+            </a:extLst>
+          </p:cNvPr>
+          <p:cNvSpPr>
+            <a:spLocks noGrp="1"/>
+          </p:cNvSpPr>
+          <p:nvPr>
+            <p:ph type="ftr" sz="quarter" idx="11"/>
+          </p:nvPr>
+        </p:nvSpPr>
+        <p:spPr/>
+        <p:txBody>
+          <a:bodyPr/>
+          <a:lstStyle/>
+          <a:p>
+            <a:r>
+              <a:rPr lang="en-US" dirty="0"/>
+              <a:t>ANGSD 2020 Final Project</a:t>
+            </a:r>
+          </a:p>
+        </p:txBody>
+      </p:sp>
       <p:pic>
         <p:nvPicPr>
-          <p:cNvPr id="1026" name="Picture 2" descr="Roivant Sciences: Reinventing what a large pharma company of the ...">
-            <a:extLst>
-              <a:ext uri="{FF2B5EF4-FFF2-40B4-BE49-F238E27FC236}">
-                <a16:creationId xmlns:a16="http://schemas.microsoft.com/office/drawing/2014/main" id="{9D63E79A-7CC9-47B3-82C3-37D92BBBEC82}"/>
+          <p:cNvPr id="11" name="Picture 10">
+            <a:extLst>
+              <a:ext uri="{FF2B5EF4-FFF2-40B4-BE49-F238E27FC236}">
+                <a16:creationId xmlns:a16="http://schemas.microsoft.com/office/drawing/2014/main" id="{7207F2A0-F716-41DD-9D12-241284F1FA9A}"/>
               </a:ext>
             </a:extLst>
           </p:cNvPr>
           <p:cNvPicPr>
-            <a:picLocks noChangeAspect="1" noChangeArrowheads="1"/>
+            <a:picLocks noChangeAspect="1"/>
           </p:cNvPicPr>
           <p:nvPr/>
         </p:nvPicPr>
         <p:blipFill>
-          <a:blip r:embed="rId2">
-            <a:extLst>
-              <a:ext uri="{28A0092B-C50C-407E-A947-70E740481C1C}">
-                <a14:useLocalDpi xmlns:a14="http://schemas.microsoft.com/office/drawing/2010/main" val="0"/>
-              </a:ext>
-            </a:extLst>
-          </a:blip>
-          <a:srcRect/>
+          <a:blip r:embed="rId2"/>
           <a:stretch>
             <a:fillRect/>
           </a:stretch>
         </p:blipFill>
-        <p:spPr bwMode="auto">
+        <p:spPr>
           <a:xfrm>
-            <a:off x="5983620" y="2416101"/>
-            <a:ext cx="5665441" cy="3199306"/>
+            <a:off x="1057984" y="1445777"/>
+            <a:ext cx="10076033" cy="4612462"/>
+          </a:xfrm>
+          <a:prstGeom prst="rect">
+            <a:avLst/>
+          </a:prstGeom>
+          <a:ln w="15875">
+            <a:solidFill>
+              <a:schemeClr val="accent1"/>
+            </a:solidFill>
+          </a:ln>
+        </p:spPr>
+      </p:pic>
+      <p:sp>
+        <p:nvSpPr>
+          <p:cNvPr id="13" name="Left Brace 12">
+            <a:extLst>
+              <a:ext uri="{FF2B5EF4-FFF2-40B4-BE49-F238E27FC236}">
+                <a16:creationId xmlns:a16="http://schemas.microsoft.com/office/drawing/2014/main" id="{A05EA919-8EE6-4CCD-A24B-2A3F72312DCC}"/>
+              </a:ext>
+            </a:extLst>
+          </p:cNvPr>
+          <p:cNvSpPr/>
+          <p:nvPr/>
+        </p:nvSpPr>
+        <p:spPr>
+          <a:xfrm rot="16200000">
+            <a:off x="2517638" y="5057768"/>
+            <a:ext cx="91079" cy="1282065"/>
+          </a:xfrm>
+          <a:prstGeom prst="leftBrace">
+            <a:avLst/>
+          </a:prstGeom>
+          <a:ln w="15875"/>
+        </p:spPr>
+        <p:style>
+          <a:lnRef idx="1">
+            <a:schemeClr val="accent1"/>
+          </a:lnRef>
+          <a:fillRef idx="0">
+            <a:schemeClr val="accent1"/>
+          </a:fillRef>
+          <a:effectRef idx="0">
+            <a:schemeClr val="accent1"/>
+          </a:effectRef>
+          <a:fontRef idx="minor">
+            <a:schemeClr val="tx1"/>
+          </a:fontRef>
+        </p:style>
+        <p:txBody>
+          <a:bodyPr rtlCol="0" anchor="ctr"/>
+          <a:lstStyle/>
+          <a:p>
+            <a:pPr algn="ctr"/>
+            <a:endParaRPr lang="en-US"/>
+          </a:p>
+        </p:txBody>
+      </p:sp>
+      <p:sp>
+        <p:nvSpPr>
+          <p:cNvPr id="14" name="Left Brace 13">
+            <a:extLst>
+              <a:ext uri="{FF2B5EF4-FFF2-40B4-BE49-F238E27FC236}">
+                <a16:creationId xmlns:a16="http://schemas.microsoft.com/office/drawing/2014/main" id="{E9B5A246-B44A-4C9C-8178-4FF261D5B506}"/>
+              </a:ext>
+            </a:extLst>
+          </p:cNvPr>
+          <p:cNvSpPr/>
+          <p:nvPr/>
+        </p:nvSpPr>
+        <p:spPr>
+          <a:xfrm rot="16200000">
+            <a:off x="4176417" y="4789638"/>
+            <a:ext cx="91079" cy="1818323"/>
+          </a:xfrm>
+          <a:prstGeom prst="leftBrace">
+            <a:avLst/>
+          </a:prstGeom>
+          <a:ln w="15875"/>
+        </p:spPr>
+        <p:style>
+          <a:lnRef idx="1">
+            <a:schemeClr val="accent1"/>
+          </a:lnRef>
+          <a:fillRef idx="0">
+            <a:schemeClr val="accent1"/>
+          </a:fillRef>
+          <a:effectRef idx="0">
+            <a:schemeClr val="accent1"/>
+          </a:effectRef>
+          <a:fontRef idx="minor">
+            <a:schemeClr val="tx1"/>
+          </a:fontRef>
+        </p:style>
+        <p:txBody>
+          <a:bodyPr rtlCol="0" anchor="ctr"/>
+          <a:lstStyle/>
+          <a:p>
+            <a:pPr algn="ctr"/>
+            <a:endParaRPr lang="en-US"/>
+          </a:p>
+        </p:txBody>
+      </p:sp>
+      <p:sp>
+        <p:nvSpPr>
+          <p:cNvPr id="15" name="Left Brace 14">
+            <a:extLst>
+              <a:ext uri="{FF2B5EF4-FFF2-40B4-BE49-F238E27FC236}">
+                <a16:creationId xmlns:a16="http://schemas.microsoft.com/office/drawing/2014/main" id="{BBDDF973-29F0-4EB8-A762-80D0DAEA6D6E}"/>
+              </a:ext>
+            </a:extLst>
+          </p:cNvPr>
+          <p:cNvSpPr/>
+          <p:nvPr/>
+        </p:nvSpPr>
+        <p:spPr>
+          <a:xfrm rot="16200000">
+            <a:off x="7136609" y="4127185"/>
+            <a:ext cx="91079" cy="3554132"/>
+          </a:xfrm>
+          <a:prstGeom prst="leftBrace">
+            <a:avLst/>
+          </a:prstGeom>
+          <a:ln w="15875"/>
+        </p:spPr>
+        <p:style>
+          <a:lnRef idx="1">
+            <a:schemeClr val="accent1"/>
+          </a:lnRef>
+          <a:fillRef idx="0">
+            <a:schemeClr val="accent1"/>
+          </a:fillRef>
+          <a:effectRef idx="0">
+            <a:schemeClr val="accent1"/>
+          </a:effectRef>
+          <a:fontRef idx="minor">
+            <a:schemeClr val="tx1"/>
+          </a:fontRef>
+        </p:style>
+        <p:txBody>
+          <a:bodyPr rtlCol="0" anchor="ctr"/>
+          <a:lstStyle/>
+          <a:p>
+            <a:pPr algn="ctr"/>
+            <a:endParaRPr lang="en-US"/>
+          </a:p>
+        </p:txBody>
+      </p:sp>
+      <p:sp>
+        <p:nvSpPr>
+          <p:cNvPr id="16" name="Left Brace 15">
+            <a:extLst>
+              <a:ext uri="{FF2B5EF4-FFF2-40B4-BE49-F238E27FC236}">
+                <a16:creationId xmlns:a16="http://schemas.microsoft.com/office/drawing/2014/main" id="{53EBDBB8-F00E-4F52-9AC7-107E83CD4EAD}"/>
+              </a:ext>
+            </a:extLst>
+          </p:cNvPr>
+          <p:cNvSpPr/>
+          <p:nvPr/>
+        </p:nvSpPr>
+        <p:spPr>
+          <a:xfrm rot="16200000">
+            <a:off x="9987857" y="4822260"/>
+            <a:ext cx="91079" cy="1951197"/>
+          </a:xfrm>
+          <a:prstGeom prst="leftBrace">
+            <a:avLst/>
+          </a:prstGeom>
+          <a:ln w="15875"/>
+        </p:spPr>
+        <p:style>
+          <a:lnRef idx="1">
+            <a:schemeClr val="accent1"/>
+          </a:lnRef>
+          <a:fillRef idx="0">
+            <a:schemeClr val="accent1"/>
+          </a:fillRef>
+          <a:effectRef idx="0">
+            <a:schemeClr val="accent1"/>
+          </a:effectRef>
+          <a:fontRef idx="minor">
+            <a:schemeClr val="tx1"/>
+          </a:fontRef>
+        </p:style>
+        <p:txBody>
+          <a:bodyPr rtlCol="0" anchor="ctr"/>
+          <a:lstStyle/>
+          <a:p>
+            <a:pPr algn="ctr"/>
+            <a:endParaRPr lang="en-US"/>
+          </a:p>
+        </p:txBody>
+      </p:sp>
+      <p:sp>
+        <p:nvSpPr>
+          <p:cNvPr id="18" name="Oval 17">
+            <a:extLst>
+              <a:ext uri="{FF2B5EF4-FFF2-40B4-BE49-F238E27FC236}">
+                <a16:creationId xmlns:a16="http://schemas.microsoft.com/office/drawing/2014/main" id="{005B11CB-E216-4CE3-A120-64DFAE325F07}"/>
+              </a:ext>
+            </a:extLst>
+          </p:cNvPr>
+          <p:cNvSpPr/>
+          <p:nvPr/>
+        </p:nvSpPr>
+        <p:spPr>
+          <a:xfrm>
+            <a:off x="9100185" y="4933950"/>
+            <a:ext cx="342900" cy="598170"/>
+          </a:xfrm>
+          <a:prstGeom prst="ellipse">
+            <a:avLst/>
+          </a:prstGeom>
+          <a:noFill/>
+          <a:ln w="15875">
+            <a:solidFill>
+              <a:schemeClr val="accent1"/>
+            </a:solidFill>
+          </a:ln>
+        </p:spPr>
+        <p:style>
+          <a:lnRef idx="2">
+            <a:schemeClr val="accent1">
+              <a:shade val="50000"/>
+            </a:schemeClr>
+          </a:lnRef>
+          <a:fillRef idx="1">
+            <a:schemeClr val="accent1"/>
+          </a:fillRef>
+          <a:effectRef idx="0">
+            <a:schemeClr val="accent1"/>
+          </a:effectRef>
+          <a:fontRef idx="minor">
+            <a:schemeClr val="lt1"/>
+          </a:fontRef>
+        </p:style>
+        <p:txBody>
+          <a:bodyPr rtlCol="0" anchor="ctr"/>
+          <a:lstStyle/>
+          <a:p>
+            <a:pPr algn="ctr"/>
+            <a:endParaRPr lang="en-US"/>
+          </a:p>
+        </p:txBody>
+      </p:sp>
+      <p:sp>
+        <p:nvSpPr>
+          <p:cNvPr id="19" name="Rectangle 18">
+            <a:extLst>
+              <a:ext uri="{FF2B5EF4-FFF2-40B4-BE49-F238E27FC236}">
+                <a16:creationId xmlns:a16="http://schemas.microsoft.com/office/drawing/2014/main" id="{D2BD6E9D-EAD9-4010-8DAE-44009B27FC06}"/>
+              </a:ext>
+            </a:extLst>
+          </p:cNvPr>
+          <p:cNvSpPr/>
+          <p:nvPr/>
+        </p:nvSpPr>
+        <p:spPr>
+          <a:xfrm>
+            <a:off x="9684830" y="5093970"/>
+            <a:ext cx="590931" cy="536429"/>
           </a:xfrm>
           <a:prstGeom prst="rect">
             <a:avLst/>
           </a:prstGeom>
           <a:noFill/>
-          <a:ln w="25400">
+          <a:ln w="15875">
             <a:solidFill>
-              <a:schemeClr val="accent1">
-                <a:lumMod val="75000"/>
-              </a:schemeClr>
+              <a:schemeClr val="accent1"/>
             </a:solidFill>
           </a:ln>
-          <a:extLst>
-            <a:ext uri="{909E8E84-426E-40DD-AFC4-6F175D3DCCD1}">
-              <a14:hiddenFill xmlns:a14="http://schemas.microsoft.com/office/drawing/2010/main">
-                <a:solidFill>
-                  <a:srgbClr val="FFFFFF"/>
-                </a:solidFill>
-              </a14:hiddenFill>
-            </a:ext>
-          </a:extLst>
         </p:spPr>
-      </p:pic>
-      <p:sp>
-        <p:nvSpPr>
-          <p:cNvPr id="2" name="Title 1">
-            <a:extLst>
-              <a:ext uri="{FF2B5EF4-FFF2-40B4-BE49-F238E27FC236}">
-                <a16:creationId xmlns:a16="http://schemas.microsoft.com/office/drawing/2014/main" id="{2CFE0B97-D362-4491-B3CA-6083AD292DB7}"/>
-              </a:ext>
-            </a:extLst>
-          </p:cNvPr>
-          <p:cNvSpPr>
-            <a:spLocks noGrp="1"/>
-          </p:cNvSpPr>
-          <p:nvPr>
-            <p:ph type="title"/>
-          </p:nvPr>
-        </p:nvSpPr>
+        <p:style>
+          <a:lnRef idx="2">
+            <a:schemeClr val="accent1">
+              <a:shade val="50000"/>
+            </a:schemeClr>
+          </a:lnRef>
+          <a:fillRef idx="1">
+            <a:schemeClr val="accent1"/>
+          </a:fillRef>
+          <a:effectRef idx="0">
+            <a:schemeClr val="accent1"/>
+          </a:effectRef>
+          <a:fontRef idx="minor">
+            <a:schemeClr val="lt1"/>
+          </a:fontRef>
+        </p:style>
+        <p:txBody>
+          <a:bodyPr rtlCol="0" anchor="ctr"/>
+          <a:lstStyle/>
+          <a:p>
+            <a:pPr algn="ctr"/>
+            <a:endParaRPr lang="en-US"/>
+          </a:p>
+        </p:txBody>
+      </p:sp>
+      <p:pic>
+        <p:nvPicPr>
+          <p:cNvPr id="20" name="Picture 19">
+            <a:extLst>
+              <a:ext uri="{FF2B5EF4-FFF2-40B4-BE49-F238E27FC236}">
+                <a16:creationId xmlns:a16="http://schemas.microsoft.com/office/drawing/2014/main" id="{5162853F-F3D6-4605-9D44-C12ADEB56C34}"/>
+              </a:ext>
+            </a:extLst>
+          </p:cNvPr>
+          <p:cNvPicPr>
+            <a:picLocks noChangeAspect="1"/>
+          </p:cNvPicPr>
+          <p:nvPr/>
+        </p:nvPicPr>
+        <p:blipFill>
+          <a:blip r:embed="rId3"/>
+          <a:stretch>
+            <a:fillRect/>
+          </a:stretch>
+        </p:blipFill>
         <p:spPr>
           <a:xfrm>
-            <a:off x="838199" y="365126"/>
-            <a:ext cx="10810861" cy="782540"/>
-          </a:xfrm>
-        </p:spPr>
-        <p:txBody>
-          <a:bodyPr>
-            <a:normAutofit/>
-          </a:bodyPr>
-          <a:lstStyle/>
-          <a:p>
-            <a:r>
-              <a:rPr lang="en-US" dirty="0"/>
-              <a:t>New team bridges operations and investments</a:t>
-            </a:r>
-          </a:p>
-        </p:txBody>
-      </p:sp>
-      <p:sp>
-        <p:nvSpPr>
-          <p:cNvPr id="3" name="Content Placeholder 2">
-            <a:extLst>
-              <a:ext uri="{FF2B5EF4-FFF2-40B4-BE49-F238E27FC236}">
-                <a16:creationId xmlns:a16="http://schemas.microsoft.com/office/drawing/2014/main" id="{0EC5079D-3EE3-4EE0-A636-983A720E4759}"/>
-              </a:ext>
-            </a:extLst>
-          </p:cNvPr>
-          <p:cNvSpPr>
-            <a:spLocks noGrp="1"/>
-          </p:cNvSpPr>
-          <p:nvPr>
-            <p:ph idx="1"/>
-          </p:nvPr>
-        </p:nvSpPr>
-        <p:spPr>
-          <a:xfrm>
-            <a:off x="838200" y="1825625"/>
-            <a:ext cx="5095889" cy="12001683"/>
-          </a:xfrm>
-        </p:spPr>
-        <p:txBody>
-          <a:bodyPr wrap="square">
-            <a:spAutoFit/>
-          </a:bodyPr>
-          <a:lstStyle/>
-          <a:p>
-            <a:pPr>
-              <a:lnSpc>
-                <a:spcPct val="110000"/>
-              </a:lnSpc>
-              <a:spcBef>
-                <a:spcPts val="300"/>
-              </a:spcBef>
-              <a:spcAft>
-                <a:spcPts val="300"/>
-              </a:spcAft>
-            </a:pPr>
-            <a:r>
-              <a:rPr lang="en-US" sz="2000" dirty="0" err="1"/>
-              <a:t>Roivant</a:t>
-            </a:r>
-            <a:r>
-              <a:rPr lang="en-US" sz="2000" dirty="0"/>
-              <a:t> has developed a “hub and spoke” model of drug development</a:t>
-            </a:r>
-          </a:p>
-          <a:p>
-            <a:pPr lvl="1">
-              <a:lnSpc>
-                <a:spcPct val="110000"/>
-              </a:lnSpc>
-            </a:pPr>
-            <a:r>
-              <a:rPr lang="en-US" sz="1600" dirty="0"/>
-              <a:t>Business development teams at the </a:t>
-            </a:r>
-            <a:r>
-              <a:rPr lang="en-US" sz="1600" dirty="0" err="1"/>
-              <a:t>Vants</a:t>
-            </a:r>
-            <a:r>
-              <a:rPr lang="en-US" sz="1600" dirty="0"/>
-              <a:t> and investment team are currently separated</a:t>
-            </a:r>
-          </a:p>
-          <a:p>
-            <a:pPr>
-              <a:lnSpc>
-                <a:spcPct val="110000"/>
-              </a:lnSpc>
-              <a:spcBef>
-                <a:spcPts val="300"/>
-              </a:spcBef>
-              <a:spcAft>
-                <a:spcPts val="300"/>
-              </a:spcAft>
-            </a:pPr>
-            <a:r>
-              <a:rPr lang="en-US" sz="2000" dirty="0" err="1"/>
-              <a:t>Roivant</a:t>
-            </a:r>
-            <a:r>
-              <a:rPr lang="en-US" sz="2000" dirty="0"/>
-              <a:t> is developing a new internal team to bridge the </a:t>
-            </a:r>
-          </a:p>
-          <a:p>
-            <a:pPr lvl="1">
-              <a:lnSpc>
-                <a:spcPct val="110000"/>
-              </a:lnSpc>
-              <a:spcBef>
-                <a:spcPts val="300"/>
-              </a:spcBef>
-              <a:spcAft>
-                <a:spcPts val="300"/>
-              </a:spcAft>
-            </a:pPr>
-            <a:r>
-              <a:rPr lang="en-US" sz="1800" dirty="0"/>
-              <a:t>Given that there are no current members on the team, I spoke with the recruiter and wasn’t able to </a:t>
-            </a:r>
-          </a:p>
-          <a:p>
-            <a:pPr>
-              <a:lnSpc>
-                <a:spcPct val="110000"/>
-              </a:lnSpc>
-              <a:spcBef>
-                <a:spcPts val="300"/>
-              </a:spcBef>
-              <a:spcAft>
-                <a:spcPts val="300"/>
-              </a:spcAft>
-            </a:pPr>
-            <a:r>
-              <a:rPr lang="en-US" sz="2000" dirty="0"/>
-              <a:t>Business development team and investment team</a:t>
-            </a:r>
-          </a:p>
-          <a:p>
-            <a:pPr>
-              <a:lnSpc>
-                <a:spcPct val="110000"/>
-              </a:lnSpc>
-              <a:spcBef>
-                <a:spcPts val="300"/>
-              </a:spcBef>
-              <a:spcAft>
-                <a:spcPts val="300"/>
-              </a:spcAft>
-            </a:pPr>
-            <a:r>
-              <a:rPr lang="en-US" sz="2000" dirty="0"/>
-              <a:t>	• Clinical team</a:t>
-            </a:r>
-          </a:p>
-          <a:p>
-            <a:pPr>
-              <a:lnSpc>
-                <a:spcPct val="110000"/>
-              </a:lnSpc>
-              <a:spcBef>
-                <a:spcPts val="300"/>
-              </a:spcBef>
-              <a:spcAft>
-                <a:spcPts val="300"/>
-              </a:spcAft>
-            </a:pPr>
-            <a:r>
-              <a:rPr lang="en-US" sz="2000" dirty="0"/>
-              <a:t>	• Structure of </a:t>
-            </a:r>
-            <a:r>
-              <a:rPr lang="en-US" sz="2000" dirty="0" err="1"/>
-              <a:t>Vants</a:t>
-            </a:r>
-            <a:r>
-              <a:rPr lang="en-US" sz="2000" dirty="0"/>
-              <a:t> decentralized, autonomous</a:t>
-            </a:r>
-          </a:p>
-          <a:p>
-            <a:pPr>
-              <a:lnSpc>
-                <a:spcPct val="110000"/>
-              </a:lnSpc>
-              <a:spcBef>
-                <a:spcPts val="300"/>
-              </a:spcBef>
-              <a:spcAft>
-                <a:spcPts val="300"/>
-              </a:spcAft>
-            </a:pPr>
-            <a:r>
-              <a:rPr lang="en-US" sz="2000" dirty="0"/>
-              <a:t>		○ Given majority or sizeable ownership, have governance team</a:t>
-            </a:r>
-          </a:p>
-          <a:p>
-            <a:pPr>
-              <a:lnSpc>
-                <a:spcPct val="110000"/>
-              </a:lnSpc>
-              <a:spcBef>
-                <a:spcPts val="300"/>
-              </a:spcBef>
-              <a:spcAft>
-                <a:spcPts val="300"/>
-              </a:spcAft>
-            </a:pPr>
-            <a:r>
-              <a:rPr lang="en-US" sz="2000" dirty="0"/>
-              <a:t>	• Cash burn, capital requirements, roll-up financials</a:t>
-            </a:r>
-          </a:p>
-          <a:p>
-            <a:pPr>
-              <a:lnSpc>
-                <a:spcPct val="110000"/>
-              </a:lnSpc>
-              <a:spcBef>
-                <a:spcPts val="300"/>
-              </a:spcBef>
-              <a:spcAft>
-                <a:spcPts val="300"/>
-              </a:spcAft>
-            </a:pPr>
-            <a:r>
-              <a:rPr lang="en-US" sz="2000" dirty="0"/>
-              <a:t>		○ Work in partnership with executive teams - support, advise, and to some extent supervise</a:t>
-            </a:r>
-          </a:p>
-          <a:p>
-            <a:pPr>
-              <a:lnSpc>
-                <a:spcPct val="110000"/>
-              </a:lnSpc>
-              <a:spcBef>
-                <a:spcPts val="300"/>
-              </a:spcBef>
-              <a:spcAft>
-                <a:spcPts val="300"/>
-              </a:spcAft>
-            </a:pPr>
-            <a:r>
-              <a:rPr lang="en-US" sz="2000" dirty="0"/>
-              <a:t>		○ Can range from clinical trial design, bringing in new assets, budgeting new assets</a:t>
-            </a:r>
-          </a:p>
-          <a:p>
-            <a:pPr>
-              <a:lnSpc>
-                <a:spcPct val="110000"/>
-              </a:lnSpc>
-              <a:spcBef>
-                <a:spcPts val="300"/>
-              </a:spcBef>
-              <a:spcAft>
-                <a:spcPts val="300"/>
-              </a:spcAft>
-            </a:pPr>
-            <a:r>
-              <a:rPr lang="en-US" sz="2000" dirty="0"/>
-              <a:t>		○ Frank </a:t>
-            </a:r>
-            <a:r>
-              <a:rPr lang="en-US" sz="2000" dirty="0" err="1"/>
-              <a:t>Torti</a:t>
-            </a:r>
-            <a:r>
-              <a:rPr lang="en-US" sz="2000" dirty="0"/>
-              <a:t> (Investment Chair), Operating Partner - Myrtle Potter will be CBO of </a:t>
-            </a:r>
-            <a:r>
-              <a:rPr lang="en-US" sz="2000" dirty="0" err="1"/>
-              <a:t>NewCo</a:t>
-            </a:r>
-            <a:r>
-              <a:rPr lang="en-US" sz="2000" dirty="0"/>
-              <a:t>, </a:t>
-            </a:r>
-          </a:p>
-          <a:p>
-            <a:pPr>
-              <a:lnSpc>
-                <a:spcPct val="110000"/>
-              </a:lnSpc>
-              <a:spcBef>
-                <a:spcPts val="300"/>
-              </a:spcBef>
-              <a:spcAft>
-                <a:spcPts val="300"/>
-              </a:spcAft>
-            </a:pPr>
-            <a:r>
-              <a:rPr lang="en-US" sz="2000" dirty="0"/>
-              <a:t>		○ Eric </a:t>
-            </a:r>
-            <a:r>
-              <a:rPr lang="en-US" sz="2000" dirty="0" err="1"/>
-              <a:t>Venker</a:t>
-            </a:r>
-            <a:r>
-              <a:rPr lang="en-US" sz="2000" dirty="0"/>
-              <a:t> (</a:t>
-            </a:r>
-            <a:r>
-              <a:rPr lang="en-US" sz="2000" dirty="0" err="1"/>
-              <a:t>Roivant</a:t>
-            </a:r>
-            <a:r>
-              <a:rPr lang="en-US" sz="2000" dirty="0"/>
-              <a:t> COO)</a:t>
-            </a:r>
-          </a:p>
-          <a:p>
-            <a:pPr>
-              <a:lnSpc>
-                <a:spcPct val="110000"/>
-              </a:lnSpc>
-              <a:spcBef>
-                <a:spcPts val="300"/>
-              </a:spcBef>
-              <a:spcAft>
-                <a:spcPts val="300"/>
-              </a:spcAft>
-            </a:pPr>
-            <a:r>
-              <a:rPr lang="en-US" sz="2000" dirty="0"/>
-              <a:t>	• Proprietary tech, familiar and have worked with the Precision Medicine Institute at Weill Cornell</a:t>
-            </a:r>
-          </a:p>
-        </p:txBody>
-      </p:sp>
-      <p:sp>
-        <p:nvSpPr>
-          <p:cNvPr id="4" name="Title 1">
-            <a:extLst>
-              <a:ext uri="{FF2B5EF4-FFF2-40B4-BE49-F238E27FC236}">
-                <a16:creationId xmlns:a16="http://schemas.microsoft.com/office/drawing/2014/main" id="{BB55C2EE-C0F1-4A23-B1F5-F01B67BA43B7}"/>
-              </a:ext>
-            </a:extLst>
-          </p:cNvPr>
-          <p:cNvSpPr txBox="1">
-            <a:spLocks/>
-          </p:cNvSpPr>
-          <p:nvPr/>
-        </p:nvSpPr>
-        <p:spPr>
-          <a:xfrm>
-            <a:off x="838200" y="1147666"/>
-            <a:ext cx="10515600" cy="485895"/>
+            <a:off x="8872113" y="1576208"/>
+            <a:ext cx="2131095" cy="1368592"/>
           </a:xfrm>
           <a:prstGeom prst="rect">
             <a:avLst/>
           </a:prstGeom>
+          <a:ln w="15875">
+            <a:solidFill>
+              <a:schemeClr val="accent1"/>
+            </a:solidFill>
+          </a:ln>
         </p:spPr>
-        <p:txBody>
-          <a:bodyPr vert="horz" lIns="91440" tIns="45720" rIns="91440" bIns="45720" rtlCol="0" anchor="ctr">
-            <a:normAutofit fontScale="92500"/>
-          </a:bodyPr>
-          <a:lstStyle>
-            <a:lvl1pPr algn="l" defTabSz="914400" rtl="0" eaLnBrk="1" latinLnBrk="0" hangingPunct="1">
-              <a:lnSpc>
-                <a:spcPct val="90000"/>
-              </a:lnSpc>
-              <a:spcBef>
-                <a:spcPct val="0"/>
-              </a:spcBef>
-              <a:buNone/>
-              <a:defRPr sz="4400" kern="1200">
-                <a:solidFill>
-                  <a:schemeClr val="tx1"/>
-                </a:solidFill>
-                <a:latin typeface="Arial" panose="020B0604020202020204" pitchFamily="34" charset="0"/>
-                <a:ea typeface="+mj-ea"/>
-                <a:cs typeface="Arial" panose="020B0604020202020204" pitchFamily="34" charset="0"/>
-              </a:defRPr>
-            </a:lvl1pPr>
-          </a:lstStyle>
-          <a:p>
-            <a:r>
-              <a:rPr lang="en-US" sz="2400" i="1" dirty="0">
-                <a:solidFill>
-                  <a:schemeClr val="bg1">
-                    <a:lumMod val="50000"/>
-                  </a:schemeClr>
-                </a:solidFill>
-              </a:rPr>
-              <a:t>Informational interview with Jonathan Jones (Head of Talent, </a:t>
-            </a:r>
-            <a:r>
-              <a:rPr lang="en-US" sz="2400" i="1" dirty="0" err="1">
-                <a:solidFill>
-                  <a:schemeClr val="bg1">
-                    <a:lumMod val="50000"/>
-                  </a:schemeClr>
-                </a:solidFill>
-              </a:rPr>
-              <a:t>Roivant</a:t>
-            </a:r>
-            <a:r>
-              <a:rPr lang="en-US" sz="2400" i="1" dirty="0">
-                <a:solidFill>
-                  <a:schemeClr val="bg1">
-                    <a:lumMod val="50000"/>
-                  </a:schemeClr>
-                </a:solidFill>
-              </a:rPr>
-              <a:t> Pharma)</a:t>
-            </a:r>
-          </a:p>
-        </p:txBody>
-      </p:sp>
-      <p:sp>
-        <p:nvSpPr>
-          <p:cNvPr id="5" name="Circle: Hollow 4">
-            <a:extLst>
-              <a:ext uri="{FF2B5EF4-FFF2-40B4-BE49-F238E27FC236}">
-                <a16:creationId xmlns:a16="http://schemas.microsoft.com/office/drawing/2014/main" id="{CF01BEB3-8AAC-46E0-8420-5E6B14F68931}"/>
-              </a:ext>
-            </a:extLst>
-          </p:cNvPr>
-          <p:cNvSpPr/>
+      </p:pic>
+      <p:pic>
+        <p:nvPicPr>
+          <p:cNvPr id="23" name="Picture 22">
+            <a:extLst>
+              <a:ext uri="{FF2B5EF4-FFF2-40B4-BE49-F238E27FC236}">
+                <a16:creationId xmlns:a16="http://schemas.microsoft.com/office/drawing/2014/main" id="{2E02B381-8D25-433E-9351-1079E784A543}"/>
+              </a:ext>
+            </a:extLst>
+          </p:cNvPr>
+          <p:cNvPicPr>
+            <a:picLocks noChangeAspect="1"/>
+          </p:cNvPicPr>
           <p:nvPr/>
-        </p:nvSpPr>
+        </p:nvPicPr>
+        <p:blipFill>
+          <a:blip r:embed="rId4"/>
+          <a:stretch>
+            <a:fillRect/>
+          </a:stretch>
+        </p:blipFill>
         <p:spPr>
           <a:xfrm>
-            <a:off x="6015990" y="2453640"/>
-            <a:ext cx="5551170" cy="3027651"/>
+            <a:off x="2655075" y="1687255"/>
+            <a:ext cx="1383525" cy="698400"/>
           </a:xfrm>
-          <a:prstGeom prst="donut">
-            <a:avLst>
-              <a:gd name="adj" fmla="val 29026"/>
-            </a:avLst>
+          <a:prstGeom prst="rect">
+            <a:avLst/>
           </a:prstGeom>
           <a:solidFill>
             <a:schemeClr val="bg1"/>
+          </a:solidFill>
+          <a:effectLst>
+            <a:outerShdw blurRad="50800" dist="38100" dir="2700000" algn="tl" rotWithShape="0">
+              <a:prstClr val="black">
+                <a:alpha val="40000"/>
+              </a:prstClr>
+            </a:outerShdw>
+          </a:effectLst>
+        </p:spPr>
+      </p:pic>
+      <p:pic>
+        <p:nvPicPr>
+          <p:cNvPr id="25" name="Picture 24">
+            <a:extLst>
+              <a:ext uri="{FF2B5EF4-FFF2-40B4-BE49-F238E27FC236}">
+                <a16:creationId xmlns:a16="http://schemas.microsoft.com/office/drawing/2014/main" id="{4CB2B51A-43BC-4C8E-835E-5A54D6EF41C3}"/>
+              </a:ext>
+            </a:extLst>
+          </p:cNvPr>
+          <p:cNvPicPr>
+            <a:picLocks noChangeAspect="1"/>
+          </p:cNvPicPr>
+          <p:nvPr/>
+        </p:nvPicPr>
+        <p:blipFill>
+          <a:blip r:embed="rId5"/>
+          <a:stretch>
+            <a:fillRect/>
+          </a:stretch>
+        </p:blipFill>
+        <p:spPr>
+          <a:xfrm>
+            <a:off x="3530193" y="2595600"/>
+            <a:ext cx="1383525" cy="698400"/>
+          </a:xfrm>
+          <a:prstGeom prst="rect">
+            <a:avLst/>
+          </a:prstGeom>
+          <a:solidFill>
+            <a:schemeClr val="bg1"/>
+          </a:solidFill>
+          <a:effectLst>
+            <a:outerShdw blurRad="50800" dist="38100" dir="2700000" algn="tl" rotWithShape="0">
+              <a:prstClr val="black">
+                <a:alpha val="40000"/>
+              </a:prstClr>
+            </a:outerShdw>
+          </a:effectLst>
+        </p:spPr>
+      </p:pic>
+    </p:spTree>
+    <p:extLst>
+      <p:ext uri="{BB962C8B-B14F-4D97-AF65-F5344CB8AC3E}">
+        <p14:creationId xmlns:p14="http://schemas.microsoft.com/office/powerpoint/2010/main" val="563810342"/>
+      </p:ext>
+    </p:extLst>
+  </p:cSld>
+  <p:clrMapOvr>
+    <a:masterClrMapping/>
+  </p:clrMapOvr>
+</p:sld>
+</file>
+
+<file path=ppt/slides/slide7.xml><?xml version="1.0" encoding="utf-8"?>
+<p:sld xmlns:a="http://schemas.openxmlformats.org/drawingml/2006/main" xmlns:r="http://schemas.openxmlformats.org/officeDocument/2006/relationships" xmlns:p="http://schemas.openxmlformats.org/presentationml/2006/main">
+  <p:cSld>
+    <p:spTree>
+      <p:nvGrpSpPr>
+        <p:cNvPr id="1" name=""/>
+        <p:cNvGrpSpPr/>
+        <p:nvPr/>
+      </p:nvGrpSpPr>
+      <p:grpSpPr>
+        <a:xfrm>
+          <a:off x="0" y="0"/>
+          <a:ext cx="0" cy="0"/>
+          <a:chOff x="0" y="0"/>
+          <a:chExt cx="0" cy="0"/>
+        </a:xfrm>
+      </p:grpSpPr>
+      <p:sp>
+        <p:nvSpPr>
+          <p:cNvPr id="2" name="Title 1">
+            <a:extLst>
+              <a:ext uri="{FF2B5EF4-FFF2-40B4-BE49-F238E27FC236}">
+                <a16:creationId xmlns:a16="http://schemas.microsoft.com/office/drawing/2014/main" id="{135370A0-F322-41E2-9FD6-59F890DBA711}"/>
+              </a:ext>
+            </a:extLst>
+          </p:cNvPr>
+          <p:cNvSpPr>
+            <a:spLocks noGrp="1"/>
+          </p:cNvSpPr>
+          <p:nvPr>
+            <p:ph type="title"/>
+          </p:nvPr>
+        </p:nvSpPr>
+        <p:spPr>
+          <a:xfrm>
+            <a:off x="312420" y="365126"/>
+            <a:ext cx="11567160" cy="782540"/>
+          </a:xfrm>
+        </p:spPr>
+        <p:txBody>
+          <a:bodyPr>
+            <a:normAutofit fontScale="90000"/>
+          </a:bodyPr>
+          <a:lstStyle/>
+          <a:p>
+            <a:r>
+              <a:rPr lang="en-US" dirty="0"/>
+              <a:t>Many of the most differentially expressed genes were pseudo- genes or lncRNA, but some were known lung cancer targets</a:t>
+            </a:r>
+          </a:p>
+        </p:txBody>
+      </p:sp>
+      <p:sp>
+        <p:nvSpPr>
+          <p:cNvPr id="4" name="Date Placeholder 3">
+            <a:extLst>
+              <a:ext uri="{FF2B5EF4-FFF2-40B4-BE49-F238E27FC236}">
+                <a16:creationId xmlns:a16="http://schemas.microsoft.com/office/drawing/2014/main" id="{4D3D0331-33D6-4734-AF55-2673E25ABBE8}"/>
+              </a:ext>
+            </a:extLst>
+          </p:cNvPr>
+          <p:cNvSpPr>
+            <a:spLocks noGrp="1"/>
+          </p:cNvSpPr>
+          <p:nvPr>
+            <p:ph type="dt" sz="half" idx="10"/>
+          </p:nvPr>
+        </p:nvSpPr>
+        <p:spPr/>
+        <p:txBody>
+          <a:bodyPr/>
+          <a:lstStyle/>
+          <a:p>
+            <a:fld id="{5554D4B4-8F0E-4A28-A8C9-3F36C5664645}" type="datetime1">
+              <a:rPr lang="en-US" smtClean="0"/>
+              <a:t>4/14/2020</a:t>
+            </a:fld>
+            <a:endParaRPr lang="en-US"/>
+          </a:p>
+        </p:txBody>
+      </p:sp>
+      <p:sp>
+        <p:nvSpPr>
+          <p:cNvPr id="5" name="Footer Placeholder 4">
+            <a:extLst>
+              <a:ext uri="{FF2B5EF4-FFF2-40B4-BE49-F238E27FC236}">
+                <a16:creationId xmlns:a16="http://schemas.microsoft.com/office/drawing/2014/main" id="{E0C4A04B-D1FD-493B-96F1-128D7207A86E}"/>
+              </a:ext>
+            </a:extLst>
+          </p:cNvPr>
+          <p:cNvSpPr>
+            <a:spLocks noGrp="1"/>
+          </p:cNvSpPr>
+          <p:nvPr>
+            <p:ph type="ftr" sz="quarter" idx="11"/>
+          </p:nvPr>
+        </p:nvSpPr>
+        <p:spPr/>
+        <p:txBody>
+          <a:bodyPr/>
+          <a:lstStyle/>
+          <a:p>
+            <a:r>
+              <a:rPr lang="en-US" dirty="0"/>
+              <a:t>ANGSD 2020 Final Project</a:t>
+            </a:r>
+          </a:p>
+        </p:txBody>
+      </p:sp>
+      <p:sp>
+        <p:nvSpPr>
+          <p:cNvPr id="6" name="Slide Number Placeholder 5">
+            <a:extLst>
+              <a:ext uri="{FF2B5EF4-FFF2-40B4-BE49-F238E27FC236}">
+                <a16:creationId xmlns:a16="http://schemas.microsoft.com/office/drawing/2014/main" id="{7C24A4DD-2911-47DE-83AD-BCDBD2DCBFBA}"/>
+              </a:ext>
+            </a:extLst>
+          </p:cNvPr>
+          <p:cNvSpPr>
+            <a:spLocks noGrp="1"/>
+          </p:cNvSpPr>
+          <p:nvPr>
+            <p:ph type="sldNum" sz="quarter" idx="12"/>
+          </p:nvPr>
+        </p:nvSpPr>
+        <p:spPr/>
+        <p:txBody>
+          <a:bodyPr/>
+          <a:lstStyle/>
+          <a:p>
+            <a:fld id="{5EDCB77F-E5A5-4D84-A8C7-44B408FD6E25}" type="slidenum">
+              <a:rPr lang="en-US" smtClean="0"/>
+              <a:pPr/>
+              <a:t>7</a:t>
+            </a:fld>
+            <a:endParaRPr lang="en-US"/>
+          </a:p>
+        </p:txBody>
+      </p:sp>
+      <p:pic>
+        <p:nvPicPr>
+          <p:cNvPr id="8" name="Picture 7">
+            <a:extLst>
+              <a:ext uri="{FF2B5EF4-FFF2-40B4-BE49-F238E27FC236}">
+                <a16:creationId xmlns:a16="http://schemas.microsoft.com/office/drawing/2014/main" id="{0E4C34BC-FBCF-4F1F-8F50-2613EDB35C06}"/>
+              </a:ext>
+            </a:extLst>
+          </p:cNvPr>
+          <p:cNvPicPr>
+            <a:picLocks noChangeAspect="1"/>
+          </p:cNvPicPr>
+          <p:nvPr/>
+        </p:nvPicPr>
+        <p:blipFill>
+          <a:blip r:embed="rId2"/>
+          <a:stretch>
+            <a:fillRect/>
+          </a:stretch>
+        </p:blipFill>
+        <p:spPr>
+          <a:xfrm>
+            <a:off x="407379" y="1445578"/>
+            <a:ext cx="3559312" cy="4612861"/>
+          </a:xfrm>
+          <a:prstGeom prst="rect">
+            <a:avLst/>
+          </a:prstGeom>
+          <a:solidFill>
+            <a:schemeClr val="bg1"/>
+          </a:solidFill>
+          <a:ln w="15875">
+            <a:solidFill>
+              <a:schemeClr val="accent1"/>
+            </a:solidFill>
+          </a:ln>
+        </p:spPr>
+      </p:pic>
+      <p:pic>
+        <p:nvPicPr>
+          <p:cNvPr id="9" name="Picture 8">
+            <a:extLst>
+              <a:ext uri="{FF2B5EF4-FFF2-40B4-BE49-F238E27FC236}">
+                <a16:creationId xmlns:a16="http://schemas.microsoft.com/office/drawing/2014/main" id="{9A3E4174-2234-4AA5-9E54-5A25DF1B6CEE}"/>
+              </a:ext>
+            </a:extLst>
+          </p:cNvPr>
+          <p:cNvPicPr>
+            <a:picLocks noChangeAspect="1"/>
+          </p:cNvPicPr>
+          <p:nvPr/>
+        </p:nvPicPr>
+        <p:blipFill>
+          <a:blip r:embed="rId3"/>
+          <a:stretch>
+            <a:fillRect/>
+          </a:stretch>
+        </p:blipFill>
+        <p:spPr>
+          <a:xfrm>
+            <a:off x="4503909" y="1445578"/>
+            <a:ext cx="7310200" cy="1113543"/>
+          </a:xfrm>
+          <a:prstGeom prst="rect">
+            <a:avLst/>
+          </a:prstGeom>
+          <a:effectLst>
+            <a:outerShdw blurRad="50800" dist="38100" dir="2700000" algn="tl" rotWithShape="0">
+              <a:prstClr val="black">
+                <a:alpha val="40000"/>
+              </a:prstClr>
+            </a:outerShdw>
+          </a:effectLst>
+        </p:spPr>
+      </p:pic>
+      <p:sp>
+        <p:nvSpPr>
+          <p:cNvPr id="10" name="Rectangle 9">
+            <a:extLst>
+              <a:ext uri="{FF2B5EF4-FFF2-40B4-BE49-F238E27FC236}">
+                <a16:creationId xmlns:a16="http://schemas.microsoft.com/office/drawing/2014/main" id="{232BA66C-E576-483A-BF00-59D72DD74CB4}"/>
+              </a:ext>
+            </a:extLst>
+          </p:cNvPr>
+          <p:cNvSpPr/>
+          <p:nvPr/>
+        </p:nvSpPr>
+        <p:spPr>
+          <a:xfrm>
+            <a:off x="407379" y="1618622"/>
+            <a:ext cx="3559312" cy="208344"/>
+          </a:xfrm>
+          <a:prstGeom prst="rect">
+            <a:avLst/>
+          </a:prstGeom>
+          <a:solidFill>
+            <a:srgbClr val="FFFEC4">
+              <a:alpha val="25000"/>
+            </a:srgbClr>
           </a:solidFill>
           <a:ln>
             <a:noFill/>
@@ -5537,20 +6957,53 @@
           <a:lstStyle/>
           <a:p>
             <a:pPr algn="ctr"/>
-            <a:endParaRPr lang="en-US" dirty="0">
-              <a:solidFill>
-                <a:schemeClr val="tx1"/>
-              </a:solidFill>
-            </a:endParaRPr>
-          </a:p>
-        </p:txBody>
-      </p:sp>
-      <p:sp>
-        <p:nvSpPr>
-          <p:cNvPr id="7" name="Circle: Hollow 6">
-            <a:extLst>
-              <a:ext uri="{FF2B5EF4-FFF2-40B4-BE49-F238E27FC236}">
-                <a16:creationId xmlns:a16="http://schemas.microsoft.com/office/drawing/2014/main" id="{23D39461-3DF3-4B25-B008-01C6E4DF68EA}"/>
+            <a:endParaRPr lang="en-US"/>
+          </a:p>
+        </p:txBody>
+      </p:sp>
+      <p:pic>
+        <p:nvPicPr>
+          <p:cNvPr id="11" name="Picture 10">
+            <a:extLst>
+              <a:ext uri="{FF2B5EF4-FFF2-40B4-BE49-F238E27FC236}">
+                <a16:creationId xmlns:a16="http://schemas.microsoft.com/office/drawing/2014/main" id="{B659232E-0BA9-4161-9785-25D75E05335F}"/>
+              </a:ext>
+            </a:extLst>
+          </p:cNvPr>
+          <p:cNvPicPr>
+            <a:picLocks noChangeAspect="1"/>
+          </p:cNvPicPr>
+          <p:nvPr/>
+        </p:nvPicPr>
+        <p:blipFill>
+          <a:blip r:embed="rId4"/>
+          <a:stretch>
+            <a:fillRect/>
+          </a:stretch>
+        </p:blipFill>
+        <p:spPr>
+          <a:xfrm>
+            <a:off x="4503909" y="2747470"/>
+            <a:ext cx="7310200" cy="2170605"/>
+          </a:xfrm>
+          <a:prstGeom prst="rect">
+            <a:avLst/>
+          </a:prstGeom>
+          <a:effectLst>
+            <a:outerShdw blurRad="50800" dist="38100" dir="2700000" algn="tl" rotWithShape="0">
+              <a:prstClr val="black">
+                <a:alpha val="40000"/>
+              </a:prstClr>
+            </a:outerShdw>
+          </a:effectLst>
+        </p:spPr>
+      </p:pic>
+      <p:sp>
+        <p:nvSpPr>
+          <p:cNvPr id="12" name="Rectangle 11">
+            <a:extLst>
+              <a:ext uri="{FF2B5EF4-FFF2-40B4-BE49-F238E27FC236}">
+                <a16:creationId xmlns:a16="http://schemas.microsoft.com/office/drawing/2014/main" id="{4C50A0D2-B8FC-4B26-93DA-F98A9CA757F1}"/>
               </a:ext>
             </a:extLst>
           </p:cNvPr>
@@ -5559,16 +7012,16 @@
         </p:nvSpPr>
         <p:spPr>
           <a:xfrm>
-            <a:off x="6888480" y="2610310"/>
-            <a:ext cx="3897629" cy="2752410"/>
+            <a:off x="407379" y="2656606"/>
+            <a:ext cx="3559312" cy="376153"/>
           </a:xfrm>
-          <a:prstGeom prst="donut">
-            <a:avLst>
-              <a:gd name="adj" fmla="val 39340"/>
-            </a:avLst>
+          <a:prstGeom prst="rect">
+            <a:avLst/>
           </a:prstGeom>
           <a:solidFill>
-            <a:schemeClr val="bg1"/>
+            <a:srgbClr val="FFFEC4">
+              <a:alpha val="25000"/>
+            </a:srgbClr>
           </a:solidFill>
           <a:ln>
             <a:noFill/>
@@ -5595,20 +7048,53 @@
           <a:lstStyle/>
           <a:p>
             <a:pPr algn="ctr"/>
-            <a:endParaRPr lang="en-US" dirty="0">
-              <a:solidFill>
-                <a:schemeClr val="tx1"/>
-              </a:solidFill>
-            </a:endParaRPr>
-          </a:p>
-        </p:txBody>
-      </p:sp>
-      <p:sp>
-        <p:nvSpPr>
-          <p:cNvPr id="6" name="Oval 5">
-            <a:extLst>
-              <a:ext uri="{FF2B5EF4-FFF2-40B4-BE49-F238E27FC236}">
-                <a16:creationId xmlns:a16="http://schemas.microsoft.com/office/drawing/2014/main" id="{FA387F6A-A228-4E36-8701-2A51FCBBD5A9}"/>
+            <a:endParaRPr lang="en-US"/>
+          </a:p>
+        </p:txBody>
+      </p:sp>
+      <p:pic>
+        <p:nvPicPr>
+          <p:cNvPr id="13" name="Picture 12">
+            <a:extLst>
+              <a:ext uri="{FF2B5EF4-FFF2-40B4-BE49-F238E27FC236}">
+                <a16:creationId xmlns:a16="http://schemas.microsoft.com/office/drawing/2014/main" id="{6E8762D7-76E3-4008-9946-2575167F4CFD}"/>
+              </a:ext>
+            </a:extLst>
+          </p:cNvPr>
+          <p:cNvPicPr>
+            <a:picLocks noChangeAspect="1"/>
+          </p:cNvPicPr>
+          <p:nvPr/>
+        </p:nvPicPr>
+        <p:blipFill>
+          <a:blip r:embed="rId5"/>
+          <a:stretch>
+            <a:fillRect/>
+          </a:stretch>
+        </p:blipFill>
+        <p:spPr>
+          <a:xfrm>
+            <a:off x="4503420" y="5106424"/>
+            <a:ext cx="7296441" cy="952015"/>
+          </a:xfrm>
+          <a:prstGeom prst="rect">
+            <a:avLst/>
+          </a:prstGeom>
+          <a:effectLst>
+            <a:outerShdw blurRad="50800" dist="38100" dir="2700000" algn="tl" rotWithShape="0">
+              <a:prstClr val="black">
+                <a:alpha val="40000"/>
+              </a:prstClr>
+            </a:outerShdw>
+          </a:effectLst>
+        </p:spPr>
+      </p:pic>
+      <p:sp>
+        <p:nvSpPr>
+          <p:cNvPr id="14" name="Rectangle 13">
+            <a:extLst>
+              <a:ext uri="{FF2B5EF4-FFF2-40B4-BE49-F238E27FC236}">
+                <a16:creationId xmlns:a16="http://schemas.microsoft.com/office/drawing/2014/main" id="{1DEA9A67-5432-46F8-B54F-61C376A31E69}"/>
               </a:ext>
             </a:extLst>
           </p:cNvPr>
@@ -5617,14 +7103,16 @@
         </p:nvSpPr>
         <p:spPr>
           <a:xfrm>
-            <a:off x="7006590" y="2956560"/>
-            <a:ext cx="3619500" cy="2118388"/>
+            <a:off x="407379" y="4073926"/>
+            <a:ext cx="3559312" cy="578084"/>
           </a:xfrm>
-          <a:prstGeom prst="ellipse">
+          <a:prstGeom prst="rect">
             <a:avLst/>
           </a:prstGeom>
           <a:solidFill>
-            <a:schemeClr val="bg1"/>
+            <a:srgbClr val="FFFEC4">
+              <a:alpha val="25000"/>
+            </a:srgbClr>
           </a:solidFill>
           <a:ln>
             <a:noFill/>
@@ -5658,735 +7146,7 @@
     </p:spTree>
     <p:extLst>
       <p:ext uri="{BB962C8B-B14F-4D97-AF65-F5344CB8AC3E}">
-        <p14:creationId xmlns:p14="http://schemas.microsoft.com/office/powerpoint/2010/main" val="2764939956"/>
-      </p:ext>
-    </p:extLst>
-  </p:cSld>
-  <p:clrMapOvr>
-    <a:masterClrMapping/>
-  </p:clrMapOvr>
-  <p:timing>
-    <p:tnLst>
-      <p:par>
-        <p:cTn id="1" dur="indefinite" restart="never" nodeType="tmRoot">
-          <p:childTnLst>
-            <p:seq concurrent="1" nextAc="seek">
-              <p:cTn id="2" dur="indefinite" nodeType="mainSeq">
-                <p:childTnLst>
-                  <p:par>
-                    <p:cTn id="3" fill="hold">
-                      <p:stCondLst>
-                        <p:cond delay="indefinite"/>
-                      </p:stCondLst>
-                      <p:childTnLst>
-                        <p:par>
-                          <p:cTn id="4" fill="hold">
-                            <p:stCondLst>
-                              <p:cond delay="0"/>
-                            </p:stCondLst>
-                            <p:childTnLst>
-                              <p:par>
-                                <p:cTn id="5" presetID="1" presetClass="entr" presetSubtype="0" fill="hold" grpId="0" nodeType="clickEffect">
-                                  <p:stCondLst>
-                                    <p:cond delay="0"/>
-                                  </p:stCondLst>
-                                  <p:childTnLst>
-                                    <p:set>
-                                      <p:cBhvr>
-                                        <p:cTn id="6" dur="1" fill="hold">
-                                          <p:stCondLst>
-                                            <p:cond delay="0"/>
-                                          </p:stCondLst>
-                                        </p:cTn>
-                                        <p:tgtEl>
-                                          <p:spTgt spid="5"/>
-                                        </p:tgtEl>
-                                        <p:attrNameLst>
-                                          <p:attrName>style.visibility</p:attrName>
-                                        </p:attrNameLst>
-                                      </p:cBhvr>
-                                      <p:to>
-                                        <p:strVal val="visible"/>
-                                      </p:to>
-                                    </p:set>
-                                  </p:childTnLst>
-                                </p:cTn>
-                              </p:par>
-                              <p:par>
-                                <p:cTn id="7" presetID="1" presetClass="entr" presetSubtype="0" fill="hold" grpId="0" nodeType="withEffect">
-                                  <p:stCondLst>
-                                    <p:cond delay="0"/>
-                                  </p:stCondLst>
-                                  <p:childTnLst>
-                                    <p:set>
-                                      <p:cBhvr>
-                                        <p:cTn id="8" dur="1" fill="hold">
-                                          <p:stCondLst>
-                                            <p:cond delay="0"/>
-                                          </p:stCondLst>
-                                        </p:cTn>
-                                        <p:tgtEl>
-                                          <p:spTgt spid="7"/>
-                                        </p:tgtEl>
-                                        <p:attrNameLst>
-                                          <p:attrName>style.visibility</p:attrName>
-                                        </p:attrNameLst>
-                                      </p:cBhvr>
-                                      <p:to>
-                                        <p:strVal val="visible"/>
-                                      </p:to>
-                                    </p:set>
-                                  </p:childTnLst>
-                                </p:cTn>
-                              </p:par>
-                            </p:childTnLst>
-                          </p:cTn>
-                        </p:par>
-                      </p:childTnLst>
-                    </p:cTn>
-                  </p:par>
-                  <p:par>
-                    <p:cTn id="9" fill="hold">
-                      <p:stCondLst>
-                        <p:cond delay="indefinite"/>
-                      </p:stCondLst>
-                      <p:childTnLst>
-                        <p:par>
-                          <p:cTn id="10" fill="hold">
-                            <p:stCondLst>
-                              <p:cond delay="0"/>
-                            </p:stCondLst>
-                            <p:childTnLst>
-                              <p:par>
-                                <p:cTn id="11" presetID="1" presetClass="exit" presetSubtype="0" fill="hold" grpId="1" nodeType="clickEffect">
-                                  <p:stCondLst>
-                                    <p:cond delay="0"/>
-                                  </p:stCondLst>
-                                  <p:childTnLst>
-                                    <p:set>
-                                      <p:cBhvr>
-                                        <p:cTn id="12" dur="1" fill="hold">
-                                          <p:stCondLst>
-                                            <p:cond delay="0"/>
-                                          </p:stCondLst>
-                                        </p:cTn>
-                                        <p:tgtEl>
-                                          <p:spTgt spid="5"/>
-                                        </p:tgtEl>
-                                        <p:attrNameLst>
-                                          <p:attrName>style.visibility</p:attrName>
-                                        </p:attrNameLst>
-                                      </p:cBhvr>
-                                      <p:to>
-                                        <p:strVal val="hidden"/>
-                                      </p:to>
-                                    </p:set>
-                                  </p:childTnLst>
-                                </p:cTn>
-                              </p:par>
-                              <p:par>
-                                <p:cTn id="13" presetID="1" presetClass="exit" presetSubtype="0" fill="hold" grpId="1" nodeType="withEffect">
-                                  <p:stCondLst>
-                                    <p:cond delay="0"/>
-                                  </p:stCondLst>
-                                  <p:childTnLst>
-                                    <p:set>
-                                      <p:cBhvr>
-                                        <p:cTn id="14" dur="1" fill="hold">
-                                          <p:stCondLst>
-                                            <p:cond delay="0"/>
-                                          </p:stCondLst>
-                                        </p:cTn>
-                                        <p:tgtEl>
-                                          <p:spTgt spid="7"/>
-                                        </p:tgtEl>
-                                        <p:attrNameLst>
-                                          <p:attrName>style.visibility</p:attrName>
-                                        </p:attrNameLst>
-                                      </p:cBhvr>
-                                      <p:to>
-                                        <p:strVal val="hidden"/>
-                                      </p:to>
-                                    </p:set>
-                                  </p:childTnLst>
-                                </p:cTn>
-                              </p:par>
-                              <p:par>
-                                <p:cTn id="15" presetID="1" presetClass="entr" presetSubtype="0" fill="hold" grpId="0" nodeType="withEffect">
-                                  <p:stCondLst>
-                                    <p:cond delay="0"/>
-                                  </p:stCondLst>
-                                  <p:childTnLst>
-                                    <p:set>
-                                      <p:cBhvr>
-                                        <p:cTn id="16" dur="1" fill="hold">
-                                          <p:stCondLst>
-                                            <p:cond delay="0"/>
-                                          </p:stCondLst>
-                                        </p:cTn>
-                                        <p:tgtEl>
-                                          <p:spTgt spid="6"/>
-                                        </p:tgtEl>
-                                        <p:attrNameLst>
-                                          <p:attrName>style.visibility</p:attrName>
-                                        </p:attrNameLst>
-                                      </p:cBhvr>
-                                      <p:to>
-                                        <p:strVal val="visible"/>
-                                      </p:to>
-                                    </p:set>
-                                  </p:childTnLst>
-                                </p:cTn>
-                              </p:par>
-                            </p:childTnLst>
-                          </p:cTn>
-                        </p:par>
-                      </p:childTnLst>
-                    </p:cTn>
-                  </p:par>
-                </p:childTnLst>
-              </p:cTn>
-              <p:prevCondLst>
-                <p:cond evt="onPrev" delay="0">
-                  <p:tgtEl>
-                    <p:sldTgt/>
-                  </p:tgtEl>
-                </p:cond>
-              </p:prevCondLst>
-              <p:nextCondLst>
-                <p:cond evt="onNext" delay="0">
-                  <p:tgtEl>
-                    <p:sldTgt/>
-                  </p:tgtEl>
-                </p:cond>
-              </p:nextCondLst>
-            </p:seq>
-          </p:childTnLst>
-        </p:cTn>
-      </p:par>
-    </p:tnLst>
-    <p:bldLst>
-      <p:bldP spid="5" grpId="0" animBg="1"/>
-      <p:bldP spid="5" grpId="1" animBg="1"/>
-      <p:bldP spid="7" grpId="0" animBg="1"/>
-      <p:bldP spid="7" grpId="1" animBg="1"/>
-      <p:bldP spid="6" grpId="0" animBg="1"/>
-    </p:bldLst>
-  </p:timing>
-</p:sld>
-</file>
-
-<file path=ppt/slides/slide7.xml><?xml version="1.0" encoding="utf-8"?>
-<p:sld xmlns:a="http://schemas.openxmlformats.org/drawingml/2006/main" xmlns:r="http://schemas.openxmlformats.org/officeDocument/2006/relationships" xmlns:p="http://schemas.openxmlformats.org/presentationml/2006/main">
-  <p:cSld>
-    <p:spTree>
-      <p:nvGrpSpPr>
-        <p:cNvPr id="1" name=""/>
-        <p:cNvGrpSpPr/>
-        <p:nvPr/>
-      </p:nvGrpSpPr>
-      <p:grpSpPr>
-        <a:xfrm>
-          <a:off x="0" y="0"/>
-          <a:ext cx="0" cy="0"/>
-          <a:chOff x="0" y="0"/>
-          <a:chExt cx="0" cy="0"/>
-        </a:xfrm>
-      </p:grpSpPr>
-      <p:sp>
-        <p:nvSpPr>
-          <p:cNvPr id="2" name="Title 1">
-            <a:extLst>
-              <a:ext uri="{FF2B5EF4-FFF2-40B4-BE49-F238E27FC236}">
-                <a16:creationId xmlns:a16="http://schemas.microsoft.com/office/drawing/2014/main" id="{F4057883-BD44-48F8-ABA9-B528D44424E0}"/>
-              </a:ext>
-            </a:extLst>
-          </p:cNvPr>
-          <p:cNvSpPr>
-            <a:spLocks noGrp="1"/>
-          </p:cNvSpPr>
-          <p:nvPr>
-            <p:ph type="title"/>
-          </p:nvPr>
-        </p:nvSpPr>
-        <p:spPr>
-          <a:xfrm>
-            <a:off x="838200" y="365126"/>
-            <a:ext cx="10515600" cy="782540"/>
-          </a:xfrm>
-        </p:spPr>
-        <p:txBody>
-          <a:bodyPr>
-            <a:normAutofit fontScale="90000"/>
-          </a:bodyPr>
-          <a:lstStyle/>
-          <a:p>
-            <a:r>
-              <a:rPr lang="en-US" dirty="0"/>
-              <a:t>My background is highly compatible with the team </a:t>
-            </a:r>
-          </a:p>
-        </p:txBody>
-      </p:sp>
-      <p:grpSp>
-        <p:nvGrpSpPr>
-          <p:cNvPr id="10" name="Group 9">
-            <a:extLst>
-              <a:ext uri="{FF2B5EF4-FFF2-40B4-BE49-F238E27FC236}">
-                <a16:creationId xmlns:a16="http://schemas.microsoft.com/office/drawing/2014/main" id="{5838B634-89C6-4CE4-AE10-CBEBFDAA32AA}"/>
-              </a:ext>
-            </a:extLst>
-          </p:cNvPr>
-          <p:cNvGrpSpPr/>
-          <p:nvPr/>
-        </p:nvGrpSpPr>
-        <p:grpSpPr>
-          <a:xfrm>
-            <a:off x="1223505" y="1453442"/>
-            <a:ext cx="9744991" cy="3951116"/>
-            <a:chOff x="464268" y="1423689"/>
-            <a:chExt cx="9744991" cy="3951116"/>
-          </a:xfrm>
-        </p:grpSpPr>
-        <p:pic>
-          <p:nvPicPr>
-            <p:cNvPr id="4" name="Picture 3">
-              <a:extLst>
-                <a:ext uri="{FF2B5EF4-FFF2-40B4-BE49-F238E27FC236}">
-                  <a16:creationId xmlns:a16="http://schemas.microsoft.com/office/drawing/2014/main" id="{B2245AF2-DFCC-4DA0-BEA8-DFEBC6AA17DD}"/>
-                </a:ext>
-              </a:extLst>
-            </p:cNvPr>
-            <p:cNvPicPr>
-              <a:picLocks noChangeAspect="1"/>
-            </p:cNvPicPr>
-            <p:nvPr/>
-          </p:nvPicPr>
-          <p:blipFill rotWithShape="1">
-            <a:blip r:embed="rId2"/>
-            <a:srcRect t="3995" b="55232"/>
-            <a:stretch/>
-          </p:blipFill>
-          <p:spPr>
-            <a:xfrm>
-              <a:off x="464268" y="1423689"/>
-              <a:ext cx="8226517" cy="1909823"/>
-            </a:xfrm>
-            <a:prstGeom prst="rect">
-              <a:avLst/>
-            </a:prstGeom>
-            <a:ln w="25400">
-              <a:solidFill>
-                <a:schemeClr val="accent1">
-                  <a:lumMod val="75000"/>
-                </a:schemeClr>
-              </a:solidFill>
-            </a:ln>
-            <a:effectLst>
-              <a:outerShdw blurRad="63500" sx="102000" sy="102000" algn="ctr" rotWithShape="0">
-                <a:prstClr val="black">
-                  <a:alpha val="40000"/>
-                </a:prstClr>
-              </a:outerShdw>
-            </a:effectLst>
-          </p:spPr>
-        </p:pic>
-        <p:pic>
-          <p:nvPicPr>
-            <p:cNvPr id="5" name="Picture 4">
-              <a:extLst>
-                <a:ext uri="{FF2B5EF4-FFF2-40B4-BE49-F238E27FC236}">
-                  <a16:creationId xmlns:a16="http://schemas.microsoft.com/office/drawing/2014/main" id="{4F78A658-5B75-453F-AAA1-23E5F208520A}"/>
-                </a:ext>
-              </a:extLst>
-            </p:cNvPr>
-            <p:cNvPicPr>
-              <a:picLocks noChangeAspect="1"/>
-            </p:cNvPicPr>
-            <p:nvPr/>
-          </p:nvPicPr>
-          <p:blipFill rotWithShape="1">
-            <a:blip r:embed="rId2"/>
-            <a:srcRect t="44469" b="-1"/>
-            <a:stretch/>
-          </p:blipFill>
-          <p:spPr>
-            <a:xfrm>
-              <a:off x="1982742" y="2773667"/>
-              <a:ext cx="8226517" cy="2601138"/>
-            </a:xfrm>
-            <a:prstGeom prst="rect">
-              <a:avLst/>
-            </a:prstGeom>
-            <a:ln w="25400">
-              <a:solidFill>
-                <a:schemeClr val="accent1">
-                  <a:lumMod val="75000"/>
-                </a:schemeClr>
-              </a:solidFill>
-            </a:ln>
-            <a:effectLst>
-              <a:outerShdw blurRad="63500" sx="102000" sy="102000" algn="ctr" rotWithShape="0">
-                <a:prstClr val="black">
-                  <a:alpha val="40000"/>
-                </a:prstClr>
-              </a:outerShdw>
-            </a:effectLst>
-          </p:spPr>
-        </p:pic>
-      </p:grpSp>
-      <p:sp>
-        <p:nvSpPr>
-          <p:cNvPr id="9" name="Rectangle 8">
-            <a:extLst>
-              <a:ext uri="{FF2B5EF4-FFF2-40B4-BE49-F238E27FC236}">
-                <a16:creationId xmlns:a16="http://schemas.microsoft.com/office/drawing/2014/main" id="{1254FFBC-DC4D-4B7B-A7FF-AAF3FF747E26}"/>
-              </a:ext>
-            </a:extLst>
-          </p:cNvPr>
-          <p:cNvSpPr/>
-          <p:nvPr/>
-        </p:nvSpPr>
-        <p:spPr>
-          <a:xfrm>
-            <a:off x="0" y="5827853"/>
-            <a:ext cx="12192000" cy="416689"/>
-          </a:xfrm>
-          <a:prstGeom prst="rect">
-            <a:avLst/>
-          </a:prstGeom>
-          <a:solidFill>
-            <a:schemeClr val="accent1">
-              <a:lumMod val="75000"/>
-            </a:schemeClr>
-          </a:solidFill>
-        </p:spPr>
-        <p:style>
-          <a:lnRef idx="2">
-            <a:schemeClr val="accent1">
-              <a:shade val="50000"/>
-            </a:schemeClr>
-          </a:lnRef>
-          <a:fillRef idx="1">
-            <a:schemeClr val="accent1"/>
-          </a:fillRef>
-          <a:effectRef idx="0">
-            <a:schemeClr val="accent1"/>
-          </a:effectRef>
-          <a:fontRef idx="minor">
-            <a:schemeClr val="lt1"/>
-          </a:fontRef>
-        </p:style>
-        <p:txBody>
-          <a:bodyPr rtlCol="0" anchor="ctr"/>
-          <a:lstStyle/>
-          <a:p>
-            <a:pPr algn="ctr"/>
-            <a:r>
-              <a:rPr lang="en-US" sz="2000" dirty="0">
-                <a:latin typeface="Arial" panose="020B0604020202020204" pitchFamily="34" charset="0"/>
-                <a:cs typeface="Arial" panose="020B0604020202020204" pitchFamily="34" charset="0"/>
-              </a:rPr>
-              <a:t>Additionally, </a:t>
-            </a:r>
-            <a:r>
-              <a:rPr lang="en-US" sz="2000" dirty="0" err="1">
-                <a:latin typeface="Arial" panose="020B0604020202020204" pitchFamily="34" charset="0"/>
-                <a:cs typeface="Arial" panose="020B0604020202020204" pitchFamily="34" charset="0"/>
-              </a:rPr>
-              <a:t>Roivant</a:t>
-            </a:r>
-            <a:r>
-              <a:rPr lang="en-US" sz="2000" dirty="0">
-                <a:latin typeface="Arial" panose="020B0604020202020204" pitchFamily="34" charset="0"/>
-                <a:cs typeface="Arial" panose="020B0604020202020204" pitchFamily="34" charset="0"/>
-              </a:rPr>
-              <a:t> has a </a:t>
-            </a:r>
-            <a:r>
-              <a:rPr lang="en-US" sz="2000" dirty="0" err="1">
-                <a:latin typeface="Arial" panose="020B0604020202020204" pitchFamily="34" charset="0"/>
-                <a:cs typeface="Arial" panose="020B0604020202020204" pitchFamily="34" charset="0"/>
-              </a:rPr>
-              <a:t>te</a:t>
-            </a:r>
-            <a:endParaRPr lang="en-US" sz="2000" dirty="0">
-              <a:latin typeface="Arial" panose="020B0604020202020204" pitchFamily="34" charset="0"/>
-              <a:cs typeface="Arial" panose="020B0604020202020204" pitchFamily="34" charset="0"/>
-            </a:endParaRPr>
-          </a:p>
-        </p:txBody>
-      </p:sp>
-    </p:spTree>
-    <p:extLst>
-      <p:ext uri="{BB962C8B-B14F-4D97-AF65-F5344CB8AC3E}">
-        <p14:creationId xmlns:p14="http://schemas.microsoft.com/office/powerpoint/2010/main" val="4049878280"/>
-      </p:ext>
-    </p:extLst>
-  </p:cSld>
-  <p:clrMapOvr>
-    <a:masterClrMapping/>
-  </p:clrMapOvr>
-</p:sld>
-</file>
-
-<file path=ppt/slides/slide8.xml><?xml version="1.0" encoding="utf-8"?>
-<p:sld xmlns:a="http://schemas.openxmlformats.org/drawingml/2006/main" xmlns:r="http://schemas.openxmlformats.org/officeDocument/2006/relationships" xmlns:p="http://schemas.openxmlformats.org/presentationml/2006/main">
-  <p:cSld>
-    <p:spTree>
-      <p:nvGrpSpPr>
-        <p:cNvPr id="1" name=""/>
-        <p:cNvGrpSpPr/>
-        <p:nvPr/>
-      </p:nvGrpSpPr>
-      <p:grpSpPr>
-        <a:xfrm>
-          <a:off x="0" y="0"/>
-          <a:ext cx="0" cy="0"/>
-          <a:chOff x="0" y="0"/>
-          <a:chExt cx="0" cy="0"/>
-        </a:xfrm>
-      </p:grpSpPr>
-      <p:sp>
-        <p:nvSpPr>
-          <p:cNvPr id="2" name="Title 1">
-            <a:extLst>
-              <a:ext uri="{FF2B5EF4-FFF2-40B4-BE49-F238E27FC236}">
-                <a16:creationId xmlns:a16="http://schemas.microsoft.com/office/drawing/2014/main" id="{2CFE0B97-D362-4491-B3CA-6083AD292DB7}"/>
-              </a:ext>
-            </a:extLst>
-          </p:cNvPr>
-          <p:cNvSpPr>
-            <a:spLocks noGrp="1"/>
-          </p:cNvSpPr>
-          <p:nvPr>
-            <p:ph type="title"/>
-          </p:nvPr>
-        </p:nvSpPr>
-        <p:spPr/>
-        <p:txBody>
-          <a:bodyPr>
-            <a:normAutofit/>
-          </a:bodyPr>
-          <a:lstStyle/>
-          <a:p>
-            <a:r>
-              <a:rPr lang="en-US" dirty="0"/>
-              <a:t>WCM Alumni Fireside Chat</a:t>
-            </a:r>
-          </a:p>
-        </p:txBody>
-      </p:sp>
-      <p:sp>
-        <p:nvSpPr>
-          <p:cNvPr id="3" name="Content Placeholder 2">
-            <a:extLst>
-              <a:ext uri="{FF2B5EF4-FFF2-40B4-BE49-F238E27FC236}">
-                <a16:creationId xmlns:a16="http://schemas.microsoft.com/office/drawing/2014/main" id="{0EC5079D-3EE3-4EE0-A636-983A720E4759}"/>
-              </a:ext>
-            </a:extLst>
-          </p:cNvPr>
-          <p:cNvSpPr>
-            <a:spLocks noGrp="1"/>
-          </p:cNvSpPr>
-          <p:nvPr>
-            <p:ph idx="1"/>
-          </p:nvPr>
-        </p:nvSpPr>
-        <p:spPr>
-          <a:xfrm>
-            <a:off x="838200" y="1825625"/>
-            <a:ext cx="10515600" cy="4431213"/>
-          </a:xfrm>
-        </p:spPr>
-        <p:txBody>
-          <a:bodyPr>
-            <a:spAutoFit/>
-          </a:bodyPr>
-          <a:lstStyle/>
-          <a:p>
-            <a:pPr>
-              <a:lnSpc>
-                <a:spcPct val="110000"/>
-              </a:lnSpc>
-              <a:spcBef>
-                <a:spcPts val="300"/>
-              </a:spcBef>
-              <a:spcAft>
-                <a:spcPts val="300"/>
-              </a:spcAft>
-            </a:pPr>
-            <a:r>
-              <a:rPr lang="en-US" sz="2400" dirty="0"/>
-              <a:t>Dane </a:t>
-            </a:r>
-            <a:r>
-              <a:rPr lang="en-US" sz="2400" dirty="0" err="1"/>
-              <a:t>Samilo</a:t>
-            </a:r>
-            <a:r>
-              <a:rPr lang="en-US" sz="2400" dirty="0"/>
-              <a:t> (Policy) - AAAS Science and Technology Policy Fellow at DoD. IMP ‘18</a:t>
-            </a:r>
-          </a:p>
-          <a:p>
-            <a:pPr>
-              <a:lnSpc>
-                <a:spcPct val="110000"/>
-              </a:lnSpc>
-              <a:spcBef>
-                <a:spcPts val="300"/>
-              </a:spcBef>
-              <a:spcAft>
-                <a:spcPts val="300"/>
-              </a:spcAft>
-            </a:pPr>
-            <a:r>
-              <a:rPr lang="en-US" sz="2400" dirty="0" err="1"/>
-              <a:t>Ritama</a:t>
-            </a:r>
-            <a:r>
-              <a:rPr lang="en-US" sz="2400" dirty="0"/>
-              <a:t> Gupta (Medical Writing/Pharma) - Medical Writer at ICON plc. IMP ‘17</a:t>
-            </a:r>
-          </a:p>
-          <a:p>
-            <a:pPr>
-              <a:lnSpc>
-                <a:spcPct val="110000"/>
-              </a:lnSpc>
-              <a:spcBef>
-                <a:spcPts val="300"/>
-              </a:spcBef>
-              <a:spcAft>
-                <a:spcPts val="300"/>
-              </a:spcAft>
-            </a:pPr>
-            <a:r>
-              <a:rPr lang="en-US" sz="2400" dirty="0"/>
-              <a:t>Bill Mills (Hedge Fund/Investing) - Analyst at Camber Capital Management. Pharm ‘15/MBA ‘16</a:t>
-            </a:r>
-          </a:p>
-          <a:p>
-            <a:pPr>
-              <a:lnSpc>
-                <a:spcPct val="110000"/>
-              </a:lnSpc>
-              <a:spcBef>
-                <a:spcPts val="300"/>
-              </a:spcBef>
-              <a:spcAft>
-                <a:spcPts val="300"/>
-              </a:spcAft>
-            </a:pPr>
-            <a:r>
-              <a:rPr lang="en-US" sz="2400" dirty="0"/>
-              <a:t>Alisa Dong (Startups/Consulting) - Director of Strategy &amp; Operations at </a:t>
-            </a:r>
-            <a:r>
-              <a:rPr lang="en-US" sz="2400" dirty="0" err="1"/>
-              <a:t>Aruvant</a:t>
-            </a:r>
-            <a:r>
-              <a:rPr lang="en-US" sz="2400" dirty="0"/>
-              <a:t> (gene therapy). BCMB‘16</a:t>
-            </a:r>
-          </a:p>
-          <a:p>
-            <a:pPr>
-              <a:lnSpc>
-                <a:spcPct val="110000"/>
-              </a:lnSpc>
-              <a:spcBef>
-                <a:spcPts val="300"/>
-              </a:spcBef>
-              <a:spcAft>
-                <a:spcPts val="300"/>
-              </a:spcAft>
-            </a:pPr>
-            <a:r>
-              <a:rPr lang="en-US" sz="2400" dirty="0" err="1"/>
-              <a:t>Faranak</a:t>
-            </a:r>
-            <a:r>
-              <a:rPr lang="en-US" sz="2400" dirty="0"/>
-              <a:t> </a:t>
-            </a:r>
-            <a:r>
-              <a:rPr lang="en-US" sz="2400" dirty="0" err="1"/>
-              <a:t>Fattahi</a:t>
-            </a:r>
-            <a:r>
-              <a:rPr lang="en-US" sz="2400" dirty="0"/>
-              <a:t> (Academia) – Sandler Faculty Fellow Department of Biochemistry and Biophysics at UCSF. WCM ‘16</a:t>
-            </a:r>
-          </a:p>
-        </p:txBody>
-      </p:sp>
-      <p:sp>
-        <p:nvSpPr>
-          <p:cNvPr id="4" name="Title 1">
-            <a:extLst>
-              <a:ext uri="{FF2B5EF4-FFF2-40B4-BE49-F238E27FC236}">
-                <a16:creationId xmlns:a16="http://schemas.microsoft.com/office/drawing/2014/main" id="{BB55C2EE-C0F1-4A23-B1F5-F01B67BA43B7}"/>
-              </a:ext>
-            </a:extLst>
-          </p:cNvPr>
-          <p:cNvSpPr txBox="1">
-            <a:spLocks/>
-          </p:cNvSpPr>
-          <p:nvPr/>
-        </p:nvSpPr>
-        <p:spPr>
-          <a:xfrm>
-            <a:off x="838200" y="1147666"/>
-            <a:ext cx="10515600" cy="485895"/>
-          </a:xfrm>
-          <a:prstGeom prst="rect">
-            <a:avLst/>
-          </a:prstGeom>
-        </p:spPr>
-        <p:txBody>
-          <a:bodyPr vert="horz" lIns="91440" tIns="45720" rIns="91440" bIns="45720" rtlCol="0" anchor="ctr">
-            <a:normAutofit/>
-          </a:bodyPr>
-          <a:lstStyle>
-            <a:lvl1pPr algn="l" defTabSz="914400" rtl="0" eaLnBrk="1" latinLnBrk="0" hangingPunct="1">
-              <a:lnSpc>
-                <a:spcPct val="90000"/>
-              </a:lnSpc>
-              <a:spcBef>
-                <a:spcPct val="0"/>
-              </a:spcBef>
-              <a:buNone/>
-              <a:defRPr sz="4400" kern="1200">
-                <a:solidFill>
-                  <a:schemeClr val="tx1"/>
-                </a:solidFill>
-                <a:latin typeface="Arial" panose="020B0604020202020204" pitchFamily="34" charset="0"/>
-                <a:ea typeface="+mj-ea"/>
-                <a:cs typeface="Arial" panose="020B0604020202020204" pitchFamily="34" charset="0"/>
-              </a:defRPr>
-            </a:lvl1pPr>
-          </a:lstStyle>
-          <a:p>
-            <a:r>
-              <a:rPr lang="en-US" sz="2400" i="1" dirty="0">
-                <a:solidFill>
-                  <a:schemeClr val="bg1">
-                    <a:lumMod val="50000"/>
-                  </a:schemeClr>
-                </a:solidFill>
-              </a:rPr>
-              <a:t>The Tri-Institutional Biotech Club &amp; Startup Venture Club</a:t>
-            </a:r>
-          </a:p>
-        </p:txBody>
-      </p:sp>
-    </p:spTree>
-    <p:extLst>
-      <p:ext uri="{BB962C8B-B14F-4D97-AF65-F5344CB8AC3E}">
-        <p14:creationId xmlns:p14="http://schemas.microsoft.com/office/powerpoint/2010/main" val="3193005330"/>
+        <p14:creationId xmlns:p14="http://schemas.microsoft.com/office/powerpoint/2010/main" val="528421309"/>
       </p:ext>
     </p:extLst>
   </p:cSld>
@@ -6689,4 +7449,299 @@
     </a:ext>
   </a:extLst>
 </a:theme>
+</file>
+
+<file path=ppt/theme/theme2.xml><?xml version="1.0" encoding="utf-8"?>
+<a:theme xmlns:a="http://schemas.openxmlformats.org/drawingml/2006/main" name="Office Theme">
+  <a:themeElements>
+    <a:clrScheme name="Office">
+      <a:dk1>
+        <a:sysClr val="windowText" lastClr="000000"/>
+      </a:dk1>
+      <a:lt1>
+        <a:sysClr val="window" lastClr="FFFFFF"/>
+      </a:lt1>
+      <a:dk2>
+        <a:srgbClr val="44546A"/>
+      </a:dk2>
+      <a:lt2>
+        <a:srgbClr val="E7E6E6"/>
+      </a:lt2>
+      <a:accent1>
+        <a:srgbClr val="4472C4"/>
+      </a:accent1>
+      <a:accent2>
+        <a:srgbClr val="ED7D31"/>
+      </a:accent2>
+      <a:accent3>
+        <a:srgbClr val="A5A5A5"/>
+      </a:accent3>
+      <a:accent4>
+        <a:srgbClr val="FFC000"/>
+      </a:accent4>
+      <a:accent5>
+        <a:srgbClr val="5B9BD5"/>
+      </a:accent5>
+      <a:accent6>
+        <a:srgbClr val="70AD47"/>
+      </a:accent6>
+      <a:hlink>
+        <a:srgbClr val="0563C1"/>
+      </a:hlink>
+      <a:folHlink>
+        <a:srgbClr val="954F72"/>
+      </a:folHlink>
+    </a:clrScheme>
+    <a:fontScheme name="Office">
+      <a:majorFont>
+        <a:latin typeface="Calibri Light" panose="020F0302020204030204"/>
+        <a:ea typeface=""/>
+        <a:cs typeface=""/>
+        <a:font script="Jpan" typeface="游ゴシック Light"/>
+        <a:font script="Hang" typeface="맑은 고딕"/>
+        <a:font script="Hans" typeface="等线 Light"/>
+        <a:font script="Hant" typeface="新細明體"/>
+        <a:font script="Arab" typeface="Times New Roman"/>
+        <a:font script="Hebr" typeface="Times New Roman"/>
+        <a:font script="Thai" typeface="Angsana New"/>
+        <a:font script="Ethi" typeface="Nyala"/>
+        <a:font script="Beng" typeface="Vrinda"/>
+        <a:font script="Gujr" typeface="Shruti"/>
+        <a:font script="Khmr" typeface="MoolBoran"/>
+        <a:font script="Knda" typeface="Tunga"/>
+        <a:font script="Guru" typeface="Raavi"/>
+        <a:font script="Cans" typeface="Euphemia"/>
+        <a:font script="Cher" typeface="Plantagenet Cherokee"/>
+        <a:font script="Yiii" typeface="Microsoft Yi Baiti"/>
+        <a:font script="Tibt" typeface="Microsoft Himalaya"/>
+        <a:font script="Thaa" typeface="MV Boli"/>
+        <a:font script="Deva" typeface="Mangal"/>
+        <a:font script="Telu" typeface="Gautami"/>
+        <a:font script="Taml" typeface="Latha"/>
+        <a:font script="Syrc" typeface="Estrangelo Edessa"/>
+        <a:font script="Orya" typeface="Kalinga"/>
+        <a:font script="Mlym" typeface="Kartika"/>
+        <a:font script="Laoo" typeface="DokChampa"/>
+        <a:font script="Sinh" typeface="Iskoola Pota"/>
+        <a:font script="Mong" typeface="Mongolian Baiti"/>
+        <a:font script="Viet" typeface="Times New Roman"/>
+        <a:font script="Uigh" typeface="Microsoft Uighur"/>
+        <a:font script="Geor" typeface="Sylfaen"/>
+        <a:font script="Armn" typeface="Arial"/>
+        <a:font script="Bugi" typeface="Leelawadee UI"/>
+        <a:font script="Bopo" typeface="Microsoft JhengHei"/>
+        <a:font script="Java" typeface="Javanese Text"/>
+        <a:font script="Lisu" typeface="Segoe UI"/>
+        <a:font script="Mymr" typeface="Myanmar Text"/>
+        <a:font script="Nkoo" typeface="Ebrima"/>
+        <a:font script="Olck" typeface="Nirmala UI"/>
+        <a:font script="Osma" typeface="Ebrima"/>
+        <a:font script="Phag" typeface="Phagspa"/>
+        <a:font script="Syrn" typeface="Estrangelo Edessa"/>
+        <a:font script="Syrj" typeface="Estrangelo Edessa"/>
+        <a:font script="Syre" typeface="Estrangelo Edessa"/>
+        <a:font script="Sora" typeface="Nirmala UI"/>
+        <a:font script="Tale" typeface="Microsoft Tai Le"/>
+        <a:font script="Talu" typeface="Microsoft New Tai Lue"/>
+        <a:font script="Tfng" typeface="Ebrima"/>
+      </a:majorFont>
+      <a:minorFont>
+        <a:latin typeface="Calibri" panose="020F0502020204030204"/>
+        <a:ea typeface=""/>
+        <a:cs typeface=""/>
+        <a:font script="Jpan" typeface="游ゴシック"/>
+        <a:font script="Hang" typeface="맑은 고딕"/>
+        <a:font script="Hans" typeface="等线"/>
+        <a:font script="Hant" typeface="新細明體"/>
+        <a:font script="Arab" typeface="Arial"/>
+        <a:font script="Hebr" typeface="Arial"/>
+        <a:font script="Thai" typeface="Cordia New"/>
+        <a:font script="Ethi" typeface="Nyala"/>
+        <a:font script="Beng" typeface="Vrinda"/>
+        <a:font script="Gujr" typeface="Shruti"/>
+        <a:font script="Khmr" typeface="DaunPenh"/>
+        <a:font script="Knda" typeface="Tunga"/>
+        <a:font script="Guru" typeface="Raavi"/>
+        <a:font script="Cans" typeface="Euphemia"/>
+        <a:font script="Cher" typeface="Plantagenet Cherokee"/>
+        <a:font script="Yiii" typeface="Microsoft Yi Baiti"/>
+        <a:font script="Tibt" typeface="Microsoft Himalaya"/>
+        <a:font script="Thaa" typeface="MV Boli"/>
+        <a:font script="Deva" typeface="Mangal"/>
+        <a:font script="Telu" typeface="Gautami"/>
+        <a:font script="Taml" typeface="Latha"/>
+        <a:font script="Syrc" typeface="Estrangelo Edessa"/>
+        <a:font script="Orya" typeface="Kalinga"/>
+        <a:font script="Mlym" typeface="Kartika"/>
+        <a:font script="Laoo" typeface="DokChampa"/>
+        <a:font script="Sinh" typeface="Iskoola Pota"/>
+        <a:font script="Mong" typeface="Mongolian Baiti"/>
+        <a:font script="Viet" typeface="Arial"/>
+        <a:font script="Uigh" typeface="Microsoft Uighur"/>
+        <a:font script="Geor" typeface="Sylfaen"/>
+        <a:font script="Armn" typeface="Arial"/>
+        <a:font script="Bugi" typeface="Leelawadee UI"/>
+        <a:font script="Bopo" typeface="Microsoft JhengHei"/>
+        <a:font script="Java" typeface="Javanese Text"/>
+        <a:font script="Lisu" typeface="Segoe UI"/>
+        <a:font script="Mymr" typeface="Myanmar Text"/>
+        <a:font script="Nkoo" typeface="Ebrima"/>
+        <a:font script="Olck" typeface="Nirmala UI"/>
+        <a:font script="Osma" typeface="Ebrima"/>
+        <a:font script="Phag" typeface="Phagspa"/>
+        <a:font script="Syrn" typeface="Estrangelo Edessa"/>
+        <a:font script="Syrj" typeface="Estrangelo Edessa"/>
+        <a:font script="Syre" typeface="Estrangelo Edessa"/>
+        <a:font script="Sora" typeface="Nirmala UI"/>
+        <a:font script="Tale" typeface="Microsoft Tai Le"/>
+        <a:font script="Talu" typeface="Microsoft New Tai Lue"/>
+        <a:font script="Tfng" typeface="Ebrima"/>
+      </a:minorFont>
+    </a:fontScheme>
+    <a:fmtScheme name="Office">
+      <a:fillStyleLst>
+        <a:solidFill>
+          <a:schemeClr val="phClr"/>
+        </a:solidFill>
+        <a:gradFill rotWithShape="1">
+          <a:gsLst>
+            <a:gs pos="0">
+              <a:schemeClr val="phClr">
+                <a:lumMod val="110000"/>
+                <a:satMod val="105000"/>
+                <a:tint val="67000"/>
+              </a:schemeClr>
+            </a:gs>
+            <a:gs pos="50000">
+              <a:schemeClr val="phClr">
+                <a:lumMod val="105000"/>
+                <a:satMod val="103000"/>
+                <a:tint val="73000"/>
+              </a:schemeClr>
+            </a:gs>
+            <a:gs pos="100000">
+              <a:schemeClr val="phClr">
+                <a:lumMod val="105000"/>
+                <a:satMod val="109000"/>
+                <a:tint val="81000"/>
+              </a:schemeClr>
+            </a:gs>
+          </a:gsLst>
+          <a:lin ang="5400000" scaled="0"/>
+        </a:gradFill>
+        <a:gradFill rotWithShape="1">
+          <a:gsLst>
+            <a:gs pos="0">
+              <a:schemeClr val="phClr">
+                <a:satMod val="103000"/>
+                <a:lumMod val="102000"/>
+                <a:tint val="94000"/>
+              </a:schemeClr>
+            </a:gs>
+            <a:gs pos="50000">
+              <a:schemeClr val="phClr">
+                <a:satMod val="110000"/>
+                <a:lumMod val="100000"/>
+                <a:shade val="100000"/>
+              </a:schemeClr>
+            </a:gs>
+            <a:gs pos="100000">
+              <a:schemeClr val="phClr">
+                <a:lumMod val="99000"/>
+                <a:satMod val="120000"/>
+                <a:shade val="78000"/>
+              </a:schemeClr>
+            </a:gs>
+          </a:gsLst>
+          <a:lin ang="5400000" scaled="0"/>
+        </a:gradFill>
+      </a:fillStyleLst>
+      <a:lnStyleLst>
+        <a:ln w="6350" cap="flat" cmpd="sng" algn="ctr">
+          <a:solidFill>
+            <a:schemeClr val="phClr"/>
+          </a:solidFill>
+          <a:prstDash val="solid"/>
+          <a:miter lim="800000"/>
+        </a:ln>
+        <a:ln w="12700" cap="flat" cmpd="sng" algn="ctr">
+          <a:solidFill>
+            <a:schemeClr val="phClr"/>
+          </a:solidFill>
+          <a:prstDash val="solid"/>
+          <a:miter lim="800000"/>
+        </a:ln>
+        <a:ln w="19050" cap="flat" cmpd="sng" algn="ctr">
+          <a:solidFill>
+            <a:schemeClr val="phClr"/>
+          </a:solidFill>
+          <a:prstDash val="solid"/>
+          <a:miter lim="800000"/>
+        </a:ln>
+      </a:lnStyleLst>
+      <a:effectStyleLst>
+        <a:effectStyle>
+          <a:effectLst/>
+        </a:effectStyle>
+        <a:effectStyle>
+          <a:effectLst/>
+        </a:effectStyle>
+        <a:effectStyle>
+          <a:effectLst>
+            <a:outerShdw blurRad="57150" dist="19050" dir="5400000" algn="ctr" rotWithShape="0">
+              <a:srgbClr val="000000">
+                <a:alpha val="63000"/>
+              </a:srgbClr>
+            </a:outerShdw>
+          </a:effectLst>
+        </a:effectStyle>
+      </a:effectStyleLst>
+      <a:bgFillStyleLst>
+        <a:solidFill>
+          <a:schemeClr val="phClr"/>
+        </a:solidFill>
+        <a:solidFill>
+          <a:schemeClr val="phClr">
+            <a:tint val="95000"/>
+            <a:satMod val="170000"/>
+          </a:schemeClr>
+        </a:solidFill>
+        <a:gradFill rotWithShape="1">
+          <a:gsLst>
+            <a:gs pos="0">
+              <a:schemeClr val="phClr">
+                <a:tint val="93000"/>
+                <a:satMod val="150000"/>
+                <a:shade val="98000"/>
+                <a:lumMod val="102000"/>
+              </a:schemeClr>
+            </a:gs>
+            <a:gs pos="50000">
+              <a:schemeClr val="phClr">
+                <a:tint val="98000"/>
+                <a:satMod val="130000"/>
+                <a:shade val="90000"/>
+                <a:lumMod val="103000"/>
+              </a:schemeClr>
+            </a:gs>
+            <a:gs pos="100000">
+              <a:schemeClr val="phClr">
+                <a:shade val="63000"/>
+                <a:satMod val="120000"/>
+              </a:schemeClr>
+            </a:gs>
+          </a:gsLst>
+          <a:lin ang="5400000" scaled="0"/>
+        </a:gradFill>
+      </a:bgFillStyleLst>
+    </a:fmtScheme>
+  </a:themeElements>
+  <a:objectDefaults/>
+  <a:extraClrSchemeLst/>
+  <a:extLst>
+    <a:ext uri="{05A4C25C-085E-4340-85A3-A5531E510DB2}">
+      <thm15:themeFamily xmlns:thm15="http://schemas.microsoft.com/office/thememl/2012/main" name="Office Theme" id="{62F939B6-93AF-4DB8-9C6B-D6C7DFDC589F}" vid="{4A3C46E8-61CC-4603-A589-7422A47A8E4A}"/>
+    </a:ext>
+  </a:extLst>
+</a:theme>
 </file>